--- a/slide/HDH.pptx
+++ b/slide/HDH.pptx
@@ -5,30 +5,39 @@
     <p:sldMasterId id="2147483658" r:id="rId1"/>
   </p:sldMasterIdLst>
   <p:notesMasterIdLst>
-    <p:notesMasterId r:id="rId20"/>
+    <p:notesMasterId r:id="rId29"/>
   </p:notesMasterIdLst>
   <p:handoutMasterIdLst>
-    <p:handoutMasterId r:id="rId21"/>
+    <p:handoutMasterId r:id="rId30"/>
   </p:handoutMasterIdLst>
   <p:sldIdLst>
-    <p:sldId id="270" r:id="rId2"/>
-    <p:sldId id="271" r:id="rId3"/>
-    <p:sldId id="257" r:id="rId4"/>
-    <p:sldId id="280" r:id="rId5"/>
-    <p:sldId id="265" r:id="rId6"/>
-    <p:sldId id="279" r:id="rId7"/>
+    <p:sldId id="257" r:id="rId2"/>
+    <p:sldId id="280" r:id="rId3"/>
+    <p:sldId id="265" r:id="rId4"/>
+    <p:sldId id="279" r:id="rId5"/>
+    <p:sldId id="294" r:id="rId6"/>
+    <p:sldId id="295" r:id="rId7"/>
     <p:sldId id="283" r:id="rId8"/>
-    <p:sldId id="281" r:id="rId9"/>
-    <p:sldId id="282" r:id="rId10"/>
+    <p:sldId id="282" r:id="rId9"/>
+    <p:sldId id="281" r:id="rId10"/>
     <p:sldId id="289" r:id="rId11"/>
-    <p:sldId id="284" r:id="rId12"/>
+    <p:sldId id="298" r:id="rId12"/>
     <p:sldId id="285" r:id="rId13"/>
-    <p:sldId id="286" r:id="rId14"/>
+    <p:sldId id="284" r:id="rId14"/>
     <p:sldId id="287" r:id="rId15"/>
-    <p:sldId id="288" r:id="rId16"/>
-    <p:sldId id="290" r:id="rId17"/>
-    <p:sldId id="291" r:id="rId18"/>
-    <p:sldId id="269" r:id="rId19"/>
+    <p:sldId id="286" r:id="rId16"/>
+    <p:sldId id="297" r:id="rId17"/>
+    <p:sldId id="299" r:id="rId18"/>
+    <p:sldId id="288" r:id="rId19"/>
+    <p:sldId id="291" r:id="rId20"/>
+    <p:sldId id="302" r:id="rId21"/>
+    <p:sldId id="303" r:id="rId22"/>
+    <p:sldId id="290" r:id="rId23"/>
+    <p:sldId id="300" r:id="rId24"/>
+    <p:sldId id="301" r:id="rId25"/>
+    <p:sldId id="293" r:id="rId26"/>
+    <p:sldId id="292" r:id="rId27"/>
+    <p:sldId id="269" r:id="rId28"/>
   </p:sldIdLst>
   <p:sldSz cx="9144000" cy="6858000" type="screen4x3"/>
   <p:notesSz cx="6858000" cy="9144000"/>
@@ -372,7 +381,7 @@
           <a:p>
             <a:fld id="{48B45424-6BAC-416C-8F6C-5F9DE854A36B}" type="datetimeFigureOut">
               <a:rPr lang="en-US" smtClean="0"/>
-              <a:t>4/21/2023</a:t>
+              <a:t>7/6/2023</a:t>
             </a:fld>
             <a:endParaRPr lang="en-US"/>
           </a:p>
@@ -550,7 +559,7 @@
           <a:p>
             <a:fld id="{6B733702-C25A-40B9-9167-54BAA79B29B0}" type="datetimeFigureOut">
               <a:rPr lang="en-US" smtClean="0"/>
-              <a:t>4/21/2023</a:t>
+              <a:t>7/6/2023</a:t>
             </a:fld>
             <a:endParaRPr lang="en-US"/>
           </a:p>
@@ -820,141 +829,6 @@
 
 <file path=ppt/slideLayouts/slideLayout1.xml><?xml version="1.0" encoding="utf-8"?>
 <p:sldLayout xmlns:a="http://schemas.openxmlformats.org/drawingml/2006/main" xmlns:r="http://schemas.openxmlformats.org/officeDocument/2006/relationships" xmlns:p="http://schemas.openxmlformats.org/presentationml/2006/main" userDrawn="1">
-  <p:cSld name="Custom Layout">
-    <p:bg>
-      <p:bgPr>
-        <a:blipFill dpi="0" rotWithShape="1">
-          <a:blip r:embed="rId2">
-            <a:lum/>
-          </a:blip>
-          <a:srcRect/>
-          <a:stretch>
-            <a:fillRect/>
-          </a:stretch>
-        </a:blipFill>
-        <a:effectLst/>
-      </p:bgPr>
-    </p:bg>
-    <p:spTree>
-      <p:nvGrpSpPr>
-        <p:cNvPr id="1" name=""/>
-        <p:cNvGrpSpPr/>
-        <p:nvPr/>
-      </p:nvGrpSpPr>
-      <p:grpSpPr>
-        <a:xfrm>
-          <a:off x="0" y="0"/>
-          <a:ext cx="0" cy="0"/>
-          <a:chOff x="0" y="0"/>
-          <a:chExt cx="0" cy="0"/>
-        </a:xfrm>
-      </p:grpSpPr>
-    </p:spTree>
-    <p:extLst>
-      <p:ext uri="{BB962C8B-B14F-4D97-AF65-F5344CB8AC3E}">
-        <p14:creationId xmlns:p14="http://schemas.microsoft.com/office/powerpoint/2010/main" val="2315980256"/>
-      </p:ext>
-    </p:extLst>
-  </p:cSld>
-  <p:clrMapOvr>
-    <a:masterClrMapping/>
-  </p:clrMapOvr>
-</p:sldLayout>
-</file>
-
-<file path=ppt/slideLayouts/slideLayout2.xml><?xml version="1.0" encoding="utf-8"?>
-<p:sldLayout xmlns:a="http://schemas.openxmlformats.org/drawingml/2006/main" xmlns:r="http://schemas.openxmlformats.org/officeDocument/2006/relationships" xmlns:p="http://schemas.openxmlformats.org/presentationml/2006/main" userDrawn="1">
-  <p:cSld name="1_Title Slide">
-    <p:bg>
-      <p:bgPr>
-        <a:blipFill dpi="0" rotWithShape="1">
-          <a:blip r:embed="rId2">
-            <a:lum/>
-          </a:blip>
-          <a:srcRect/>
-          <a:stretch>
-            <a:fillRect/>
-          </a:stretch>
-        </a:blipFill>
-        <a:effectLst/>
-      </p:bgPr>
-    </p:bg>
-    <p:spTree>
-      <p:nvGrpSpPr>
-        <p:cNvPr id="1" name=""/>
-        <p:cNvGrpSpPr/>
-        <p:nvPr/>
-      </p:nvGrpSpPr>
-      <p:grpSpPr>
-        <a:xfrm>
-          <a:off x="0" y="0"/>
-          <a:ext cx="0" cy="0"/>
-          <a:chOff x="0" y="0"/>
-          <a:chExt cx="0" cy="0"/>
-        </a:xfrm>
-      </p:grpSpPr>
-      <p:sp>
-        <p:nvSpPr>
-          <p:cNvPr id="3" name="Title 6">
-            <a:extLst>
-              <a:ext uri="{FF2B5EF4-FFF2-40B4-BE49-F238E27FC236}">
-                <a16:creationId xmlns:a16="http://schemas.microsoft.com/office/drawing/2014/main" id="{C5DD3B49-F775-49FC-ACAD-45B074D1C945}"/>
-              </a:ext>
-            </a:extLst>
-          </p:cNvPr>
-          <p:cNvSpPr>
-            <a:spLocks noGrp="1"/>
-          </p:cNvSpPr>
-          <p:nvPr>
-            <p:ph type="title" hasCustomPrompt="1"/>
-          </p:nvPr>
-        </p:nvSpPr>
-        <p:spPr>
-          <a:xfrm>
-            <a:off x="2380488" y="2365248"/>
-            <a:ext cx="4383024" cy="2127504"/>
-          </a:xfrm>
-          <a:prstGeom prst="rect">
-            <a:avLst/>
-          </a:prstGeom>
-        </p:spPr>
-        <p:txBody>
-          <a:bodyPr/>
-          <a:lstStyle>
-            <a:lvl1pPr algn="ctr">
-              <a:defRPr sz="4800" b="1">
-                <a:solidFill>
-                  <a:schemeClr val="bg1"/>
-                </a:solidFill>
-                <a:latin typeface="Lato" panose="020F0502020204030203" pitchFamily="34" charset="0"/>
-                <a:ea typeface="Lato" panose="020F0502020204030203" pitchFamily="34" charset="0"/>
-                <a:cs typeface="Lato" panose="020F0502020204030203" pitchFamily="34" charset="0"/>
-              </a:defRPr>
-            </a:lvl1pPr>
-          </a:lstStyle>
-          <a:p>
-            <a:r>
-              <a:rPr lang="en-US" dirty="0"/>
-              <a:t>CLICK TO EDIT MASTER TITLE STYLE</a:t>
-            </a:r>
-          </a:p>
-        </p:txBody>
-      </p:sp>
-    </p:spTree>
-    <p:extLst>
-      <p:ext uri="{BB962C8B-B14F-4D97-AF65-F5344CB8AC3E}">
-        <p14:creationId xmlns:p14="http://schemas.microsoft.com/office/powerpoint/2010/main" val="678804056"/>
-      </p:ext>
-    </p:extLst>
-  </p:cSld>
-  <p:clrMapOvr>
-    <a:masterClrMapping/>
-  </p:clrMapOvr>
-</p:sldLayout>
-</file>
-
-<file path=ppt/slideLayouts/slideLayout3.xml><?xml version="1.0" encoding="utf-8"?>
-<p:sldLayout xmlns:a="http://schemas.openxmlformats.org/drawingml/2006/main" xmlns:r="http://schemas.openxmlformats.org/officeDocument/2006/relationships" xmlns:p="http://schemas.openxmlformats.org/presentationml/2006/main" userDrawn="1">
   <p:cSld name="1_Title and Content">
     <p:bg>
       <p:bgPr>
@@ -997,7 +871,7 @@
 </p:sldLayout>
 </file>
 
-<file path=ppt/slideLayouts/slideLayout4.xml><?xml version="1.0" encoding="utf-8"?>
+<file path=ppt/slideLayouts/slideLayout2.xml><?xml version="1.0" encoding="utf-8"?>
 <p:sldLayout xmlns:a="http://schemas.openxmlformats.org/drawingml/2006/main" xmlns:r="http://schemas.openxmlformats.org/officeDocument/2006/relationships" xmlns:p="http://schemas.openxmlformats.org/presentationml/2006/main" userDrawn="1">
   <p:cSld name="1_Section Header">
     <p:bg>
@@ -1071,7 +945,7 @@
             <a:fld id="{F70EAA40-3A53-4A3D-924A-D38F1059C7D5}" type="datetime1">
               <a:rPr lang="en-US" smtClean="0"/>
               <a:pPr/>
-              <a:t>4/21/2023</a:t>
+              <a:t>7/6/2023</a:t>
             </a:fld>
             <a:endParaRPr lang="en-US"/>
           </a:p>
@@ -1331,7 +1205,7 @@
 </p:sldLayout>
 </file>
 
-<file path=ppt/slideLayouts/slideLayout5.xml><?xml version="1.0" encoding="utf-8"?>
+<file path=ppt/slideLayouts/slideLayout3.xml><?xml version="1.0" encoding="utf-8"?>
 <p:sldLayout xmlns:a="http://schemas.openxmlformats.org/drawingml/2006/main" xmlns:r="http://schemas.openxmlformats.org/officeDocument/2006/relationships" xmlns:p="http://schemas.openxmlformats.org/presentationml/2006/main" userDrawn="1">
   <p:cSld name="1_Content with Caption">
     <p:bg>
@@ -1407,7 +1281,7 @@
             <a:fld id="{F70EAA40-3A53-4A3D-924A-D38F1059C7D5}" type="datetime1">
               <a:rPr lang="en-US" smtClean="0"/>
               <a:pPr/>
-              <a:t>4/21/2023</a:t>
+              <a:t>7/6/2023</a:t>
             </a:fld>
             <a:endParaRPr lang="en-US"/>
           </a:p>
@@ -1525,7 +1399,7 @@
     <p:bg>
       <p:bgPr>
         <a:blipFill dpi="0" rotWithShape="1">
-          <a:blip r:embed="rId7">
+          <a:blip r:embed="rId5">
             <a:lum/>
           </a:blip>
           <a:srcRect/>
@@ -1559,11 +1433,9 @@
   </p:cSld>
   <p:clrMap bg1="lt1" tx1="dk1" bg2="lt2" tx2="dk2" accent1="accent1" accent2="accent2" accent3="accent3" accent4="accent4" accent5="accent5" accent6="accent6" hlink="hlink" folHlink="folHlink"/>
   <p:sldLayoutIdLst>
-    <p:sldLayoutId id="2147483670" r:id="rId1"/>
-    <p:sldLayoutId id="2147483671" r:id="rId2"/>
-    <p:sldLayoutId id="2147483672" r:id="rId3"/>
-    <p:sldLayoutId id="2147483673" r:id="rId4"/>
-    <p:sldLayoutId id="2147483678" r:id="rId5"/>
+    <p:sldLayoutId id="2147483672" r:id="rId1"/>
+    <p:sldLayoutId id="2147483673" r:id="rId2"/>
+    <p:sldLayoutId id="2147483678" r:id="rId3"/>
   </p:sldLayoutIdLst>
   <p:hf hdr="0" ftr="0" dt="0"/>
   <p:txStyles>
@@ -1866,10 +1738,319 @@
           <a:chExt cx="0" cy="0"/>
         </a:xfrm>
       </p:grpSpPr>
+      <p:pic>
+        <p:nvPicPr>
+          <p:cNvPr id="10" name="Picture 3" descr="Text&#10;&#10;Description automatically generated">
+            <a:extLst>
+              <a:ext uri="{FF2B5EF4-FFF2-40B4-BE49-F238E27FC236}">
+                <a16:creationId xmlns:a16="http://schemas.microsoft.com/office/drawing/2014/main" id="{67FB4AA9-E9AF-4CE0-A0DC-99D795289003}"/>
+              </a:ext>
+            </a:extLst>
+          </p:cNvPr>
+          <p:cNvPicPr>
+            <a:picLocks noChangeAspect="1"/>
+          </p:cNvPicPr>
+          <p:nvPr/>
+        </p:nvPicPr>
+        <p:blipFill>
+          <a:blip r:embed="rId2">
+            <a:extLst>
+              <a:ext uri="{28A0092B-C50C-407E-A947-70E740481C1C}">
+                <a14:useLocalDpi xmlns:a14="http://schemas.microsoft.com/office/drawing/2010/main" val="0"/>
+              </a:ext>
+            </a:extLst>
+          </a:blip>
+          <a:stretch>
+            <a:fillRect/>
+          </a:stretch>
+        </p:blipFill>
+        <p:spPr>
+          <a:xfrm>
+            <a:off x="413012" y="317038"/>
+            <a:ext cx="2576374" cy="936215"/>
+          </a:xfrm>
+          <a:prstGeom prst="rect">
+            <a:avLst/>
+          </a:prstGeom>
+        </p:spPr>
+      </p:pic>
+      <p:sp>
+        <p:nvSpPr>
+          <p:cNvPr id="11" name="Title 6">
+            <a:extLst>
+              <a:ext uri="{FF2B5EF4-FFF2-40B4-BE49-F238E27FC236}">
+                <a16:creationId xmlns:a16="http://schemas.microsoft.com/office/drawing/2014/main" id="{FF8BDF70-CFA6-4031-86B7-31F910D8115D}"/>
+              </a:ext>
+            </a:extLst>
+          </p:cNvPr>
+          <p:cNvSpPr txBox="1">
+            <a:spLocks/>
+          </p:cNvSpPr>
+          <p:nvPr/>
+        </p:nvSpPr>
+        <p:spPr>
+          <a:xfrm>
+            <a:off x="413012" y="2441586"/>
+            <a:ext cx="7342482" cy="848792"/>
+          </a:xfrm>
+          <a:prstGeom prst="rect">
+            <a:avLst/>
+          </a:prstGeom>
+        </p:spPr>
+        <p:txBody>
+          <a:bodyPr/>
+          <a:lstStyle>
+            <a:lvl1pPr algn="l" defTabSz="914400" rtl="0" eaLnBrk="1" latinLnBrk="0" hangingPunct="1">
+              <a:lnSpc>
+                <a:spcPct val="90000"/>
+              </a:lnSpc>
+              <a:spcBef>
+                <a:spcPct val="0"/>
+              </a:spcBef>
+              <a:buNone/>
+              <a:defRPr sz="5400" b="1" kern="1200">
+                <a:solidFill>
+                  <a:srgbClr val="C00000"/>
+                </a:solidFill>
+                <a:latin typeface="Lato" panose="020F0502020204030203" pitchFamily="34" charset="0"/>
+                <a:ea typeface="Lato" panose="020F0502020204030203" pitchFamily="34" charset="0"/>
+                <a:cs typeface="Lato" panose="020F0502020204030203" pitchFamily="34" charset="0"/>
+              </a:defRPr>
+            </a:lvl1pPr>
+          </a:lstStyle>
+          <a:p>
+            <a:r>
+              <a:rPr lang="en-US" dirty="0"/>
+              <a:t>Project 1: </a:t>
+            </a:r>
+            <a:r>
+              <a:rPr lang="en-US" dirty="0" err="1"/>
+              <a:t>MyShell</a:t>
+            </a:r>
+            <a:endParaRPr lang="en-US" dirty="0"/>
+          </a:p>
+        </p:txBody>
+      </p:sp>
+      <p:sp>
+        <p:nvSpPr>
+          <p:cNvPr id="12" name="Title 6">
+            <a:extLst>
+              <a:ext uri="{FF2B5EF4-FFF2-40B4-BE49-F238E27FC236}">
+                <a16:creationId xmlns:a16="http://schemas.microsoft.com/office/drawing/2014/main" id="{A4ACF486-B7D8-4A5A-B633-83527A2F99E2}"/>
+              </a:ext>
+            </a:extLst>
+          </p:cNvPr>
+          <p:cNvSpPr txBox="1">
+            <a:spLocks/>
+          </p:cNvSpPr>
+          <p:nvPr/>
+        </p:nvSpPr>
+        <p:spPr>
+          <a:xfrm>
+            <a:off x="413012" y="3559942"/>
+            <a:ext cx="7342482" cy="2164202"/>
+          </a:xfrm>
+          <a:prstGeom prst="rect">
+            <a:avLst/>
+          </a:prstGeom>
+        </p:spPr>
+        <p:txBody>
+          <a:bodyPr/>
+          <a:lstStyle>
+            <a:lvl1pPr algn="l" defTabSz="914400" rtl="0" eaLnBrk="1" latinLnBrk="0" hangingPunct="1">
+              <a:lnSpc>
+                <a:spcPct val="90000"/>
+              </a:lnSpc>
+              <a:spcBef>
+                <a:spcPct val="0"/>
+              </a:spcBef>
+              <a:buNone/>
+              <a:defRPr sz="5400" b="1" kern="1200">
+                <a:solidFill>
+                  <a:srgbClr val="C00000"/>
+                </a:solidFill>
+                <a:latin typeface="Lato" panose="020F0502020204030203" pitchFamily="34" charset="0"/>
+                <a:ea typeface="Lato" panose="020F0502020204030203" pitchFamily="34" charset="0"/>
+                <a:cs typeface="Lato" panose="020F0502020204030203" pitchFamily="34" charset="0"/>
+              </a:defRPr>
+            </a:lvl1pPr>
+          </a:lstStyle>
+          <a:p>
+            <a:r>
+              <a:rPr lang="en-US" sz="2800" b="0" dirty="0" err="1"/>
+              <a:t>Môn</a:t>
+            </a:r>
+            <a:r>
+              <a:rPr lang="en-US" sz="2800" b="0" dirty="0"/>
+              <a:t>: </a:t>
+            </a:r>
+            <a:r>
+              <a:rPr lang="en-US" sz="2800" b="0" dirty="0" err="1"/>
+              <a:t>Nguyên</a:t>
+            </a:r>
+            <a:r>
+              <a:rPr lang="en-US" sz="2800" b="0" dirty="0"/>
+              <a:t> </a:t>
+            </a:r>
+            <a:r>
+              <a:rPr lang="en-US" sz="2800" b="0" dirty="0" err="1"/>
+              <a:t>lý</a:t>
+            </a:r>
+            <a:r>
+              <a:rPr lang="en-US" sz="2800" b="0" dirty="0"/>
+              <a:t> </a:t>
+            </a:r>
+            <a:r>
+              <a:rPr lang="en-US" sz="2800" b="0" dirty="0" err="1"/>
+              <a:t>hệ</a:t>
+            </a:r>
+            <a:r>
+              <a:rPr lang="en-US" sz="2800" b="0" dirty="0"/>
+              <a:t> </a:t>
+            </a:r>
+            <a:r>
+              <a:rPr lang="en-US" sz="2800" b="0" dirty="0" err="1"/>
+              <a:t>điều</a:t>
+            </a:r>
+            <a:r>
+              <a:rPr lang="en-US" sz="2800" b="0" dirty="0"/>
+              <a:t> </a:t>
+            </a:r>
+            <a:r>
+              <a:rPr lang="en-US" sz="2800" b="0" dirty="0" err="1"/>
+              <a:t>hành</a:t>
+            </a:r>
+            <a:r>
+              <a:rPr lang="en-US" sz="2800" b="0" dirty="0"/>
+              <a:t>.</a:t>
+            </a:r>
+          </a:p>
+          <a:p>
+            <a:r>
+              <a:rPr lang="en-US" sz="2800" b="0" dirty="0" err="1"/>
+              <a:t>Người</a:t>
+            </a:r>
+            <a:r>
+              <a:rPr lang="en-US" sz="2800" b="0" dirty="0"/>
+              <a:t> </a:t>
+            </a:r>
+            <a:r>
+              <a:rPr lang="en-US" sz="2800" b="0" dirty="0" err="1"/>
+              <a:t>làm</a:t>
+            </a:r>
+            <a:r>
+              <a:rPr lang="en-US" sz="2800" b="0" dirty="0"/>
+              <a:t>:</a:t>
+            </a:r>
+          </a:p>
+          <a:p>
+            <a:pPr marL="457200" indent="-457200">
+              <a:buFont typeface="Arial" panose="020B0604020202020204" pitchFamily="34" charset="0"/>
+              <a:buChar char="•"/>
+            </a:pPr>
+            <a:r>
+              <a:rPr lang="en-US" sz="2400" b="0" dirty="0" err="1"/>
+              <a:t>Nguyễn</a:t>
+            </a:r>
+            <a:r>
+              <a:rPr lang="en-US" sz="2400" b="0" dirty="0"/>
+              <a:t> </a:t>
+            </a:r>
+            <a:r>
+              <a:rPr lang="en-US" sz="2400" b="0" dirty="0" err="1"/>
+              <a:t>Đại</a:t>
+            </a:r>
+            <a:r>
+              <a:rPr lang="en-US" sz="2400" b="0" dirty="0"/>
+              <a:t> An 20215296</a:t>
+            </a:r>
+          </a:p>
+          <a:p>
+            <a:pPr marL="457200" indent="-457200">
+              <a:buFont typeface="Arial" panose="020B0604020202020204" pitchFamily="34" charset="0"/>
+              <a:buChar char="•"/>
+            </a:pPr>
+            <a:r>
+              <a:rPr lang="en-US" sz="2400" b="0" dirty="0" err="1"/>
+              <a:t>Nguyễn</a:t>
+            </a:r>
+            <a:r>
+              <a:rPr lang="en-US" sz="2400" b="0" dirty="0"/>
+              <a:t> </a:t>
+            </a:r>
+            <a:r>
+              <a:rPr lang="en-US" sz="2400" b="0" dirty="0" err="1"/>
+              <a:t>Tuấn</a:t>
+            </a:r>
+            <a:r>
+              <a:rPr lang="en-US" sz="2400" b="0" dirty="0"/>
+              <a:t> Anh 20210015</a:t>
+            </a:r>
+          </a:p>
+          <a:p>
+            <a:pPr marL="457200" indent="-457200">
+              <a:buFont typeface="Arial" panose="020B0604020202020204" pitchFamily="34" charset="0"/>
+              <a:buChar char="•"/>
+            </a:pPr>
+            <a:r>
+              <a:rPr lang="en-US" sz="2400" b="0" dirty="0" err="1"/>
+              <a:t>Trần</a:t>
+            </a:r>
+            <a:r>
+              <a:rPr lang="en-US" sz="2400" b="0" dirty="0"/>
+              <a:t> </a:t>
+            </a:r>
+            <a:r>
+              <a:rPr lang="en-US" sz="2400" b="0" dirty="0" err="1"/>
+              <a:t>Hồ</a:t>
+            </a:r>
+            <a:r>
+              <a:rPr lang="en-US" sz="2400" b="0" dirty="0"/>
+              <a:t> Khánh Ly 20210561</a:t>
+            </a:r>
+          </a:p>
+        </p:txBody>
+      </p:sp>
+      <p:pic>
+        <p:nvPicPr>
+          <p:cNvPr id="3" name="Picture 2">
+            <a:extLst>
+              <a:ext uri="{FF2B5EF4-FFF2-40B4-BE49-F238E27FC236}">
+                <a16:creationId xmlns:a16="http://schemas.microsoft.com/office/drawing/2014/main" id="{3A630113-02D9-0684-6184-4B2975432DB3}"/>
+              </a:ext>
+            </a:extLst>
+          </p:cNvPr>
+          <p:cNvPicPr>
+            <a:picLocks noChangeAspect="1"/>
+          </p:cNvPicPr>
+          <p:nvPr/>
+        </p:nvPicPr>
+        <p:blipFill>
+          <a:blip r:embed="rId3">
+            <a:extLst>
+              <a:ext uri="{28A0092B-C50C-407E-A947-70E740481C1C}">
+                <a14:useLocalDpi xmlns:a14="http://schemas.microsoft.com/office/drawing/2010/main" val="0"/>
+              </a:ext>
+            </a:extLst>
+          </a:blip>
+          <a:stretch>
+            <a:fillRect/>
+          </a:stretch>
+        </p:blipFill>
+        <p:spPr>
+          <a:xfrm>
+            <a:off x="6258394" y="2340863"/>
+            <a:ext cx="790681" cy="790681"/>
+          </a:xfrm>
+          <a:prstGeom prst="rect">
+            <a:avLst/>
+          </a:prstGeom>
+        </p:spPr>
+      </p:pic>
     </p:spTree>
     <p:extLst>
       <p:ext uri="{BB962C8B-B14F-4D97-AF65-F5344CB8AC3E}">
-        <p14:creationId xmlns:p14="http://schemas.microsoft.com/office/powerpoint/2010/main" val="1558653304"/>
+        <p14:creationId xmlns:p14="http://schemas.microsoft.com/office/powerpoint/2010/main" val="743172911"/>
       </p:ext>
     </p:extLst>
   </p:cSld>
@@ -1993,10 +2174,10 @@
       </p:sp>
       <p:pic>
         <p:nvPicPr>
-          <p:cNvPr id="9" name="Picture 8">
-            <a:extLst>
-              <a:ext uri="{FF2B5EF4-FFF2-40B4-BE49-F238E27FC236}">
-                <a16:creationId xmlns:a16="http://schemas.microsoft.com/office/drawing/2014/main" id="{6680DB2F-CAE9-69A0-9620-70C87D8F5701}"/>
+          <p:cNvPr id="6" name="Picture 5">
+            <a:extLst>
+              <a:ext uri="{FF2B5EF4-FFF2-40B4-BE49-F238E27FC236}">
+                <a16:creationId xmlns:a16="http://schemas.microsoft.com/office/drawing/2014/main" id="{4BB41EB0-FCB7-A262-8C7F-A331684E3DF6}"/>
               </a:ext>
             </a:extLst>
           </p:cNvPr>
@@ -2005,15 +2186,16 @@
           </p:cNvPicPr>
           <p:nvPr/>
         </p:nvPicPr>
-        <p:blipFill rotWithShape="1">
+        <p:blipFill>
           <a:blip r:embed="rId2"/>
-          <a:srcRect r="18900" b="13556"/>
-          <a:stretch/>
+          <a:stretch>
+            <a:fillRect/>
+          </a:stretch>
         </p:blipFill>
         <p:spPr>
           <a:xfrm>
-            <a:off x="864108" y="1205865"/>
-            <a:ext cx="7415784" cy="4446270"/>
+            <a:off x="580644" y="1183862"/>
+            <a:ext cx="7982712" cy="4490276"/>
           </a:xfrm>
           <a:prstGeom prst="rect">
             <a:avLst/>
@@ -2141,114 +2323,7 @@
             <a:pPr marL="0" indent="0">
               <a:buNone/>
             </a:pPr>
-            <a:r>
-              <a:rPr lang="en-US" dirty="0"/>
-              <a:t>Trong </a:t>
-            </a:r>
-            <a:r>
-              <a:rPr lang="en-US" dirty="0" err="1"/>
-              <a:t>cửa</a:t>
-            </a:r>
-            <a:r>
-              <a:rPr lang="en-US" dirty="0"/>
-              <a:t> </a:t>
-            </a:r>
-            <a:r>
-              <a:rPr lang="en-US" dirty="0" err="1"/>
-              <a:t>sổ</a:t>
-            </a:r>
-            <a:r>
-              <a:rPr lang="en-US" dirty="0"/>
-              <a:t> </a:t>
-            </a:r>
-            <a:r>
-              <a:rPr lang="en-US" dirty="0" err="1"/>
-              <a:t>chính</a:t>
-            </a:r>
-            <a:r>
-              <a:rPr lang="en-US" dirty="0"/>
-              <a:t> </a:t>
-            </a:r>
-            <a:r>
-              <a:rPr lang="en-US" dirty="0" err="1"/>
-              <a:t>sẽ</a:t>
-            </a:r>
-            <a:r>
-              <a:rPr lang="en-US" dirty="0"/>
-              <a:t> </a:t>
-            </a:r>
-            <a:r>
-              <a:rPr lang="en-US" dirty="0" err="1"/>
-              <a:t>có</a:t>
-            </a:r>
-            <a:r>
-              <a:rPr lang="en-US" dirty="0"/>
-              <a:t> 2 </a:t>
-            </a:r>
-            <a:r>
-              <a:rPr lang="en-US" dirty="0" err="1"/>
-              <a:t>cửa</a:t>
-            </a:r>
-            <a:r>
-              <a:rPr lang="en-US" dirty="0"/>
-              <a:t> </a:t>
-            </a:r>
-            <a:r>
-              <a:rPr lang="en-US" dirty="0" err="1"/>
-              <a:t>sổ</a:t>
-            </a:r>
-            <a:r>
-              <a:rPr lang="en-US" dirty="0"/>
-              <a:t> con </a:t>
-            </a:r>
-            <a:r>
-              <a:rPr lang="en-US" dirty="0" err="1"/>
-              <a:t>với</a:t>
-            </a:r>
-            <a:r>
-              <a:rPr lang="en-US" dirty="0"/>
-              <a:t> </a:t>
-            </a:r>
-            <a:r>
-              <a:rPr lang="en-US" dirty="0" err="1"/>
-              <a:t>hwnd</a:t>
-            </a:r>
-            <a:r>
-              <a:rPr lang="en-US" dirty="0"/>
-              <a:t> </a:t>
-            </a:r>
-            <a:r>
-              <a:rPr lang="en-US" dirty="0" err="1"/>
-              <a:t>lưu</a:t>
-            </a:r>
-            <a:r>
-              <a:rPr lang="en-US" dirty="0"/>
-              <a:t> </a:t>
-            </a:r>
-            <a:r>
-              <a:rPr lang="en-US" dirty="0" err="1"/>
-              <a:t>trong</a:t>
-            </a:r>
-            <a:r>
-              <a:rPr lang="en-US" dirty="0"/>
-              <a:t> </a:t>
-            </a:r>
-            <a:r>
-              <a:rPr lang="en-US" dirty="0" err="1"/>
-              <a:t>hwndStatic</a:t>
-            </a:r>
-            <a:r>
-              <a:rPr lang="en-US" dirty="0"/>
-              <a:t> và </a:t>
-            </a:r>
-            <a:r>
-              <a:rPr lang="en-US" dirty="0" err="1"/>
-              <a:t>hwndEdit</a:t>
-            </a:r>
-            <a:r>
-              <a:rPr lang="en-US" dirty="0"/>
-              <a:t>. </a:t>
-            </a:r>
+            <a:endParaRPr lang="en-US" dirty="0"/>
           </a:p>
         </p:txBody>
       </p:sp>
@@ -2257,7 +2332,7 @@
           <p:cNvPr id="6" name="Picture 5">
             <a:extLst>
               <a:ext uri="{FF2B5EF4-FFF2-40B4-BE49-F238E27FC236}">
-                <a16:creationId xmlns:a16="http://schemas.microsoft.com/office/drawing/2014/main" id="{D5D038E5-5AF5-A227-5F85-8CD43A6AC48D}"/>
+                <a16:creationId xmlns:a16="http://schemas.microsoft.com/office/drawing/2014/main" id="{4BB41EB0-FCB7-A262-8C7F-A331684E3DF6}"/>
               </a:ext>
             </a:extLst>
           </p:cNvPr>
@@ -2266,15 +2341,16 @@
           </p:cNvPicPr>
           <p:nvPr/>
         </p:nvPicPr>
-        <p:blipFill rotWithShape="1">
+        <p:blipFill>
           <a:blip r:embed="rId2"/>
-          <a:srcRect r="2600"/>
-          <a:stretch/>
+          <a:stretch>
+            <a:fillRect/>
+          </a:stretch>
         </p:blipFill>
         <p:spPr>
           <a:xfrm>
-            <a:off x="402336" y="1894631"/>
-            <a:ext cx="8101584" cy="3813238"/>
+            <a:off x="234823" y="2319947"/>
+            <a:ext cx="18773024" cy="10559827"/>
           </a:xfrm>
           <a:prstGeom prst="rect">
             <a:avLst/>
@@ -2284,13 +2360,25 @@
     </p:spTree>
     <p:extLst>
       <p:ext uri="{BB962C8B-B14F-4D97-AF65-F5344CB8AC3E}">
-        <p14:creationId xmlns:p14="http://schemas.microsoft.com/office/powerpoint/2010/main" val="283940172"/>
+        <p14:creationId xmlns:p14="http://schemas.microsoft.com/office/powerpoint/2010/main" val="1258969601"/>
       </p:ext>
     </p:extLst>
   </p:cSld>
   <p:clrMapOvr>
     <a:masterClrMapping/>
   </p:clrMapOvr>
+  <mc:AlternateContent xmlns:mc="http://schemas.openxmlformats.org/markup-compatibility/2006">
+    <mc:Choice xmlns:p159="http://schemas.microsoft.com/office/powerpoint/2015/09/main" Requires="p159">
+      <p:transition xmlns:p14="http://schemas.microsoft.com/office/powerpoint/2010/main" spd="slow" p14:dur="2000">
+        <p159:morph option="byObject"/>
+      </p:transition>
+    </mc:Choice>
+    <mc:Fallback>
+      <p:transition spd="slow">
+        <p:fade/>
+      </p:transition>
+    </mc:Fallback>
+  </mc:AlternateContent>
 </p:sld>
 </file>
 
@@ -3193,6 +3281,494 @@
               <a:buNone/>
             </a:pPr>
             <a:r>
+              <a:rPr lang="en-US" dirty="0"/>
+              <a:t>Trong </a:t>
+            </a:r>
+            <a:r>
+              <a:rPr lang="en-US" dirty="0" err="1"/>
+              <a:t>cửa</a:t>
+            </a:r>
+            <a:r>
+              <a:rPr lang="en-US" dirty="0"/>
+              <a:t> </a:t>
+            </a:r>
+            <a:r>
+              <a:rPr lang="en-US" dirty="0" err="1"/>
+              <a:t>sổ</a:t>
+            </a:r>
+            <a:r>
+              <a:rPr lang="en-US" dirty="0"/>
+              <a:t> </a:t>
+            </a:r>
+            <a:r>
+              <a:rPr lang="en-US" dirty="0" err="1"/>
+              <a:t>chính</a:t>
+            </a:r>
+            <a:r>
+              <a:rPr lang="en-US" dirty="0"/>
+              <a:t> </a:t>
+            </a:r>
+            <a:r>
+              <a:rPr lang="en-US" dirty="0" err="1"/>
+              <a:t>sẽ</a:t>
+            </a:r>
+            <a:r>
+              <a:rPr lang="en-US" dirty="0"/>
+              <a:t> </a:t>
+            </a:r>
+            <a:r>
+              <a:rPr lang="en-US" dirty="0" err="1"/>
+              <a:t>có</a:t>
+            </a:r>
+            <a:r>
+              <a:rPr lang="en-US" dirty="0"/>
+              <a:t> 2 </a:t>
+            </a:r>
+            <a:r>
+              <a:rPr lang="en-US" dirty="0" err="1"/>
+              <a:t>cửa</a:t>
+            </a:r>
+            <a:r>
+              <a:rPr lang="en-US" dirty="0"/>
+              <a:t> </a:t>
+            </a:r>
+            <a:r>
+              <a:rPr lang="en-US" dirty="0" err="1"/>
+              <a:t>sổ</a:t>
+            </a:r>
+            <a:r>
+              <a:rPr lang="en-US" dirty="0"/>
+              <a:t> con </a:t>
+            </a:r>
+            <a:r>
+              <a:rPr lang="en-US" dirty="0" err="1"/>
+              <a:t>với</a:t>
+            </a:r>
+            <a:r>
+              <a:rPr lang="en-US" dirty="0"/>
+              <a:t> </a:t>
+            </a:r>
+            <a:r>
+              <a:rPr lang="en-US" dirty="0" err="1"/>
+              <a:t>hwnd</a:t>
+            </a:r>
+            <a:r>
+              <a:rPr lang="en-US" dirty="0"/>
+              <a:t> </a:t>
+            </a:r>
+            <a:r>
+              <a:rPr lang="en-US" dirty="0" err="1"/>
+              <a:t>lưu</a:t>
+            </a:r>
+            <a:r>
+              <a:rPr lang="en-US" dirty="0"/>
+              <a:t> </a:t>
+            </a:r>
+            <a:r>
+              <a:rPr lang="en-US" dirty="0" err="1"/>
+              <a:t>trong</a:t>
+            </a:r>
+            <a:r>
+              <a:rPr lang="en-US" dirty="0"/>
+              <a:t> </a:t>
+            </a:r>
+            <a:r>
+              <a:rPr lang="en-US" dirty="0" err="1"/>
+              <a:t>hwndStatic</a:t>
+            </a:r>
+            <a:r>
+              <a:rPr lang="en-US" dirty="0"/>
+              <a:t> và </a:t>
+            </a:r>
+            <a:r>
+              <a:rPr lang="en-US" dirty="0" err="1"/>
+              <a:t>hwndEdit</a:t>
+            </a:r>
+            <a:r>
+              <a:rPr lang="en-US" dirty="0"/>
+              <a:t>. </a:t>
+            </a:r>
+          </a:p>
+        </p:txBody>
+      </p:sp>
+      <p:pic>
+        <p:nvPicPr>
+          <p:cNvPr id="6" name="Picture 5">
+            <a:extLst>
+              <a:ext uri="{FF2B5EF4-FFF2-40B4-BE49-F238E27FC236}">
+                <a16:creationId xmlns:a16="http://schemas.microsoft.com/office/drawing/2014/main" id="{D5D038E5-5AF5-A227-5F85-8CD43A6AC48D}"/>
+              </a:ext>
+            </a:extLst>
+          </p:cNvPr>
+          <p:cNvPicPr>
+            <a:picLocks noChangeAspect="1"/>
+          </p:cNvPicPr>
+          <p:nvPr/>
+        </p:nvPicPr>
+        <p:blipFill rotWithShape="1">
+          <a:blip r:embed="rId2"/>
+          <a:srcRect r="2600"/>
+          <a:stretch/>
+        </p:blipFill>
+        <p:spPr>
+          <a:xfrm>
+            <a:off x="402336" y="1894631"/>
+            <a:ext cx="8101584" cy="3813238"/>
+          </a:xfrm>
+          <a:prstGeom prst="rect">
+            <a:avLst/>
+          </a:prstGeom>
+        </p:spPr>
+      </p:pic>
+    </p:spTree>
+    <p:extLst>
+      <p:ext uri="{BB962C8B-B14F-4D97-AF65-F5344CB8AC3E}">
+        <p14:creationId xmlns:p14="http://schemas.microsoft.com/office/powerpoint/2010/main" val="283940172"/>
+      </p:ext>
+    </p:extLst>
+  </p:cSld>
+  <p:clrMapOvr>
+    <a:masterClrMapping/>
+  </p:clrMapOvr>
+</p:sld>
+</file>
+
+<file path=ppt/slides/slide14.xml><?xml version="1.0" encoding="utf-8"?>
+<p:sld xmlns:a="http://schemas.openxmlformats.org/drawingml/2006/main" xmlns:r="http://schemas.openxmlformats.org/officeDocument/2006/relationships" xmlns:p="http://schemas.openxmlformats.org/presentationml/2006/main">
+  <p:cSld>
+    <p:spTree>
+      <p:nvGrpSpPr>
+        <p:cNvPr id="1" name=""/>
+        <p:cNvGrpSpPr/>
+        <p:nvPr/>
+      </p:nvGrpSpPr>
+      <p:grpSpPr>
+        <a:xfrm>
+          <a:off x="0" y="0"/>
+          <a:ext cx="0" cy="0"/>
+          <a:chOff x="0" y="0"/>
+          <a:chExt cx="0" cy="0"/>
+        </a:xfrm>
+      </p:grpSpPr>
+      <p:sp>
+        <p:nvSpPr>
+          <p:cNvPr id="2" name="Slide Number Placeholder 1">
+            <a:extLst>
+              <a:ext uri="{FF2B5EF4-FFF2-40B4-BE49-F238E27FC236}">
+                <a16:creationId xmlns:a16="http://schemas.microsoft.com/office/drawing/2014/main" id="{A7101F79-2CBF-4392-B538-B0B5700DB4C6}"/>
+              </a:ext>
+            </a:extLst>
+          </p:cNvPr>
+          <p:cNvSpPr>
+            <a:spLocks noGrp="1"/>
+          </p:cNvSpPr>
+          <p:nvPr>
+            <p:ph type="sldNum" sz="quarter" idx="12"/>
+          </p:nvPr>
+        </p:nvSpPr>
+        <p:spPr/>
+        <p:txBody>
+          <a:bodyPr/>
+          <a:lstStyle/>
+          <a:p>
+            <a:fld id="{9EA0BE3B-158A-4EDF-80DC-E394A0D1600F}" type="slidenum">
+              <a:rPr lang="en-US" smtClean="0"/>
+              <a:pPr/>
+              <a:t>14</a:t>
+            </a:fld>
+            <a:endParaRPr lang="en-US" dirty="0"/>
+          </a:p>
+        </p:txBody>
+      </p:sp>
+      <p:sp>
+        <p:nvSpPr>
+          <p:cNvPr id="3" name="Title 2">
+            <a:extLst>
+              <a:ext uri="{FF2B5EF4-FFF2-40B4-BE49-F238E27FC236}">
+                <a16:creationId xmlns:a16="http://schemas.microsoft.com/office/drawing/2014/main" id="{9EF27CAA-32BA-4E6B-B8C0-1A481E08E81D}"/>
+              </a:ext>
+            </a:extLst>
+          </p:cNvPr>
+          <p:cNvSpPr>
+            <a:spLocks noGrp="1"/>
+          </p:cNvSpPr>
+          <p:nvPr>
+            <p:ph type="title"/>
+          </p:nvPr>
+        </p:nvSpPr>
+        <p:spPr/>
+        <p:txBody>
+          <a:bodyPr/>
+          <a:lstStyle/>
+          <a:p>
+            <a:r>
+              <a:rPr lang="en-US" dirty="0"/>
+              <a:t>Thành </a:t>
+            </a:r>
+            <a:r>
+              <a:rPr lang="en-US" dirty="0" err="1"/>
+              <a:t>phần</a:t>
+            </a:r>
+            <a:r>
+              <a:rPr lang="vi-VN" dirty="0"/>
+              <a:t>: myShell.exe</a:t>
+            </a:r>
+            <a:endParaRPr lang="en-US" dirty="0"/>
+          </a:p>
+        </p:txBody>
+      </p:sp>
+      <p:sp>
+        <p:nvSpPr>
+          <p:cNvPr id="4" name="Content Placeholder 3">
+            <a:extLst>
+              <a:ext uri="{FF2B5EF4-FFF2-40B4-BE49-F238E27FC236}">
+                <a16:creationId xmlns:a16="http://schemas.microsoft.com/office/drawing/2014/main" id="{59563378-38F8-4CB3-AF99-2C56FCF55404}"/>
+              </a:ext>
+            </a:extLst>
+          </p:cNvPr>
+          <p:cNvSpPr>
+            <a:spLocks noGrp="1"/>
+          </p:cNvSpPr>
+          <p:nvPr>
+            <p:ph sz="quarter" idx="13"/>
+          </p:nvPr>
+        </p:nvSpPr>
+        <p:spPr/>
+        <p:txBody>
+          <a:bodyPr/>
+          <a:lstStyle/>
+          <a:p>
+            <a:pPr marL="0" indent="0">
+              <a:buNone/>
+            </a:pPr>
+            <a:r>
+              <a:rPr lang="vi-VN" dirty="0"/>
+              <a:t>Xử lý 1 số tín hiệu như:</a:t>
+            </a:r>
+          </a:p>
+          <a:p>
+            <a:pPr marL="514350" indent="-514350">
+              <a:buFont typeface="+mj-lt"/>
+              <a:buAutoNum type="arabicPeriod"/>
+            </a:pPr>
+            <a:r>
+              <a:rPr lang="vi-VN" dirty="0"/>
+              <a:t>Tổ hợp </a:t>
+            </a:r>
+            <a:r>
+              <a:rPr lang="vi-VN" dirty="0" err="1"/>
+              <a:t>Ctrl+E</a:t>
+            </a:r>
+            <a:r>
+              <a:rPr lang="vi-VN" dirty="0"/>
+              <a:t> khi đang nhập lệnh gửi </a:t>
+            </a:r>
+            <a:r>
+              <a:rPr lang="vi-VN" dirty="0" err="1"/>
+              <a:t>message</a:t>
+            </a:r>
+            <a:r>
+              <a:rPr lang="vi-VN" dirty="0"/>
+              <a:t> kết thúc chương trình.</a:t>
+            </a:r>
+          </a:p>
+          <a:p>
+            <a:pPr marL="514350" indent="-514350">
+              <a:buFont typeface="+mj-lt"/>
+              <a:buAutoNum type="arabicPeriod"/>
+            </a:pPr>
+            <a:r>
+              <a:rPr lang="vi-VN" dirty="0"/>
+              <a:t>Phím </a:t>
+            </a:r>
+            <a:r>
+              <a:rPr lang="vi-VN" dirty="0" err="1"/>
+              <a:t>Enter</a:t>
+            </a:r>
+            <a:r>
+              <a:rPr lang="vi-VN" dirty="0"/>
+              <a:t> thực thi câu lệnh hiện được gõ trong cửa sổ </a:t>
+            </a:r>
+            <a:r>
+              <a:rPr lang="vi-VN" dirty="0" err="1"/>
+              <a:t>edit</a:t>
+            </a:r>
+            <a:r>
+              <a:rPr lang="vi-VN" dirty="0"/>
+              <a:t>.</a:t>
+            </a:r>
+            <a:endParaRPr lang="en-US" dirty="0"/>
+          </a:p>
+          <a:p>
+            <a:pPr marL="514350" indent="-514350">
+              <a:buFont typeface="+mj-lt"/>
+              <a:buAutoNum type="arabicPeriod"/>
+            </a:pPr>
+            <a:r>
+              <a:rPr lang="en-US" dirty="0" err="1"/>
+              <a:t>Tổ</a:t>
+            </a:r>
+            <a:r>
+              <a:rPr lang="en-US" dirty="0"/>
+              <a:t> </a:t>
+            </a:r>
+            <a:r>
+              <a:rPr lang="en-US" dirty="0" err="1"/>
+              <a:t>hợp</a:t>
+            </a:r>
+            <a:r>
+              <a:rPr lang="en-US" dirty="0"/>
+              <a:t> </a:t>
+            </a:r>
+            <a:r>
+              <a:rPr lang="en-US" dirty="0" err="1"/>
+              <a:t>Ctrl+C</a:t>
+            </a:r>
+            <a:r>
+              <a:rPr lang="en-US" dirty="0"/>
+              <a:t> kill process </a:t>
+            </a:r>
+            <a:r>
+              <a:rPr lang="en-US" dirty="0" err="1"/>
+              <a:t>gần</a:t>
+            </a:r>
+            <a:r>
+              <a:rPr lang="en-US" dirty="0"/>
+              <a:t> </a:t>
+            </a:r>
+            <a:r>
+              <a:rPr lang="en-US" dirty="0" err="1"/>
+              <a:t>nhất</a:t>
+            </a:r>
+            <a:r>
+              <a:rPr lang="en-US" dirty="0"/>
+              <a:t>.</a:t>
+            </a:r>
+          </a:p>
+        </p:txBody>
+      </p:sp>
+    </p:spTree>
+    <p:extLst>
+      <p:ext uri="{BB962C8B-B14F-4D97-AF65-F5344CB8AC3E}">
+        <p14:creationId xmlns:p14="http://schemas.microsoft.com/office/powerpoint/2010/main" val="1330088067"/>
+      </p:ext>
+    </p:extLst>
+  </p:cSld>
+  <p:clrMapOvr>
+    <a:masterClrMapping/>
+  </p:clrMapOvr>
+</p:sld>
+</file>
+
+<file path=ppt/slides/slide15.xml><?xml version="1.0" encoding="utf-8"?>
+<p:sld xmlns:a="http://schemas.openxmlformats.org/drawingml/2006/main" xmlns:r="http://schemas.openxmlformats.org/officeDocument/2006/relationships" xmlns:p="http://schemas.openxmlformats.org/presentationml/2006/main">
+  <p:cSld>
+    <p:spTree>
+      <p:nvGrpSpPr>
+        <p:cNvPr id="1" name=""/>
+        <p:cNvGrpSpPr/>
+        <p:nvPr/>
+      </p:nvGrpSpPr>
+      <p:grpSpPr>
+        <a:xfrm>
+          <a:off x="0" y="0"/>
+          <a:ext cx="0" cy="0"/>
+          <a:chOff x="0" y="0"/>
+          <a:chExt cx="0" cy="0"/>
+        </a:xfrm>
+      </p:grpSpPr>
+      <p:sp>
+        <p:nvSpPr>
+          <p:cNvPr id="2" name="Slide Number Placeholder 1">
+            <a:extLst>
+              <a:ext uri="{FF2B5EF4-FFF2-40B4-BE49-F238E27FC236}">
+                <a16:creationId xmlns:a16="http://schemas.microsoft.com/office/drawing/2014/main" id="{A7101F79-2CBF-4392-B538-B0B5700DB4C6}"/>
+              </a:ext>
+            </a:extLst>
+          </p:cNvPr>
+          <p:cNvSpPr>
+            <a:spLocks noGrp="1"/>
+          </p:cNvSpPr>
+          <p:nvPr>
+            <p:ph type="sldNum" sz="quarter" idx="12"/>
+          </p:nvPr>
+        </p:nvSpPr>
+        <p:spPr/>
+        <p:txBody>
+          <a:bodyPr/>
+          <a:lstStyle/>
+          <a:p>
+            <a:fld id="{9EA0BE3B-158A-4EDF-80DC-E394A0D1600F}" type="slidenum">
+              <a:rPr lang="en-US" smtClean="0"/>
+              <a:pPr/>
+              <a:t>15</a:t>
+            </a:fld>
+            <a:endParaRPr lang="en-US" dirty="0"/>
+          </a:p>
+        </p:txBody>
+      </p:sp>
+      <p:sp>
+        <p:nvSpPr>
+          <p:cNvPr id="3" name="Title 2">
+            <a:extLst>
+              <a:ext uri="{FF2B5EF4-FFF2-40B4-BE49-F238E27FC236}">
+                <a16:creationId xmlns:a16="http://schemas.microsoft.com/office/drawing/2014/main" id="{9EF27CAA-32BA-4E6B-B8C0-1A481E08E81D}"/>
+              </a:ext>
+            </a:extLst>
+          </p:cNvPr>
+          <p:cNvSpPr>
+            <a:spLocks noGrp="1"/>
+          </p:cNvSpPr>
+          <p:nvPr>
+            <p:ph type="title"/>
+          </p:nvPr>
+        </p:nvSpPr>
+        <p:spPr/>
+        <p:txBody>
+          <a:bodyPr/>
+          <a:lstStyle/>
+          <a:p>
+            <a:r>
+              <a:rPr lang="en-US" dirty="0"/>
+              <a:t>Thành </a:t>
+            </a:r>
+            <a:r>
+              <a:rPr lang="en-US" dirty="0" err="1"/>
+              <a:t>phần</a:t>
+            </a:r>
+            <a:r>
+              <a:rPr lang="vi-VN" dirty="0"/>
+              <a:t>: myShell.exe</a:t>
+            </a:r>
+            <a:endParaRPr lang="en-US" dirty="0"/>
+          </a:p>
+        </p:txBody>
+      </p:sp>
+      <p:sp>
+        <p:nvSpPr>
+          <p:cNvPr id="4" name="Content Placeholder 3">
+            <a:extLst>
+              <a:ext uri="{FF2B5EF4-FFF2-40B4-BE49-F238E27FC236}">
+                <a16:creationId xmlns:a16="http://schemas.microsoft.com/office/drawing/2014/main" id="{59563378-38F8-4CB3-AF99-2C56FCF55404}"/>
+              </a:ext>
+            </a:extLst>
+          </p:cNvPr>
+          <p:cNvSpPr>
+            <a:spLocks noGrp="1"/>
+          </p:cNvSpPr>
+          <p:nvPr>
+            <p:ph sz="quarter" idx="13"/>
+          </p:nvPr>
+        </p:nvSpPr>
+        <p:spPr/>
+        <p:txBody>
+          <a:bodyPr/>
+          <a:lstStyle/>
+          <a:p>
+            <a:pPr marL="0" indent="0">
+              <a:buNone/>
+            </a:pPr>
+            <a:r>
               <a:rPr lang="vi-VN" dirty="0"/>
               <a:t>Vẽ lại </a:t>
             </a:r>
@@ -3275,416 +3851,6 @@
 </p:sld>
 </file>
 
-<file path=ppt/slides/slide14.xml><?xml version="1.0" encoding="utf-8"?>
-<p:sld xmlns:a="http://schemas.openxmlformats.org/drawingml/2006/main" xmlns:r="http://schemas.openxmlformats.org/officeDocument/2006/relationships" xmlns:p="http://schemas.openxmlformats.org/presentationml/2006/main">
-  <p:cSld>
-    <p:spTree>
-      <p:nvGrpSpPr>
-        <p:cNvPr id="1" name=""/>
-        <p:cNvGrpSpPr/>
-        <p:nvPr/>
-      </p:nvGrpSpPr>
-      <p:grpSpPr>
-        <a:xfrm>
-          <a:off x="0" y="0"/>
-          <a:ext cx="0" cy="0"/>
-          <a:chOff x="0" y="0"/>
-          <a:chExt cx="0" cy="0"/>
-        </a:xfrm>
-      </p:grpSpPr>
-      <p:sp>
-        <p:nvSpPr>
-          <p:cNvPr id="2" name="Slide Number Placeholder 1">
-            <a:extLst>
-              <a:ext uri="{FF2B5EF4-FFF2-40B4-BE49-F238E27FC236}">
-                <a16:creationId xmlns:a16="http://schemas.microsoft.com/office/drawing/2014/main" id="{A7101F79-2CBF-4392-B538-B0B5700DB4C6}"/>
-              </a:ext>
-            </a:extLst>
-          </p:cNvPr>
-          <p:cNvSpPr>
-            <a:spLocks noGrp="1"/>
-          </p:cNvSpPr>
-          <p:nvPr>
-            <p:ph type="sldNum" sz="quarter" idx="12"/>
-          </p:nvPr>
-        </p:nvSpPr>
-        <p:spPr/>
-        <p:txBody>
-          <a:bodyPr/>
-          <a:lstStyle/>
-          <a:p>
-            <a:fld id="{9EA0BE3B-158A-4EDF-80DC-E394A0D1600F}" type="slidenum">
-              <a:rPr lang="en-US" smtClean="0"/>
-              <a:pPr/>
-              <a:t>14</a:t>
-            </a:fld>
-            <a:endParaRPr lang="en-US" dirty="0"/>
-          </a:p>
-        </p:txBody>
-      </p:sp>
-      <p:sp>
-        <p:nvSpPr>
-          <p:cNvPr id="3" name="Title 2">
-            <a:extLst>
-              <a:ext uri="{FF2B5EF4-FFF2-40B4-BE49-F238E27FC236}">
-                <a16:creationId xmlns:a16="http://schemas.microsoft.com/office/drawing/2014/main" id="{9EF27CAA-32BA-4E6B-B8C0-1A481E08E81D}"/>
-              </a:ext>
-            </a:extLst>
-          </p:cNvPr>
-          <p:cNvSpPr>
-            <a:spLocks noGrp="1"/>
-          </p:cNvSpPr>
-          <p:nvPr>
-            <p:ph type="title"/>
-          </p:nvPr>
-        </p:nvSpPr>
-        <p:spPr/>
-        <p:txBody>
-          <a:bodyPr/>
-          <a:lstStyle/>
-          <a:p>
-            <a:r>
-              <a:rPr lang="en-US" dirty="0"/>
-              <a:t>Thành </a:t>
-            </a:r>
-            <a:r>
-              <a:rPr lang="en-US" dirty="0" err="1"/>
-              <a:t>phần</a:t>
-            </a:r>
-            <a:r>
-              <a:rPr lang="vi-VN" dirty="0"/>
-              <a:t>: myShell.exe</a:t>
-            </a:r>
-            <a:endParaRPr lang="en-US" dirty="0"/>
-          </a:p>
-        </p:txBody>
-      </p:sp>
-      <p:sp>
-        <p:nvSpPr>
-          <p:cNvPr id="4" name="Content Placeholder 3">
-            <a:extLst>
-              <a:ext uri="{FF2B5EF4-FFF2-40B4-BE49-F238E27FC236}">
-                <a16:creationId xmlns:a16="http://schemas.microsoft.com/office/drawing/2014/main" id="{59563378-38F8-4CB3-AF99-2C56FCF55404}"/>
-              </a:ext>
-            </a:extLst>
-          </p:cNvPr>
-          <p:cNvSpPr>
-            <a:spLocks noGrp="1"/>
-          </p:cNvSpPr>
-          <p:nvPr>
-            <p:ph sz="quarter" idx="13"/>
-          </p:nvPr>
-        </p:nvSpPr>
-        <p:spPr/>
-        <p:txBody>
-          <a:bodyPr/>
-          <a:lstStyle/>
-          <a:p>
-            <a:pPr marL="0" indent="0">
-              <a:buNone/>
-            </a:pPr>
-            <a:r>
-              <a:rPr lang="vi-VN" dirty="0"/>
-              <a:t>Xử lý 1 số tín hiệu như:</a:t>
-            </a:r>
-          </a:p>
-          <a:p>
-            <a:pPr marL="514350" indent="-514350">
-              <a:buFont typeface="+mj-lt"/>
-              <a:buAutoNum type="arabicPeriod"/>
-            </a:pPr>
-            <a:r>
-              <a:rPr lang="vi-VN" dirty="0"/>
-              <a:t>Tổ hợp </a:t>
-            </a:r>
-            <a:r>
-              <a:rPr lang="vi-VN" dirty="0" err="1"/>
-              <a:t>Ctrl+E</a:t>
-            </a:r>
-            <a:r>
-              <a:rPr lang="vi-VN" dirty="0"/>
-              <a:t> khi đang nhập lệnh gửi </a:t>
-            </a:r>
-            <a:r>
-              <a:rPr lang="vi-VN" dirty="0" err="1"/>
-              <a:t>message</a:t>
-            </a:r>
-            <a:r>
-              <a:rPr lang="vi-VN" dirty="0"/>
-              <a:t> kết thúc chương trình.</a:t>
-            </a:r>
-          </a:p>
-          <a:p>
-            <a:pPr marL="514350" indent="-514350">
-              <a:buFont typeface="+mj-lt"/>
-              <a:buAutoNum type="arabicPeriod"/>
-            </a:pPr>
-            <a:r>
-              <a:rPr lang="vi-VN" dirty="0"/>
-              <a:t>Phím </a:t>
-            </a:r>
-            <a:r>
-              <a:rPr lang="vi-VN" dirty="0" err="1"/>
-              <a:t>Enter</a:t>
-            </a:r>
-            <a:r>
-              <a:rPr lang="vi-VN" dirty="0"/>
-              <a:t> thực thi câu lệnh hiện được gõ trong cửa sổ </a:t>
-            </a:r>
-            <a:r>
-              <a:rPr lang="vi-VN" dirty="0" err="1"/>
-              <a:t>edit</a:t>
-            </a:r>
-            <a:r>
-              <a:rPr lang="vi-VN" dirty="0"/>
-              <a:t>.</a:t>
-            </a:r>
-            <a:endParaRPr lang="en-US" dirty="0"/>
-          </a:p>
-        </p:txBody>
-      </p:sp>
-    </p:spTree>
-    <p:extLst>
-      <p:ext uri="{BB962C8B-B14F-4D97-AF65-F5344CB8AC3E}">
-        <p14:creationId xmlns:p14="http://schemas.microsoft.com/office/powerpoint/2010/main" val="1330088067"/>
-      </p:ext>
-    </p:extLst>
-  </p:cSld>
-  <p:clrMapOvr>
-    <a:masterClrMapping/>
-  </p:clrMapOvr>
-</p:sld>
-</file>
-
-<file path=ppt/slides/slide15.xml><?xml version="1.0" encoding="utf-8"?>
-<p:sld xmlns:a="http://schemas.openxmlformats.org/drawingml/2006/main" xmlns:r="http://schemas.openxmlformats.org/officeDocument/2006/relationships" xmlns:p="http://schemas.openxmlformats.org/presentationml/2006/main">
-  <p:cSld>
-    <p:spTree>
-      <p:nvGrpSpPr>
-        <p:cNvPr id="1" name=""/>
-        <p:cNvGrpSpPr/>
-        <p:nvPr/>
-      </p:nvGrpSpPr>
-      <p:grpSpPr>
-        <a:xfrm>
-          <a:off x="0" y="0"/>
-          <a:ext cx="0" cy="0"/>
-          <a:chOff x="0" y="0"/>
-          <a:chExt cx="0" cy="0"/>
-        </a:xfrm>
-      </p:grpSpPr>
-      <p:sp>
-        <p:nvSpPr>
-          <p:cNvPr id="2" name="Slide Number Placeholder 1">
-            <a:extLst>
-              <a:ext uri="{FF2B5EF4-FFF2-40B4-BE49-F238E27FC236}">
-                <a16:creationId xmlns:a16="http://schemas.microsoft.com/office/drawing/2014/main" id="{A7101F79-2CBF-4392-B538-B0B5700DB4C6}"/>
-              </a:ext>
-            </a:extLst>
-          </p:cNvPr>
-          <p:cNvSpPr>
-            <a:spLocks noGrp="1"/>
-          </p:cNvSpPr>
-          <p:nvPr>
-            <p:ph type="sldNum" sz="quarter" idx="12"/>
-          </p:nvPr>
-        </p:nvSpPr>
-        <p:spPr/>
-        <p:txBody>
-          <a:bodyPr/>
-          <a:lstStyle/>
-          <a:p>
-            <a:fld id="{9EA0BE3B-158A-4EDF-80DC-E394A0D1600F}" type="slidenum">
-              <a:rPr lang="en-US" smtClean="0"/>
-              <a:pPr/>
-              <a:t>15</a:t>
-            </a:fld>
-            <a:endParaRPr lang="en-US" dirty="0"/>
-          </a:p>
-        </p:txBody>
-      </p:sp>
-      <p:sp>
-        <p:nvSpPr>
-          <p:cNvPr id="3" name="Title 2">
-            <a:extLst>
-              <a:ext uri="{FF2B5EF4-FFF2-40B4-BE49-F238E27FC236}">
-                <a16:creationId xmlns:a16="http://schemas.microsoft.com/office/drawing/2014/main" id="{9EF27CAA-32BA-4E6B-B8C0-1A481E08E81D}"/>
-              </a:ext>
-            </a:extLst>
-          </p:cNvPr>
-          <p:cNvSpPr>
-            <a:spLocks noGrp="1"/>
-          </p:cNvSpPr>
-          <p:nvPr>
-            <p:ph type="title"/>
-          </p:nvPr>
-        </p:nvSpPr>
-        <p:spPr/>
-        <p:txBody>
-          <a:bodyPr/>
-          <a:lstStyle/>
-          <a:p>
-            <a:r>
-              <a:rPr lang="en-US" dirty="0"/>
-              <a:t>Thành </a:t>
-            </a:r>
-            <a:r>
-              <a:rPr lang="en-US" dirty="0" err="1"/>
-              <a:t>phần</a:t>
-            </a:r>
-            <a:r>
-              <a:rPr lang="vi-VN" dirty="0"/>
-              <a:t>: myShell.exe</a:t>
-            </a:r>
-            <a:endParaRPr lang="en-US" dirty="0"/>
-          </a:p>
-        </p:txBody>
-      </p:sp>
-      <p:sp>
-        <p:nvSpPr>
-          <p:cNvPr id="4" name="Content Placeholder 3">
-            <a:extLst>
-              <a:ext uri="{FF2B5EF4-FFF2-40B4-BE49-F238E27FC236}">
-                <a16:creationId xmlns:a16="http://schemas.microsoft.com/office/drawing/2014/main" id="{59563378-38F8-4CB3-AF99-2C56FCF55404}"/>
-              </a:ext>
-            </a:extLst>
-          </p:cNvPr>
-          <p:cNvSpPr>
-            <a:spLocks noGrp="1"/>
-          </p:cNvSpPr>
-          <p:nvPr>
-            <p:ph sz="quarter" idx="13"/>
-          </p:nvPr>
-        </p:nvSpPr>
-        <p:spPr/>
-        <p:txBody>
-          <a:bodyPr/>
-          <a:lstStyle/>
-          <a:p>
-            <a:pPr marL="0" indent="0">
-              <a:buNone/>
-            </a:pPr>
-            <a:r>
-              <a:rPr lang="vi-VN" dirty="0"/>
-              <a:t>Chương trình sẽ gọi </a:t>
-            </a:r>
-            <a:r>
-              <a:rPr lang="vi-VN" dirty="0" err="1"/>
-              <a:t>function</a:t>
-            </a:r>
-            <a:endParaRPr lang="vi-VN" dirty="0"/>
-          </a:p>
-          <a:p>
-            <a:pPr marL="0" indent="0" algn="ctr">
-              <a:buNone/>
-            </a:pPr>
-            <a:r>
-              <a:rPr lang="vi-VN" dirty="0"/>
-              <a:t> </a:t>
-            </a:r>
-            <a:r>
-              <a:rPr lang="en-US" dirty="0" err="1"/>
-              <a:t>executeCommand</a:t>
-            </a:r>
-            <a:r>
-              <a:rPr lang="en-US" dirty="0"/>
-              <a:t>(std::</a:t>
-            </a:r>
-            <a:r>
-              <a:rPr lang="en-US" dirty="0" err="1"/>
-              <a:t>wstring</a:t>
-            </a:r>
-            <a:r>
-              <a:rPr lang="en-US" dirty="0"/>
-              <a:t> command)</a:t>
-            </a:r>
-            <a:endParaRPr lang="vi-VN" dirty="0"/>
-          </a:p>
-          <a:p>
-            <a:pPr marL="0" indent="0">
-              <a:buNone/>
-            </a:pPr>
-            <a:r>
-              <a:rPr lang="vi-VN" dirty="0"/>
-              <a:t>Để thực hiện câu lệnh.</a:t>
-            </a:r>
-          </a:p>
-          <a:p>
-            <a:pPr marL="514350" indent="-514350">
-              <a:buFont typeface="+mj-lt"/>
-              <a:buAutoNum type="arabicPeriod"/>
-            </a:pPr>
-            <a:r>
-              <a:rPr lang="vi-VN" dirty="0"/>
-              <a:t>Kiểm tra câu lệnh có tồn tại trong số các </a:t>
-            </a:r>
-            <a:r>
-              <a:rPr lang="vi-VN" dirty="0" err="1"/>
-              <a:t>plugins</a:t>
-            </a:r>
-            <a:r>
-              <a:rPr lang="vi-VN" dirty="0"/>
-              <a:t> được định nghĩa trước hay trong địa chỉ PATH do người dùng thêm vào không.</a:t>
-            </a:r>
-          </a:p>
-          <a:p>
-            <a:pPr marL="514350" indent="-514350">
-              <a:buFont typeface="+mj-lt"/>
-              <a:buAutoNum type="arabicPeriod"/>
-            </a:pPr>
-            <a:r>
-              <a:rPr lang="vi-VN" dirty="0"/>
-              <a:t>Nếu câu lệnh tồn tại, khởi tạo tiến trình ứng với câu lệnh thông qua </a:t>
-            </a:r>
-            <a:r>
-              <a:rPr lang="vi-VN" dirty="0" err="1"/>
-              <a:t>createProcess</a:t>
-            </a:r>
-            <a:r>
-              <a:rPr lang="vi-VN" dirty="0"/>
-              <a:t>, chuyển hướng I/O của chương trình con sang </a:t>
-            </a:r>
-            <a:r>
-              <a:rPr lang="vi-VN" dirty="0" err="1"/>
-              <a:t>pipe</a:t>
-            </a:r>
-            <a:r>
-              <a:rPr lang="vi-VN" dirty="0"/>
-              <a:t> để thao tác với chương trình mẹ.</a:t>
-            </a:r>
-          </a:p>
-          <a:p>
-            <a:pPr marL="514350" indent="-514350">
-              <a:buFont typeface="+mj-lt"/>
-              <a:buAutoNum type="arabicPeriod"/>
-            </a:pPr>
-            <a:r>
-              <a:rPr lang="vi-VN" dirty="0"/>
-              <a:t>Nếu câu lệnh không tồn tại, in ra dòng thông báo lỗi.</a:t>
-            </a:r>
-            <a:endParaRPr lang="en-US" dirty="0"/>
-          </a:p>
-          <a:p>
-            <a:pPr marL="0" indent="0">
-              <a:buNone/>
-            </a:pPr>
-            <a:endParaRPr lang="en-US" dirty="0"/>
-          </a:p>
-        </p:txBody>
-      </p:sp>
-    </p:spTree>
-    <p:extLst>
-      <p:ext uri="{BB962C8B-B14F-4D97-AF65-F5344CB8AC3E}">
-        <p14:creationId xmlns:p14="http://schemas.microsoft.com/office/powerpoint/2010/main" val="2410645476"/>
-      </p:ext>
-    </p:extLst>
-  </p:cSld>
-  <p:clrMapOvr>
-    <a:masterClrMapping/>
-  </p:clrMapOvr>
-</p:sld>
-</file>
-
 <file path=ppt/slides/slide16.xml><?xml version="1.0" encoding="utf-8"?>
 <p:sld xmlns:a="http://schemas.openxmlformats.org/drawingml/2006/main" xmlns:r="http://schemas.openxmlformats.org/officeDocument/2006/relationships" xmlns:p="http://schemas.openxmlformats.org/presentationml/2006/main">
   <p:cSld>
@@ -3771,10 +3937,10 @@
       </p:sp>
       <p:sp>
         <p:nvSpPr>
-          <p:cNvPr id="6" name="Content Placeholder 5">
-            <a:extLst>
-              <a:ext uri="{FF2B5EF4-FFF2-40B4-BE49-F238E27FC236}">
-                <a16:creationId xmlns:a16="http://schemas.microsoft.com/office/drawing/2014/main" id="{9FBB33DF-3D3D-A78B-EDBD-382417BCDBD1}"/>
+          <p:cNvPr id="4" name="Content Placeholder 3">
+            <a:extLst>
+              <a:ext uri="{FF2B5EF4-FFF2-40B4-BE49-F238E27FC236}">
+                <a16:creationId xmlns:a16="http://schemas.microsoft.com/office/drawing/2014/main" id="{59563378-38F8-4CB3-AF99-2C56FCF55404}"/>
               </a:ext>
             </a:extLst>
           </p:cNvPr>
@@ -3790,16 +3956,48 @@
           <a:bodyPr/>
           <a:lstStyle/>
           <a:p>
-            <a:endParaRPr lang="en-US"/>
+            <a:pPr marL="0" indent="0">
+              <a:buNone/>
+            </a:pPr>
+            <a:r>
+              <a:rPr lang="en-US" dirty="0" err="1"/>
+              <a:t>Hàm</a:t>
+            </a:r>
+            <a:r>
+              <a:rPr lang="en-US" dirty="0"/>
+              <a:t> callback </a:t>
+            </a:r>
+            <a:r>
+              <a:rPr lang="en-US" dirty="0" err="1"/>
+              <a:t>của</a:t>
+            </a:r>
+            <a:r>
+              <a:rPr lang="en-US" dirty="0"/>
+              <a:t> </a:t>
+            </a:r>
+            <a:r>
+              <a:rPr lang="en-US" dirty="0" err="1"/>
+              <a:t>editControl</a:t>
+            </a:r>
+            <a:r>
+              <a:rPr lang="en-US" dirty="0"/>
+              <a:t>.</a:t>
+            </a:r>
+          </a:p>
+          <a:p>
+            <a:pPr marL="0" indent="0">
+              <a:buNone/>
+            </a:pPr>
+            <a:endParaRPr lang="en-US" dirty="0"/>
           </a:p>
         </p:txBody>
       </p:sp>
       <p:pic>
         <p:nvPicPr>
-          <p:cNvPr id="8" name="Picture 7">
-            <a:extLst>
-              <a:ext uri="{FF2B5EF4-FFF2-40B4-BE49-F238E27FC236}">
-                <a16:creationId xmlns:a16="http://schemas.microsoft.com/office/drawing/2014/main" id="{FE8DF537-5594-EA79-7D08-101CDE58AE3F}"/>
+          <p:cNvPr id="9" name="Picture 8">
+            <a:extLst>
+              <a:ext uri="{FF2B5EF4-FFF2-40B4-BE49-F238E27FC236}">
+                <a16:creationId xmlns:a16="http://schemas.microsoft.com/office/drawing/2014/main" id="{6A7D4CEF-A3D7-3AC6-B7B7-9E041CAE9AFB}"/>
               </a:ext>
             </a:extLst>
           </p:cNvPr>
@@ -3816,8 +4014,8 @@
         </p:blipFill>
         <p:spPr>
           <a:xfrm>
-            <a:off x="368238" y="993680"/>
-            <a:ext cx="8407523" cy="4870640"/>
+            <a:off x="23177" y="2226324"/>
+            <a:ext cx="9097645" cy="3429479"/>
           </a:xfrm>
           <a:prstGeom prst="rect">
             <a:avLst/>
@@ -3827,7 +4025,7 @@
     </p:spTree>
     <p:extLst>
       <p:ext uri="{BB962C8B-B14F-4D97-AF65-F5344CB8AC3E}">
-        <p14:creationId xmlns:p14="http://schemas.microsoft.com/office/powerpoint/2010/main" val="2149083046"/>
+        <p14:creationId xmlns:p14="http://schemas.microsoft.com/office/powerpoint/2010/main" val="1932080454"/>
       </p:ext>
     </p:extLst>
   </p:cSld>
@@ -3915,15 +4113,7 @@
             </a:r>
             <a:r>
               <a:rPr lang="vi-VN" dirty="0"/>
-              <a:t>: các “</a:t>
-            </a:r>
-            <a:r>
-              <a:rPr lang="vi-VN" dirty="0" err="1"/>
-              <a:t>Plugins</a:t>
-            </a:r>
-            <a:r>
-              <a:rPr lang="vi-VN" dirty="0"/>
-              <a:t>”</a:t>
+              <a:t>: myShell.exe</a:t>
             </a:r>
             <a:endParaRPr lang="en-US" dirty="0"/>
           </a:p>
@@ -3931,10 +4121,10 @@
       </p:sp>
       <p:sp>
         <p:nvSpPr>
-          <p:cNvPr id="6" name="Content Placeholder 5">
-            <a:extLst>
-              <a:ext uri="{FF2B5EF4-FFF2-40B4-BE49-F238E27FC236}">
-                <a16:creationId xmlns:a16="http://schemas.microsoft.com/office/drawing/2014/main" id="{9FBB33DF-3D3D-A78B-EDBD-382417BCDBD1}"/>
+          <p:cNvPr id="4" name="Content Placeholder 3">
+            <a:extLst>
+              <a:ext uri="{FF2B5EF4-FFF2-40B4-BE49-F238E27FC236}">
+                <a16:creationId xmlns:a16="http://schemas.microsoft.com/office/drawing/2014/main" id="{59563378-38F8-4CB3-AF99-2C56FCF55404}"/>
               </a:ext>
             </a:extLst>
           </p:cNvPr>
@@ -3950,127 +4140,76 @@
           <a:bodyPr/>
           <a:lstStyle/>
           <a:p>
-            <a:r>
-              <a:rPr lang="vi-VN" dirty="0"/>
-              <a:t>Các chương trình ứng với các câu lệnh được cài đặt sẵn của </a:t>
-            </a:r>
-            <a:r>
-              <a:rPr lang="vi-VN" dirty="0" err="1"/>
-              <a:t>myShell</a:t>
-            </a:r>
-            <a:r>
-              <a:rPr lang="vi-VN" dirty="0"/>
-              <a:t> được định nghĩa trong thư mục </a:t>
-            </a:r>
-            <a:r>
-              <a:rPr lang="vi-VN" dirty="0" err="1"/>
-              <a:t>plugins</a:t>
-            </a:r>
-            <a:r>
-              <a:rPr lang="vi-VN" dirty="0"/>
+            <a:pPr marL="0" indent="0">
+              <a:buNone/>
+            </a:pPr>
+            <a:r>
+              <a:rPr lang="en-US" dirty="0" err="1"/>
+              <a:t>Hàm</a:t>
+            </a:r>
+            <a:r>
+              <a:rPr lang="en-US" dirty="0"/>
+              <a:t> callback </a:t>
+            </a:r>
+            <a:r>
+              <a:rPr lang="en-US" dirty="0" err="1"/>
+              <a:t>của</a:t>
+            </a:r>
+            <a:r>
+              <a:rPr lang="en-US" dirty="0"/>
+              <a:t> </a:t>
+            </a:r>
+            <a:r>
+              <a:rPr lang="en-US" dirty="0" err="1"/>
+              <a:t>editControl</a:t>
+            </a:r>
+            <a:r>
+              <a:rPr lang="en-US" dirty="0"/>
               <a:t>.</a:t>
             </a:r>
           </a:p>
           <a:p>
-            <a:r>
-              <a:rPr lang="vi-VN" dirty="0"/>
-              <a:t>Các câu lệnh được định nghĩa bao gồm: </a:t>
-            </a:r>
-            <a:r>
-              <a:rPr lang="vi-VN" dirty="0" err="1"/>
-              <a:t>ls</a:t>
-            </a:r>
-            <a:r>
-              <a:rPr lang="vi-VN" dirty="0"/>
-              <a:t>, </a:t>
-            </a:r>
-            <a:r>
-              <a:rPr lang="vi-VN" dirty="0" err="1"/>
-              <a:t>cd</a:t>
-            </a:r>
-            <a:r>
-              <a:rPr lang="vi-VN" dirty="0"/>
-              <a:t>, </a:t>
-            </a:r>
-            <a:r>
-              <a:rPr lang="vi-VN" dirty="0" err="1"/>
-              <a:t>echo</a:t>
-            </a:r>
-            <a:r>
-              <a:rPr lang="vi-VN" dirty="0"/>
-              <a:t>, </a:t>
-            </a:r>
-            <a:r>
-              <a:rPr lang="vi-VN" dirty="0" err="1"/>
-              <a:t>help</a:t>
-            </a:r>
-            <a:r>
-              <a:rPr lang="vi-VN" dirty="0"/>
-              <a:t>, </a:t>
-            </a:r>
-            <a:r>
-              <a:rPr lang="vi-VN" dirty="0" err="1"/>
-              <a:t>dir</a:t>
-            </a:r>
-            <a:r>
-              <a:rPr lang="vi-VN" dirty="0"/>
-              <a:t>, </a:t>
-            </a:r>
-            <a:r>
-              <a:rPr lang="vi-VN" dirty="0" err="1"/>
-              <a:t>mkdir</a:t>
-            </a:r>
-            <a:r>
-              <a:rPr lang="vi-VN" dirty="0"/>
-              <a:t>, </a:t>
-            </a:r>
-            <a:r>
-              <a:rPr lang="vi-VN" dirty="0" err="1"/>
-              <a:t>copy</a:t>
-            </a:r>
-            <a:r>
-              <a:rPr lang="vi-VN" dirty="0"/>
-              <a:t>, </a:t>
-            </a:r>
-            <a:r>
-              <a:rPr lang="vi-VN" dirty="0" err="1"/>
-              <a:t>cut</a:t>
-            </a:r>
-            <a:r>
-              <a:rPr lang="vi-VN" dirty="0"/>
-              <a:t>, </a:t>
-            </a:r>
-            <a:r>
-              <a:rPr lang="vi-VN" dirty="0" err="1"/>
-              <a:t>move</a:t>
-            </a:r>
-            <a:r>
-              <a:rPr lang="vi-VN" dirty="0"/>
-              <a:t>, </a:t>
-            </a:r>
-            <a:r>
-              <a:rPr lang="vi-VN" dirty="0" err="1"/>
-              <a:t>cls</a:t>
-            </a:r>
-            <a:r>
-              <a:rPr lang="vi-VN" dirty="0"/>
-              <a:t>, </a:t>
-            </a:r>
-            <a:r>
-              <a:rPr lang="vi-VN" dirty="0" err="1"/>
-              <a:t>exit</a:t>
-            </a:r>
-            <a:r>
-              <a:rPr lang="vi-VN" dirty="0"/>
-              <a:t>,….</a:t>
-            </a:r>
-          </a:p>
-        </p:txBody>
-      </p:sp>
+            <a:pPr marL="0" indent="0">
+              <a:buNone/>
+            </a:pPr>
+            <a:endParaRPr lang="en-US" dirty="0"/>
+          </a:p>
+        </p:txBody>
+      </p:sp>
+      <p:pic>
+        <p:nvPicPr>
+          <p:cNvPr id="6" name="Picture 5">
+            <a:extLst>
+              <a:ext uri="{FF2B5EF4-FFF2-40B4-BE49-F238E27FC236}">
+                <a16:creationId xmlns:a16="http://schemas.microsoft.com/office/drawing/2014/main" id="{CA8247EA-3220-6454-0C0C-22D0FA0C1758}"/>
+              </a:ext>
+            </a:extLst>
+          </p:cNvPr>
+          <p:cNvPicPr>
+            <a:picLocks noChangeAspect="1"/>
+          </p:cNvPicPr>
+          <p:nvPr/>
+        </p:nvPicPr>
+        <p:blipFill>
+          <a:blip r:embed="rId2"/>
+          <a:stretch>
+            <a:fillRect/>
+          </a:stretch>
+        </p:blipFill>
+        <p:spPr>
+          <a:xfrm>
+            <a:off x="0" y="1668756"/>
+            <a:ext cx="9144000" cy="3977687"/>
+          </a:xfrm>
+          <a:prstGeom prst="rect">
+            <a:avLst/>
+          </a:prstGeom>
+        </p:spPr>
+      </p:pic>
     </p:spTree>
     <p:extLst>
       <p:ext uri="{BB962C8B-B14F-4D97-AF65-F5344CB8AC3E}">
-        <p14:creationId xmlns:p14="http://schemas.microsoft.com/office/powerpoint/2010/main" val="3078203576"/>
+        <p14:creationId xmlns:p14="http://schemas.microsoft.com/office/powerpoint/2010/main" val="2159504810"/>
       </p:ext>
     </p:extLst>
   </p:cSld>
@@ -4102,7 +4241,7 @@
           <p:cNvPr id="2" name="Slide Number Placeholder 1">
             <a:extLst>
               <a:ext uri="{FF2B5EF4-FFF2-40B4-BE49-F238E27FC236}">
-                <a16:creationId xmlns:a16="http://schemas.microsoft.com/office/drawing/2014/main" id="{DA37B5C8-2095-4D2D-97FE-E4E8D89379E1}"/>
+                <a16:creationId xmlns:a16="http://schemas.microsoft.com/office/drawing/2014/main" id="{A7101F79-2CBF-4392-B538-B0B5700DB4C6}"/>
               </a:ext>
             </a:extLst>
           </p:cNvPr>
@@ -4129,60 +4268,425 @@
       </p:sp>
       <p:sp>
         <p:nvSpPr>
-          <p:cNvPr id="3" name="Title 10">
-            <a:extLst>
-              <a:ext uri="{FF2B5EF4-FFF2-40B4-BE49-F238E27FC236}">
-                <a16:creationId xmlns:a16="http://schemas.microsoft.com/office/drawing/2014/main" id="{F78B3876-6ECC-4098-BDD1-C48CE4B42721}"/>
-              </a:ext>
-            </a:extLst>
-          </p:cNvPr>
-          <p:cNvSpPr txBox="1">
-            <a:spLocks/>
-          </p:cNvSpPr>
-          <p:nvPr/>
-        </p:nvSpPr>
-        <p:spPr>
-          <a:xfrm>
-            <a:off x="4181094" y="3021991"/>
-            <a:ext cx="4197975" cy="814017"/>
-          </a:xfrm>
-          <a:prstGeom prst="rect">
-            <a:avLst/>
-          </a:prstGeom>
-        </p:spPr>
+          <p:cNvPr id="3" name="Title 2">
+            <a:extLst>
+              <a:ext uri="{FF2B5EF4-FFF2-40B4-BE49-F238E27FC236}">
+                <a16:creationId xmlns:a16="http://schemas.microsoft.com/office/drawing/2014/main" id="{9EF27CAA-32BA-4E6B-B8C0-1A481E08E81D}"/>
+              </a:ext>
+            </a:extLst>
+          </p:cNvPr>
+          <p:cNvSpPr>
+            <a:spLocks noGrp="1"/>
+          </p:cNvSpPr>
+          <p:nvPr>
+            <p:ph type="title"/>
+          </p:nvPr>
+        </p:nvSpPr>
+        <p:spPr/>
         <p:txBody>
           <a:bodyPr/>
-          <a:lstStyle>
-            <a:lvl1pPr algn="l" defTabSz="914400" rtl="0" eaLnBrk="1" latinLnBrk="0" hangingPunct="1">
-              <a:lnSpc>
-                <a:spcPct val="90000"/>
-              </a:lnSpc>
-              <a:spcBef>
-                <a:spcPct val="0"/>
-              </a:spcBef>
+          <a:lstStyle/>
+          <a:p>
+            <a:r>
+              <a:rPr lang="en-US" dirty="0"/>
+              <a:t>Thành </a:t>
+            </a:r>
+            <a:r>
+              <a:rPr lang="en-US" dirty="0" err="1"/>
+              <a:t>phần</a:t>
+            </a:r>
+            <a:r>
+              <a:rPr lang="vi-VN" dirty="0"/>
+              <a:t>: myShell.exe</a:t>
+            </a:r>
+            <a:endParaRPr lang="en-US" dirty="0"/>
+          </a:p>
+        </p:txBody>
+      </p:sp>
+      <p:sp>
+        <p:nvSpPr>
+          <p:cNvPr id="4" name="Content Placeholder 3">
+            <a:extLst>
+              <a:ext uri="{FF2B5EF4-FFF2-40B4-BE49-F238E27FC236}">
+                <a16:creationId xmlns:a16="http://schemas.microsoft.com/office/drawing/2014/main" id="{59563378-38F8-4CB3-AF99-2C56FCF55404}"/>
+              </a:ext>
+            </a:extLst>
+          </p:cNvPr>
+          <p:cNvSpPr>
+            <a:spLocks noGrp="1"/>
+          </p:cNvSpPr>
+          <p:nvPr>
+            <p:ph sz="quarter" idx="13"/>
+          </p:nvPr>
+        </p:nvSpPr>
+        <p:spPr/>
+        <p:txBody>
+          <a:bodyPr/>
+          <a:lstStyle/>
+          <a:p>
+            <a:pPr marL="0" indent="0">
               <a:buNone/>
-              <a:defRPr sz="6000" b="1" kern="1200">
-                <a:solidFill>
-                  <a:srgbClr val="C00000"/>
-                </a:solidFill>
-                <a:latin typeface="Lato" panose="020F0502020204030203" pitchFamily="34" charset="0"/>
-                <a:ea typeface="Lato" panose="020F0502020204030203" pitchFamily="34" charset="0"/>
-                <a:cs typeface="Lato" panose="020F0502020204030203" pitchFamily="34" charset="0"/>
-              </a:defRPr>
-            </a:lvl1pPr>
-          </a:lstStyle>
-          <a:p>
-            <a:r>
-              <a:rPr lang="en-US" sz="4800" dirty="0"/>
-              <a:t>THANK YOU !</a:t>
-            </a:r>
+            </a:pPr>
+            <a:r>
+              <a:rPr lang="vi-VN" sz="2700" dirty="0"/>
+              <a:t>Chương trình sẽ gọi </a:t>
+            </a:r>
+            <a:r>
+              <a:rPr lang="vi-VN" sz="2700" dirty="0" err="1"/>
+              <a:t>function</a:t>
+            </a:r>
+            <a:endParaRPr lang="vi-VN" sz="2700" dirty="0"/>
+          </a:p>
+          <a:p>
+            <a:pPr marL="0" indent="0" algn="ctr">
+              <a:buNone/>
+            </a:pPr>
+            <a:r>
+              <a:rPr lang="vi-VN" sz="2700" dirty="0"/>
+              <a:t> </a:t>
+            </a:r>
+            <a:r>
+              <a:rPr lang="en-US" sz="2700" dirty="0" err="1"/>
+              <a:t>executeCommand</a:t>
+            </a:r>
+            <a:r>
+              <a:rPr lang="en-US" sz="2700" dirty="0"/>
+              <a:t>(std::</a:t>
+            </a:r>
+            <a:r>
+              <a:rPr lang="en-US" sz="2700" dirty="0" err="1"/>
+              <a:t>wstring</a:t>
+            </a:r>
+            <a:r>
+              <a:rPr lang="en-US" sz="2700" dirty="0"/>
+              <a:t> command)</a:t>
+            </a:r>
+            <a:endParaRPr lang="vi-VN" sz="2700" dirty="0"/>
+          </a:p>
+          <a:p>
+            <a:pPr marL="0" indent="0">
+              <a:buNone/>
+            </a:pPr>
+            <a:r>
+              <a:rPr lang="vi-VN" sz="2700" dirty="0"/>
+              <a:t>Để thực hiện câu lệnh.</a:t>
+            </a:r>
+          </a:p>
+          <a:p>
+            <a:pPr marL="514350" indent="-514350">
+              <a:buFont typeface="+mj-lt"/>
+              <a:buAutoNum type="arabicPeriod"/>
+            </a:pPr>
+            <a:r>
+              <a:rPr lang="vi-VN" sz="2700" dirty="0"/>
+              <a:t>Kiểm tra câu lệnh có tồn tại trong số các </a:t>
+            </a:r>
+            <a:r>
+              <a:rPr lang="en-US" sz="2700" dirty="0"/>
+              <a:t>built-ins/</a:t>
+            </a:r>
+            <a:r>
+              <a:rPr lang="vi-VN" sz="2700" dirty="0" err="1"/>
+              <a:t>plugins</a:t>
+            </a:r>
+            <a:r>
+              <a:rPr lang="vi-VN" sz="2700" dirty="0"/>
+              <a:t> được định nghĩa trước hay trong địa chỉ PATH do người dùng thêm vào không.</a:t>
+            </a:r>
+          </a:p>
+          <a:p>
+            <a:pPr marL="514350" indent="-514350">
+              <a:buFont typeface="+mj-lt"/>
+              <a:buAutoNum type="arabicPeriod"/>
+            </a:pPr>
+            <a:r>
+              <a:rPr lang="vi-VN" sz="2700" dirty="0"/>
+              <a:t>Nếu câu lệnh tồn tại, khởi tạo tiến trình ứng với câu lệnh thông qua </a:t>
+            </a:r>
+            <a:r>
+              <a:rPr lang="vi-VN" sz="2700" dirty="0" err="1"/>
+              <a:t>createProcess</a:t>
+            </a:r>
+            <a:r>
+              <a:rPr lang="en-US" sz="2700" dirty="0"/>
+              <a:t>. Ở mode foreground </a:t>
+            </a:r>
+            <a:r>
+              <a:rPr lang="en-US" sz="2700" dirty="0" err="1"/>
+              <a:t>thì</a:t>
+            </a:r>
+            <a:r>
+              <a:rPr lang="vi-VN" sz="2700" dirty="0"/>
+              <a:t> chuyển hướng I/O của chương trình con sang </a:t>
+            </a:r>
+            <a:r>
+              <a:rPr lang="vi-VN" sz="2700" dirty="0" err="1"/>
+              <a:t>pipe</a:t>
+            </a:r>
+            <a:r>
+              <a:rPr lang="vi-VN" sz="2700" dirty="0"/>
+              <a:t> để thao tác với chương trình mẹ.</a:t>
+            </a:r>
+          </a:p>
+          <a:p>
+            <a:pPr marL="514350" indent="-514350">
+              <a:buFont typeface="+mj-lt"/>
+              <a:buAutoNum type="arabicPeriod"/>
+            </a:pPr>
+            <a:r>
+              <a:rPr lang="vi-VN" sz="2700" dirty="0"/>
+              <a:t>Nếu câu lệnh không tồn tại, in ra dòng thông báo lỗi.</a:t>
+            </a:r>
+            <a:endParaRPr lang="en-US" sz="2700" dirty="0"/>
+          </a:p>
+          <a:p>
+            <a:pPr marL="0" indent="0">
+              <a:buNone/>
+            </a:pPr>
+            <a:endParaRPr lang="en-US" sz="2700" dirty="0"/>
           </a:p>
         </p:txBody>
       </p:sp>
     </p:spTree>
     <p:extLst>
       <p:ext uri="{BB962C8B-B14F-4D97-AF65-F5344CB8AC3E}">
-        <p14:creationId xmlns:p14="http://schemas.microsoft.com/office/powerpoint/2010/main" val="2830535683"/>
+        <p14:creationId xmlns:p14="http://schemas.microsoft.com/office/powerpoint/2010/main" val="2410645476"/>
+      </p:ext>
+    </p:extLst>
+  </p:cSld>
+  <p:clrMapOvr>
+    <a:masterClrMapping/>
+  </p:clrMapOvr>
+</p:sld>
+</file>
+
+<file path=ppt/slides/slide19.xml><?xml version="1.0" encoding="utf-8"?>
+<p:sld xmlns:a="http://schemas.openxmlformats.org/drawingml/2006/main" xmlns:r="http://schemas.openxmlformats.org/officeDocument/2006/relationships" xmlns:p="http://schemas.openxmlformats.org/presentationml/2006/main">
+  <p:cSld>
+    <p:spTree>
+      <p:nvGrpSpPr>
+        <p:cNvPr id="1" name=""/>
+        <p:cNvGrpSpPr/>
+        <p:nvPr/>
+      </p:nvGrpSpPr>
+      <p:grpSpPr>
+        <a:xfrm>
+          <a:off x="0" y="0"/>
+          <a:ext cx="0" cy="0"/>
+          <a:chOff x="0" y="0"/>
+          <a:chExt cx="0" cy="0"/>
+        </a:xfrm>
+      </p:grpSpPr>
+      <p:sp>
+        <p:nvSpPr>
+          <p:cNvPr id="2" name="Slide Number Placeholder 1">
+            <a:extLst>
+              <a:ext uri="{FF2B5EF4-FFF2-40B4-BE49-F238E27FC236}">
+                <a16:creationId xmlns:a16="http://schemas.microsoft.com/office/drawing/2014/main" id="{A7101F79-2CBF-4392-B538-B0B5700DB4C6}"/>
+              </a:ext>
+            </a:extLst>
+          </p:cNvPr>
+          <p:cNvSpPr>
+            <a:spLocks noGrp="1"/>
+          </p:cNvSpPr>
+          <p:nvPr>
+            <p:ph type="sldNum" sz="quarter" idx="12"/>
+          </p:nvPr>
+        </p:nvSpPr>
+        <p:spPr/>
+        <p:txBody>
+          <a:bodyPr/>
+          <a:lstStyle/>
+          <a:p>
+            <a:fld id="{9EA0BE3B-158A-4EDF-80DC-E394A0D1600F}" type="slidenum">
+              <a:rPr lang="en-US" smtClean="0"/>
+              <a:pPr/>
+              <a:t>19</a:t>
+            </a:fld>
+            <a:endParaRPr lang="en-US" dirty="0"/>
+          </a:p>
+        </p:txBody>
+      </p:sp>
+      <p:sp>
+        <p:nvSpPr>
+          <p:cNvPr id="3" name="Title 2">
+            <a:extLst>
+              <a:ext uri="{FF2B5EF4-FFF2-40B4-BE49-F238E27FC236}">
+                <a16:creationId xmlns:a16="http://schemas.microsoft.com/office/drawing/2014/main" id="{9EF27CAA-32BA-4E6B-B8C0-1A481E08E81D}"/>
+              </a:ext>
+            </a:extLst>
+          </p:cNvPr>
+          <p:cNvSpPr>
+            <a:spLocks noGrp="1"/>
+          </p:cNvSpPr>
+          <p:nvPr>
+            <p:ph type="title"/>
+          </p:nvPr>
+        </p:nvSpPr>
+        <p:spPr/>
+        <p:txBody>
+          <a:bodyPr/>
+          <a:lstStyle/>
+          <a:p>
+            <a:r>
+              <a:rPr lang="en-US" dirty="0"/>
+              <a:t>Thành </a:t>
+            </a:r>
+            <a:r>
+              <a:rPr lang="en-US" dirty="0" err="1"/>
+              <a:t>phần</a:t>
+            </a:r>
+            <a:endParaRPr lang="en-US" dirty="0"/>
+          </a:p>
+        </p:txBody>
+      </p:sp>
+      <p:sp>
+        <p:nvSpPr>
+          <p:cNvPr id="6" name="Content Placeholder 5">
+            <a:extLst>
+              <a:ext uri="{FF2B5EF4-FFF2-40B4-BE49-F238E27FC236}">
+                <a16:creationId xmlns:a16="http://schemas.microsoft.com/office/drawing/2014/main" id="{9FBB33DF-3D3D-A78B-EDBD-382417BCDBD1}"/>
+              </a:ext>
+            </a:extLst>
+          </p:cNvPr>
+          <p:cNvSpPr>
+            <a:spLocks noGrp="1"/>
+          </p:cNvSpPr>
+          <p:nvPr>
+            <p:ph sz="quarter" idx="13"/>
+          </p:nvPr>
+        </p:nvSpPr>
+        <p:spPr/>
+        <p:txBody>
+          <a:bodyPr/>
+          <a:lstStyle/>
+          <a:p>
+            <a:r>
+              <a:rPr lang="vi-VN" dirty="0"/>
+              <a:t>“</a:t>
+            </a:r>
+            <a:r>
+              <a:rPr lang="vi-VN" dirty="0" err="1"/>
+              <a:t>Plugins</a:t>
+            </a:r>
+            <a:r>
+              <a:rPr lang="vi-VN" dirty="0"/>
+              <a:t>”</a:t>
+            </a:r>
+            <a:r>
+              <a:rPr lang="en-US" dirty="0"/>
+              <a:t>:</a:t>
+            </a:r>
+            <a:r>
+              <a:rPr lang="vi-VN" dirty="0"/>
+              <a:t> Các chương trình ứng với các câu lệnh được cài đặt sẵn của </a:t>
+            </a:r>
+            <a:r>
+              <a:rPr lang="vi-VN" dirty="0" err="1"/>
+              <a:t>myShell</a:t>
+            </a:r>
+            <a:r>
+              <a:rPr lang="vi-VN" dirty="0"/>
+              <a:t> được định nghĩa trong thư mục </a:t>
+            </a:r>
+            <a:r>
+              <a:rPr lang="vi-VN" dirty="0" err="1"/>
+              <a:t>plugins</a:t>
+            </a:r>
+            <a:r>
+              <a:rPr lang="vi-VN" dirty="0"/>
+              <a:t>.</a:t>
+            </a:r>
+            <a:endParaRPr lang="en-US" dirty="0"/>
+          </a:p>
+          <a:p>
+            <a:r>
+              <a:rPr lang="vi-VN" dirty="0"/>
+              <a:t>“</a:t>
+            </a:r>
+            <a:r>
+              <a:rPr lang="en-US" dirty="0"/>
+              <a:t>Built-in</a:t>
+            </a:r>
+            <a:r>
+              <a:rPr lang="vi-VN" dirty="0"/>
+              <a:t>”</a:t>
+            </a:r>
+            <a:r>
+              <a:rPr lang="en-US" dirty="0"/>
+              <a:t>:</a:t>
+            </a:r>
+            <a:r>
+              <a:rPr lang="vi-VN" dirty="0"/>
+              <a:t> </a:t>
+            </a:r>
+            <a:r>
+              <a:rPr lang="en-US" dirty="0" err="1"/>
+              <a:t>Các</a:t>
+            </a:r>
+            <a:r>
+              <a:rPr lang="en-US" dirty="0"/>
+              <a:t> function tích </a:t>
+            </a:r>
+            <a:r>
+              <a:rPr lang="en-US" dirty="0" err="1"/>
+              <a:t>hợp</a:t>
+            </a:r>
+            <a:r>
+              <a:rPr lang="en-US" dirty="0"/>
+              <a:t> </a:t>
+            </a:r>
+            <a:r>
+              <a:rPr lang="en-US" dirty="0" err="1"/>
+              <a:t>sẵn</a:t>
+            </a:r>
+            <a:r>
+              <a:rPr lang="en-US" dirty="0"/>
+              <a:t> </a:t>
+            </a:r>
+            <a:r>
+              <a:rPr lang="en-US" dirty="0" err="1"/>
+              <a:t>trong</a:t>
+            </a:r>
+            <a:r>
+              <a:rPr lang="en-US" dirty="0"/>
+              <a:t> </a:t>
+            </a:r>
+            <a:r>
+              <a:rPr lang="en-US" dirty="0" err="1"/>
+              <a:t>phần</a:t>
+            </a:r>
+            <a:r>
+              <a:rPr lang="en-US" dirty="0"/>
+              <a:t> </a:t>
+            </a:r>
+            <a:r>
+              <a:rPr lang="en-US" dirty="0" err="1"/>
+              <a:t>mềm</a:t>
+            </a:r>
+            <a:r>
+              <a:rPr lang="en-US" dirty="0"/>
+              <a:t> </a:t>
+            </a:r>
+            <a:r>
+              <a:rPr lang="en-US" dirty="0" err="1"/>
+              <a:t>myshell</a:t>
+            </a:r>
+            <a:r>
+              <a:rPr lang="en-US" dirty="0"/>
+              <a:t>.</a:t>
+            </a:r>
+            <a:endParaRPr lang="vi-VN" dirty="0"/>
+          </a:p>
+          <a:p>
+            <a:endParaRPr lang="vi-VN" dirty="0"/>
+          </a:p>
+        </p:txBody>
+      </p:sp>
+    </p:spTree>
+    <p:extLst>
+      <p:ext uri="{BB962C8B-B14F-4D97-AF65-F5344CB8AC3E}">
+        <p14:creationId xmlns:p14="http://schemas.microsoft.com/office/powerpoint/2010/main" val="3078203576"/>
       </p:ext>
     </p:extLst>
   </p:cSld>
@@ -4211,10 +4715,40 @@
       </p:grpSpPr>
       <p:sp>
         <p:nvSpPr>
-          <p:cNvPr id="2" name="Title 1">
-            <a:extLst>
-              <a:ext uri="{FF2B5EF4-FFF2-40B4-BE49-F238E27FC236}">
-                <a16:creationId xmlns:a16="http://schemas.microsoft.com/office/drawing/2014/main" id="{B88898E0-30FF-4956-A658-42E15A83164B}"/>
+          <p:cNvPr id="2" name="Slide Number Placeholder 1">
+            <a:extLst>
+              <a:ext uri="{FF2B5EF4-FFF2-40B4-BE49-F238E27FC236}">
+                <a16:creationId xmlns:a16="http://schemas.microsoft.com/office/drawing/2014/main" id="{A7101F79-2CBF-4392-B538-B0B5700DB4C6}"/>
+              </a:ext>
+            </a:extLst>
+          </p:cNvPr>
+          <p:cNvSpPr>
+            <a:spLocks noGrp="1"/>
+          </p:cNvSpPr>
+          <p:nvPr>
+            <p:ph type="sldNum" sz="quarter" idx="12"/>
+          </p:nvPr>
+        </p:nvSpPr>
+        <p:spPr/>
+        <p:txBody>
+          <a:bodyPr/>
+          <a:lstStyle/>
+          <a:p>
+            <a:fld id="{9EA0BE3B-158A-4EDF-80DC-E394A0D1600F}" type="slidenum">
+              <a:rPr lang="en-US" smtClean="0"/>
+              <a:pPr/>
+              <a:t>2</a:t>
+            </a:fld>
+            <a:endParaRPr lang="en-US" dirty="0"/>
+          </a:p>
+        </p:txBody>
+      </p:sp>
+      <p:sp>
+        <p:nvSpPr>
+          <p:cNvPr id="3" name="Title 2">
+            <a:extLst>
+              <a:ext uri="{FF2B5EF4-FFF2-40B4-BE49-F238E27FC236}">
+                <a16:creationId xmlns:a16="http://schemas.microsoft.com/office/drawing/2014/main" id="{9EF27CAA-32BA-4E6B-B8C0-1A481E08E81D}"/>
               </a:ext>
             </a:extLst>
           </p:cNvPr>
@@ -4230,14 +4764,1799 @@
           <a:bodyPr/>
           <a:lstStyle/>
           <a:p>
-            <a:endParaRPr lang="en-US"/>
+            <a:r>
+              <a:rPr lang="en-US" dirty="0" err="1"/>
+              <a:t>Mục</a:t>
+            </a:r>
+            <a:r>
+              <a:rPr lang="en-US" dirty="0"/>
+              <a:t> </a:t>
+            </a:r>
+            <a:r>
+              <a:rPr lang="en-US" dirty="0" err="1"/>
+              <a:t>lục</a:t>
+            </a:r>
+            <a:endParaRPr lang="en-US" dirty="0"/>
+          </a:p>
+        </p:txBody>
+      </p:sp>
+      <p:sp>
+        <p:nvSpPr>
+          <p:cNvPr id="4" name="Content Placeholder 3">
+            <a:extLst>
+              <a:ext uri="{FF2B5EF4-FFF2-40B4-BE49-F238E27FC236}">
+                <a16:creationId xmlns:a16="http://schemas.microsoft.com/office/drawing/2014/main" id="{59563378-38F8-4CB3-AF99-2C56FCF55404}"/>
+              </a:ext>
+            </a:extLst>
+          </p:cNvPr>
+          <p:cNvSpPr>
+            <a:spLocks noGrp="1"/>
+          </p:cNvSpPr>
+          <p:nvPr>
+            <p:ph sz="quarter" idx="13"/>
+          </p:nvPr>
+        </p:nvSpPr>
+        <p:spPr/>
+        <p:txBody>
+          <a:bodyPr/>
+          <a:lstStyle/>
+          <a:p>
+            <a:pPr marL="514350" indent="-514350">
+              <a:buFont typeface="+mj-lt"/>
+              <a:buAutoNum type="arabicPeriod"/>
+            </a:pPr>
+            <a:r>
+              <a:rPr lang="en-US" dirty="0" err="1"/>
+              <a:t>Mục</a:t>
+            </a:r>
+            <a:r>
+              <a:rPr lang="en-US" dirty="0"/>
+              <a:t> </a:t>
+            </a:r>
+            <a:r>
+              <a:rPr lang="en-US" dirty="0" err="1"/>
+              <a:t>tiêu</a:t>
+            </a:r>
+            <a:endParaRPr lang="en-US" dirty="0"/>
+          </a:p>
+          <a:p>
+            <a:pPr marL="514350" indent="-514350">
+              <a:buFont typeface="+mj-lt"/>
+              <a:buAutoNum type="arabicPeriod"/>
+            </a:pPr>
+            <a:r>
+              <a:rPr lang="en-US" dirty="0"/>
+              <a:t>Thành </a:t>
+            </a:r>
+            <a:r>
+              <a:rPr lang="en-US" dirty="0" err="1"/>
+              <a:t>phần</a:t>
+            </a:r>
+            <a:endParaRPr lang="en-US" dirty="0"/>
+          </a:p>
+          <a:p>
+            <a:pPr marL="971550" lvl="1" indent="-514350">
+              <a:buFont typeface="+mj-lt"/>
+              <a:buAutoNum type="arabicPeriod"/>
+            </a:pPr>
+            <a:r>
+              <a:rPr lang="en-US" dirty="0" err="1"/>
+              <a:t>Chương</a:t>
+            </a:r>
+            <a:r>
+              <a:rPr lang="en-US" dirty="0"/>
+              <a:t> trình </a:t>
+            </a:r>
+            <a:r>
+              <a:rPr lang="en-US" dirty="0" err="1"/>
+              <a:t>myShell</a:t>
+            </a:r>
+            <a:r>
+              <a:rPr lang="en-US" dirty="0"/>
+              <a:t>.</a:t>
+            </a:r>
+          </a:p>
+          <a:p>
+            <a:pPr marL="971550" lvl="1" indent="-514350">
+              <a:buFont typeface="+mj-lt"/>
+              <a:buAutoNum type="arabicPeriod"/>
+            </a:pPr>
+            <a:r>
+              <a:rPr lang="en-US" dirty="0" err="1"/>
+              <a:t>Các</a:t>
+            </a:r>
+            <a:r>
+              <a:rPr lang="en-US" dirty="0"/>
+              <a:t> </a:t>
+            </a:r>
+            <a:r>
+              <a:rPr lang="en-US" dirty="0" err="1"/>
+              <a:t>chương</a:t>
+            </a:r>
+            <a:r>
+              <a:rPr lang="en-US" dirty="0"/>
+              <a:t> trình con (plugins).</a:t>
+            </a:r>
+          </a:p>
+          <a:p>
+            <a:pPr marL="0" indent="0">
+              <a:buNone/>
+            </a:pPr>
+            <a:r>
+              <a:rPr lang="en-US" dirty="0"/>
+              <a:t>3. Thu </a:t>
+            </a:r>
+            <a:r>
+              <a:rPr lang="en-US" dirty="0" err="1"/>
+              <a:t>hoạch</a:t>
+            </a:r>
+            <a:endParaRPr lang="en-US" dirty="0"/>
           </a:p>
         </p:txBody>
       </p:sp>
     </p:spTree>
     <p:extLst>
       <p:ext uri="{BB962C8B-B14F-4D97-AF65-F5344CB8AC3E}">
-        <p14:creationId xmlns:p14="http://schemas.microsoft.com/office/powerpoint/2010/main" val="1850899118"/>
+        <p14:creationId xmlns:p14="http://schemas.microsoft.com/office/powerpoint/2010/main" val="3705772900"/>
+      </p:ext>
+    </p:extLst>
+  </p:cSld>
+  <p:clrMapOvr>
+    <a:masterClrMapping/>
+  </p:clrMapOvr>
+</p:sld>
+</file>
+
+<file path=ppt/slides/slide20.xml><?xml version="1.0" encoding="utf-8"?>
+<p:sld xmlns:a="http://schemas.openxmlformats.org/drawingml/2006/main" xmlns:r="http://schemas.openxmlformats.org/officeDocument/2006/relationships" xmlns:p="http://schemas.openxmlformats.org/presentationml/2006/main">
+  <p:cSld>
+    <p:spTree>
+      <p:nvGrpSpPr>
+        <p:cNvPr id="1" name=""/>
+        <p:cNvGrpSpPr/>
+        <p:nvPr/>
+      </p:nvGrpSpPr>
+      <p:grpSpPr>
+        <a:xfrm>
+          <a:off x="0" y="0"/>
+          <a:ext cx="0" cy="0"/>
+          <a:chOff x="0" y="0"/>
+          <a:chExt cx="0" cy="0"/>
+        </a:xfrm>
+      </p:grpSpPr>
+      <p:sp>
+        <p:nvSpPr>
+          <p:cNvPr id="2" name="Slide Number Placeholder 1">
+            <a:extLst>
+              <a:ext uri="{FF2B5EF4-FFF2-40B4-BE49-F238E27FC236}">
+                <a16:creationId xmlns:a16="http://schemas.microsoft.com/office/drawing/2014/main" id="{9F39C0A6-581F-E988-71FC-7F9418145F05}"/>
+              </a:ext>
+            </a:extLst>
+          </p:cNvPr>
+          <p:cNvSpPr>
+            <a:spLocks noGrp="1"/>
+          </p:cNvSpPr>
+          <p:nvPr>
+            <p:ph type="sldNum" sz="quarter" idx="12"/>
+          </p:nvPr>
+        </p:nvSpPr>
+        <p:spPr/>
+        <p:txBody>
+          <a:bodyPr/>
+          <a:lstStyle/>
+          <a:p>
+            <a:fld id="{9EA0BE3B-158A-4EDF-80DC-E394A0D1600F}" type="slidenum">
+              <a:rPr lang="en-US" smtClean="0"/>
+              <a:pPr/>
+              <a:t>20</a:t>
+            </a:fld>
+            <a:endParaRPr lang="en-US" dirty="0"/>
+          </a:p>
+        </p:txBody>
+      </p:sp>
+      <p:sp>
+        <p:nvSpPr>
+          <p:cNvPr id="3" name="Title 2">
+            <a:extLst>
+              <a:ext uri="{FF2B5EF4-FFF2-40B4-BE49-F238E27FC236}">
+                <a16:creationId xmlns:a16="http://schemas.microsoft.com/office/drawing/2014/main" id="{076FBB22-4EE0-A9BA-FAAE-A27BA0498DA5}"/>
+              </a:ext>
+            </a:extLst>
+          </p:cNvPr>
+          <p:cNvSpPr>
+            <a:spLocks noGrp="1"/>
+          </p:cNvSpPr>
+          <p:nvPr>
+            <p:ph type="title"/>
+          </p:nvPr>
+        </p:nvSpPr>
+        <p:spPr/>
+        <p:txBody>
+          <a:bodyPr/>
+          <a:lstStyle/>
+          <a:p>
+            <a:r>
+              <a:rPr lang="de-DE" dirty="0" err="1"/>
+              <a:t>Thành</a:t>
+            </a:r>
+            <a:r>
+              <a:rPr lang="de-DE" dirty="0"/>
+              <a:t> </a:t>
+            </a:r>
+            <a:r>
+              <a:rPr lang="de-DE" dirty="0" err="1"/>
+              <a:t>phần</a:t>
+            </a:r>
+            <a:r>
+              <a:rPr lang="de-DE" dirty="0"/>
+              <a:t>: </a:t>
+            </a:r>
+            <a:r>
+              <a:rPr lang="de-DE" dirty="0" err="1"/>
+              <a:t>Các</a:t>
+            </a:r>
+            <a:r>
+              <a:rPr lang="de-DE" dirty="0"/>
+              <a:t> </a:t>
+            </a:r>
+            <a:r>
+              <a:rPr lang="de-DE" dirty="0" err="1"/>
+              <a:t>câu</a:t>
+            </a:r>
+            <a:r>
+              <a:rPr lang="de-DE" dirty="0"/>
+              <a:t> </a:t>
+            </a:r>
+            <a:r>
+              <a:rPr lang="de-DE" dirty="0" err="1"/>
+              <a:t>lệnh</a:t>
+            </a:r>
+            <a:endParaRPr lang="en-US" dirty="0"/>
+          </a:p>
+        </p:txBody>
+      </p:sp>
+      <p:sp>
+        <p:nvSpPr>
+          <p:cNvPr id="4" name="Content Placeholder 3">
+            <a:extLst>
+              <a:ext uri="{FF2B5EF4-FFF2-40B4-BE49-F238E27FC236}">
+                <a16:creationId xmlns:a16="http://schemas.microsoft.com/office/drawing/2014/main" id="{40FD019A-C3E1-1EC7-85C3-2B8C3BF24830}"/>
+              </a:ext>
+            </a:extLst>
+          </p:cNvPr>
+          <p:cNvSpPr>
+            <a:spLocks noGrp="1"/>
+          </p:cNvSpPr>
+          <p:nvPr>
+            <p:ph sz="quarter" idx="13"/>
+          </p:nvPr>
+        </p:nvSpPr>
+        <p:spPr/>
+        <p:txBody>
+          <a:bodyPr/>
+          <a:lstStyle/>
+          <a:p>
+            <a:endParaRPr lang="en-US" dirty="0"/>
+          </a:p>
+        </p:txBody>
+      </p:sp>
+      <p:pic>
+        <p:nvPicPr>
+          <p:cNvPr id="12" name="Picture 11">
+            <a:extLst>
+              <a:ext uri="{FF2B5EF4-FFF2-40B4-BE49-F238E27FC236}">
+                <a16:creationId xmlns:a16="http://schemas.microsoft.com/office/drawing/2014/main" id="{50320AC6-6AF8-88CE-31FB-23321B0D0185}"/>
+              </a:ext>
+            </a:extLst>
+          </p:cNvPr>
+          <p:cNvPicPr>
+            <a:picLocks noChangeAspect="1"/>
+          </p:cNvPicPr>
+          <p:nvPr/>
+        </p:nvPicPr>
+        <p:blipFill>
+          <a:blip r:embed="rId2"/>
+          <a:stretch>
+            <a:fillRect/>
+          </a:stretch>
+        </p:blipFill>
+        <p:spPr>
+          <a:xfrm>
+            <a:off x="130988" y="2264578"/>
+            <a:ext cx="8882023" cy="2456730"/>
+          </a:xfrm>
+          <a:prstGeom prst="rect">
+            <a:avLst/>
+          </a:prstGeom>
+        </p:spPr>
+      </p:pic>
+    </p:spTree>
+    <p:extLst>
+      <p:ext uri="{BB962C8B-B14F-4D97-AF65-F5344CB8AC3E}">
+        <p14:creationId xmlns:p14="http://schemas.microsoft.com/office/powerpoint/2010/main" val="3309960673"/>
+      </p:ext>
+    </p:extLst>
+  </p:cSld>
+  <p:clrMapOvr>
+    <a:masterClrMapping/>
+  </p:clrMapOvr>
+</p:sld>
+</file>
+
+<file path=ppt/slides/slide21.xml><?xml version="1.0" encoding="utf-8"?>
+<p:sld xmlns:a="http://schemas.openxmlformats.org/drawingml/2006/main" xmlns:r="http://schemas.openxmlformats.org/officeDocument/2006/relationships" xmlns:p="http://schemas.openxmlformats.org/presentationml/2006/main">
+  <p:cSld>
+    <p:spTree>
+      <p:nvGrpSpPr>
+        <p:cNvPr id="1" name=""/>
+        <p:cNvGrpSpPr/>
+        <p:nvPr/>
+      </p:nvGrpSpPr>
+      <p:grpSpPr>
+        <a:xfrm>
+          <a:off x="0" y="0"/>
+          <a:ext cx="0" cy="0"/>
+          <a:chOff x="0" y="0"/>
+          <a:chExt cx="0" cy="0"/>
+        </a:xfrm>
+      </p:grpSpPr>
+      <p:sp>
+        <p:nvSpPr>
+          <p:cNvPr id="2" name="Slide Number Placeholder 1">
+            <a:extLst>
+              <a:ext uri="{FF2B5EF4-FFF2-40B4-BE49-F238E27FC236}">
+                <a16:creationId xmlns:a16="http://schemas.microsoft.com/office/drawing/2014/main" id="{9F39C0A6-581F-E988-71FC-7F9418145F05}"/>
+              </a:ext>
+            </a:extLst>
+          </p:cNvPr>
+          <p:cNvSpPr>
+            <a:spLocks noGrp="1"/>
+          </p:cNvSpPr>
+          <p:nvPr>
+            <p:ph type="sldNum" sz="quarter" idx="12"/>
+          </p:nvPr>
+        </p:nvSpPr>
+        <p:spPr/>
+        <p:txBody>
+          <a:bodyPr/>
+          <a:lstStyle/>
+          <a:p>
+            <a:fld id="{9EA0BE3B-158A-4EDF-80DC-E394A0D1600F}" type="slidenum">
+              <a:rPr lang="en-US" smtClean="0"/>
+              <a:pPr/>
+              <a:t>21</a:t>
+            </a:fld>
+            <a:endParaRPr lang="en-US" dirty="0"/>
+          </a:p>
+        </p:txBody>
+      </p:sp>
+      <p:sp>
+        <p:nvSpPr>
+          <p:cNvPr id="3" name="Title 2">
+            <a:extLst>
+              <a:ext uri="{FF2B5EF4-FFF2-40B4-BE49-F238E27FC236}">
+                <a16:creationId xmlns:a16="http://schemas.microsoft.com/office/drawing/2014/main" id="{076FBB22-4EE0-A9BA-FAAE-A27BA0498DA5}"/>
+              </a:ext>
+            </a:extLst>
+          </p:cNvPr>
+          <p:cNvSpPr>
+            <a:spLocks noGrp="1"/>
+          </p:cNvSpPr>
+          <p:nvPr>
+            <p:ph type="title"/>
+          </p:nvPr>
+        </p:nvSpPr>
+        <p:spPr/>
+        <p:txBody>
+          <a:bodyPr/>
+          <a:lstStyle/>
+          <a:p>
+            <a:r>
+              <a:rPr lang="de-DE" dirty="0" err="1"/>
+              <a:t>Thành</a:t>
+            </a:r>
+            <a:r>
+              <a:rPr lang="de-DE" dirty="0"/>
+              <a:t> </a:t>
+            </a:r>
+            <a:r>
+              <a:rPr lang="de-DE" dirty="0" err="1"/>
+              <a:t>phần</a:t>
+            </a:r>
+            <a:r>
+              <a:rPr lang="de-DE" dirty="0"/>
+              <a:t>: </a:t>
+            </a:r>
+            <a:r>
+              <a:rPr lang="de-DE" dirty="0" err="1"/>
+              <a:t>Các</a:t>
+            </a:r>
+            <a:r>
+              <a:rPr lang="de-DE" dirty="0"/>
+              <a:t> </a:t>
+            </a:r>
+            <a:r>
+              <a:rPr lang="de-DE" dirty="0" err="1"/>
+              <a:t>câu</a:t>
+            </a:r>
+            <a:r>
+              <a:rPr lang="de-DE" dirty="0"/>
+              <a:t> </a:t>
+            </a:r>
+            <a:r>
+              <a:rPr lang="de-DE" dirty="0" err="1"/>
+              <a:t>lệnh</a:t>
+            </a:r>
+            <a:endParaRPr lang="en-US" dirty="0"/>
+          </a:p>
+        </p:txBody>
+      </p:sp>
+      <p:sp>
+        <p:nvSpPr>
+          <p:cNvPr id="4" name="Content Placeholder 3">
+            <a:extLst>
+              <a:ext uri="{FF2B5EF4-FFF2-40B4-BE49-F238E27FC236}">
+                <a16:creationId xmlns:a16="http://schemas.microsoft.com/office/drawing/2014/main" id="{40FD019A-C3E1-1EC7-85C3-2B8C3BF24830}"/>
+              </a:ext>
+            </a:extLst>
+          </p:cNvPr>
+          <p:cNvSpPr>
+            <a:spLocks noGrp="1"/>
+          </p:cNvSpPr>
+          <p:nvPr>
+            <p:ph sz="quarter" idx="13"/>
+          </p:nvPr>
+        </p:nvSpPr>
+        <p:spPr/>
+        <p:txBody>
+          <a:bodyPr/>
+          <a:lstStyle/>
+          <a:p>
+            <a:endParaRPr lang="en-US" dirty="0"/>
+          </a:p>
+        </p:txBody>
+      </p:sp>
+      <p:pic>
+        <p:nvPicPr>
+          <p:cNvPr id="12" name="Picture 11">
+            <a:extLst>
+              <a:ext uri="{FF2B5EF4-FFF2-40B4-BE49-F238E27FC236}">
+                <a16:creationId xmlns:a16="http://schemas.microsoft.com/office/drawing/2014/main" id="{50320AC6-6AF8-88CE-31FB-23321B0D0185}"/>
+              </a:ext>
+            </a:extLst>
+          </p:cNvPr>
+          <p:cNvPicPr>
+            <a:picLocks noChangeAspect="1"/>
+          </p:cNvPicPr>
+          <p:nvPr/>
+        </p:nvPicPr>
+        <p:blipFill>
+          <a:blip r:embed="rId2"/>
+          <a:stretch>
+            <a:fillRect/>
+          </a:stretch>
+        </p:blipFill>
+        <p:spPr>
+          <a:xfrm>
+            <a:off x="130988" y="2264578"/>
+            <a:ext cx="8882023" cy="2456730"/>
+          </a:xfrm>
+          <a:prstGeom prst="rect">
+            <a:avLst/>
+          </a:prstGeom>
+        </p:spPr>
+      </p:pic>
+      <p:sp>
+        <p:nvSpPr>
+          <p:cNvPr id="5" name="Rectangle 4">
+            <a:extLst>
+              <a:ext uri="{FF2B5EF4-FFF2-40B4-BE49-F238E27FC236}">
+                <a16:creationId xmlns:a16="http://schemas.microsoft.com/office/drawing/2014/main" id="{D313C53C-C30A-4407-CA8D-000BEDBAB226}"/>
+              </a:ext>
+            </a:extLst>
+          </p:cNvPr>
+          <p:cNvSpPr/>
+          <p:nvPr/>
+        </p:nvSpPr>
+        <p:spPr>
+          <a:xfrm>
+            <a:off x="0" y="3945467"/>
+            <a:ext cx="1354667" cy="270933"/>
+          </a:xfrm>
+          <a:prstGeom prst="rect">
+            <a:avLst/>
+          </a:prstGeom>
+          <a:noFill/>
+          <a:ln w="38100">
+            <a:solidFill>
+              <a:srgbClr val="FF0000"/>
+            </a:solidFill>
+          </a:ln>
+        </p:spPr>
+        <p:style>
+          <a:lnRef idx="2">
+            <a:schemeClr val="accent1">
+              <a:shade val="15000"/>
+            </a:schemeClr>
+          </a:lnRef>
+          <a:fillRef idx="1">
+            <a:schemeClr val="accent1"/>
+          </a:fillRef>
+          <a:effectRef idx="0">
+            <a:schemeClr val="accent1"/>
+          </a:effectRef>
+          <a:fontRef idx="minor">
+            <a:schemeClr val="lt1"/>
+          </a:fontRef>
+        </p:style>
+        <p:txBody>
+          <a:bodyPr rtlCol="0" anchor="ctr"/>
+          <a:lstStyle/>
+          <a:p>
+            <a:pPr algn="ctr"/>
+            <a:endParaRPr lang="en-US">
+              <a:ln>
+                <a:solidFill>
+                  <a:srgbClr val="FF0000"/>
+                </a:solidFill>
+              </a:ln>
+              <a:solidFill>
+                <a:srgbClr val="FF0000"/>
+              </a:solidFill>
+            </a:endParaRPr>
+          </a:p>
+        </p:txBody>
+      </p:sp>
+      <p:sp>
+        <p:nvSpPr>
+          <p:cNvPr id="6" name="Rectangle 5">
+            <a:extLst>
+              <a:ext uri="{FF2B5EF4-FFF2-40B4-BE49-F238E27FC236}">
+                <a16:creationId xmlns:a16="http://schemas.microsoft.com/office/drawing/2014/main" id="{E5FD1F15-AC33-8F81-36E7-E92B1152FB30}"/>
+              </a:ext>
+            </a:extLst>
+          </p:cNvPr>
+          <p:cNvSpPr/>
+          <p:nvPr/>
+        </p:nvSpPr>
+        <p:spPr>
+          <a:xfrm>
+            <a:off x="6129868" y="2565400"/>
+            <a:ext cx="737516" cy="287867"/>
+          </a:xfrm>
+          <a:prstGeom prst="rect">
+            <a:avLst/>
+          </a:prstGeom>
+          <a:noFill/>
+          <a:ln w="38100">
+            <a:solidFill>
+              <a:srgbClr val="FF0000"/>
+            </a:solidFill>
+          </a:ln>
+        </p:spPr>
+        <p:style>
+          <a:lnRef idx="2">
+            <a:schemeClr val="accent1">
+              <a:shade val="15000"/>
+            </a:schemeClr>
+          </a:lnRef>
+          <a:fillRef idx="1">
+            <a:schemeClr val="accent1"/>
+          </a:fillRef>
+          <a:effectRef idx="0">
+            <a:schemeClr val="accent1"/>
+          </a:effectRef>
+          <a:fontRef idx="minor">
+            <a:schemeClr val="lt1"/>
+          </a:fontRef>
+        </p:style>
+        <p:txBody>
+          <a:bodyPr rtlCol="0" anchor="ctr"/>
+          <a:lstStyle/>
+          <a:p>
+            <a:pPr algn="ctr"/>
+            <a:endParaRPr lang="en-US">
+              <a:ln>
+                <a:solidFill>
+                  <a:srgbClr val="FF0000"/>
+                </a:solidFill>
+              </a:ln>
+              <a:solidFill>
+                <a:srgbClr val="FF0000"/>
+              </a:solidFill>
+            </a:endParaRPr>
+          </a:p>
+        </p:txBody>
+      </p:sp>
+    </p:spTree>
+    <p:extLst>
+      <p:ext uri="{BB962C8B-B14F-4D97-AF65-F5344CB8AC3E}">
+        <p14:creationId xmlns:p14="http://schemas.microsoft.com/office/powerpoint/2010/main" val="773348553"/>
+      </p:ext>
+    </p:extLst>
+  </p:cSld>
+  <p:clrMapOvr>
+    <a:masterClrMapping/>
+  </p:clrMapOvr>
+</p:sld>
+</file>
+
+<file path=ppt/slides/slide22.xml><?xml version="1.0" encoding="utf-8"?>
+<p:sld xmlns:a="http://schemas.openxmlformats.org/drawingml/2006/main" xmlns:r="http://schemas.openxmlformats.org/officeDocument/2006/relationships" xmlns:p="http://schemas.openxmlformats.org/presentationml/2006/main">
+  <p:cSld>
+    <p:spTree>
+      <p:nvGrpSpPr>
+        <p:cNvPr id="1" name=""/>
+        <p:cNvGrpSpPr/>
+        <p:nvPr/>
+      </p:nvGrpSpPr>
+      <p:grpSpPr>
+        <a:xfrm>
+          <a:off x="0" y="0"/>
+          <a:ext cx="0" cy="0"/>
+          <a:chOff x="0" y="0"/>
+          <a:chExt cx="0" cy="0"/>
+        </a:xfrm>
+      </p:grpSpPr>
+      <p:sp>
+        <p:nvSpPr>
+          <p:cNvPr id="2" name="Slide Number Placeholder 1">
+            <a:extLst>
+              <a:ext uri="{FF2B5EF4-FFF2-40B4-BE49-F238E27FC236}">
+                <a16:creationId xmlns:a16="http://schemas.microsoft.com/office/drawing/2014/main" id="{A7101F79-2CBF-4392-B538-B0B5700DB4C6}"/>
+              </a:ext>
+            </a:extLst>
+          </p:cNvPr>
+          <p:cNvSpPr>
+            <a:spLocks noGrp="1"/>
+          </p:cNvSpPr>
+          <p:nvPr>
+            <p:ph type="sldNum" sz="quarter" idx="12"/>
+          </p:nvPr>
+        </p:nvSpPr>
+        <p:spPr/>
+        <p:txBody>
+          <a:bodyPr/>
+          <a:lstStyle/>
+          <a:p>
+            <a:fld id="{9EA0BE3B-158A-4EDF-80DC-E394A0D1600F}" type="slidenum">
+              <a:rPr lang="en-US" smtClean="0"/>
+              <a:pPr/>
+              <a:t>22</a:t>
+            </a:fld>
+            <a:endParaRPr lang="en-US" dirty="0"/>
+          </a:p>
+        </p:txBody>
+      </p:sp>
+      <p:sp>
+        <p:nvSpPr>
+          <p:cNvPr id="3" name="Title 2">
+            <a:extLst>
+              <a:ext uri="{FF2B5EF4-FFF2-40B4-BE49-F238E27FC236}">
+                <a16:creationId xmlns:a16="http://schemas.microsoft.com/office/drawing/2014/main" id="{9EF27CAA-32BA-4E6B-B8C0-1A481E08E81D}"/>
+              </a:ext>
+            </a:extLst>
+          </p:cNvPr>
+          <p:cNvSpPr>
+            <a:spLocks noGrp="1"/>
+          </p:cNvSpPr>
+          <p:nvPr>
+            <p:ph type="title"/>
+          </p:nvPr>
+        </p:nvSpPr>
+        <p:spPr/>
+        <p:txBody>
+          <a:bodyPr/>
+          <a:lstStyle/>
+          <a:p>
+            <a:r>
+              <a:rPr lang="de-DE" dirty="0" err="1"/>
+              <a:t>Thành</a:t>
+            </a:r>
+            <a:r>
+              <a:rPr lang="de-DE" dirty="0"/>
+              <a:t> </a:t>
+            </a:r>
+            <a:r>
+              <a:rPr lang="de-DE" dirty="0" err="1"/>
+              <a:t>phần</a:t>
+            </a:r>
+            <a:r>
+              <a:rPr lang="de-DE" dirty="0"/>
+              <a:t>: </a:t>
+            </a:r>
+            <a:r>
+              <a:rPr lang="de-DE" dirty="0" err="1"/>
+              <a:t>Các</a:t>
+            </a:r>
+            <a:r>
+              <a:rPr lang="de-DE" dirty="0"/>
+              <a:t> </a:t>
+            </a:r>
+            <a:r>
+              <a:rPr lang="de-DE" dirty="0" err="1"/>
+              <a:t>câu</a:t>
+            </a:r>
+            <a:r>
+              <a:rPr lang="de-DE" dirty="0"/>
+              <a:t> </a:t>
+            </a:r>
+            <a:r>
+              <a:rPr lang="de-DE" dirty="0" err="1"/>
+              <a:t>lệnh</a:t>
+            </a:r>
+            <a:endParaRPr lang="en-US" dirty="0"/>
+          </a:p>
+        </p:txBody>
+      </p:sp>
+      <p:sp>
+        <p:nvSpPr>
+          <p:cNvPr id="6" name="Content Placeholder 5">
+            <a:extLst>
+              <a:ext uri="{FF2B5EF4-FFF2-40B4-BE49-F238E27FC236}">
+                <a16:creationId xmlns:a16="http://schemas.microsoft.com/office/drawing/2014/main" id="{9FBB33DF-3D3D-A78B-EDBD-382417BCDBD1}"/>
+              </a:ext>
+            </a:extLst>
+          </p:cNvPr>
+          <p:cNvSpPr>
+            <a:spLocks noGrp="1"/>
+          </p:cNvSpPr>
+          <p:nvPr>
+            <p:ph sz="quarter" idx="13"/>
+          </p:nvPr>
+        </p:nvSpPr>
+        <p:spPr/>
+        <p:txBody>
+          <a:bodyPr/>
+          <a:lstStyle/>
+          <a:p>
+            <a:endParaRPr lang="en-US"/>
+          </a:p>
+        </p:txBody>
+      </p:sp>
+      <p:pic>
+        <p:nvPicPr>
+          <p:cNvPr id="5" name="Picture 4">
+            <a:extLst>
+              <a:ext uri="{FF2B5EF4-FFF2-40B4-BE49-F238E27FC236}">
+                <a16:creationId xmlns:a16="http://schemas.microsoft.com/office/drawing/2014/main" id="{5E357EBE-74F1-7CAF-96D6-C8261E145A32}"/>
+              </a:ext>
+            </a:extLst>
+          </p:cNvPr>
+          <p:cNvPicPr>
+            <a:picLocks noChangeAspect="1"/>
+          </p:cNvPicPr>
+          <p:nvPr/>
+        </p:nvPicPr>
+        <p:blipFill>
+          <a:blip r:embed="rId2"/>
+          <a:stretch>
+            <a:fillRect/>
+          </a:stretch>
+        </p:blipFill>
+        <p:spPr>
+          <a:xfrm>
+            <a:off x="340697" y="1191786"/>
+            <a:ext cx="18370123" cy="10333194"/>
+          </a:xfrm>
+          <a:prstGeom prst="rect">
+            <a:avLst/>
+          </a:prstGeom>
+        </p:spPr>
+      </p:pic>
+    </p:spTree>
+    <p:extLst>
+      <p:ext uri="{BB962C8B-B14F-4D97-AF65-F5344CB8AC3E}">
+        <p14:creationId xmlns:p14="http://schemas.microsoft.com/office/powerpoint/2010/main" val="2149083046"/>
+      </p:ext>
+    </p:extLst>
+  </p:cSld>
+  <p:clrMapOvr>
+    <a:masterClrMapping/>
+  </p:clrMapOvr>
+</p:sld>
+</file>
+
+<file path=ppt/slides/slide23.xml><?xml version="1.0" encoding="utf-8"?>
+<p:sld xmlns:a="http://schemas.openxmlformats.org/drawingml/2006/main" xmlns:r="http://schemas.openxmlformats.org/officeDocument/2006/relationships" xmlns:p="http://schemas.openxmlformats.org/presentationml/2006/main">
+  <p:cSld>
+    <p:spTree>
+      <p:nvGrpSpPr>
+        <p:cNvPr id="1" name=""/>
+        <p:cNvGrpSpPr/>
+        <p:nvPr/>
+      </p:nvGrpSpPr>
+      <p:grpSpPr>
+        <a:xfrm>
+          <a:off x="0" y="0"/>
+          <a:ext cx="0" cy="0"/>
+          <a:chOff x="0" y="0"/>
+          <a:chExt cx="0" cy="0"/>
+        </a:xfrm>
+      </p:grpSpPr>
+      <p:sp>
+        <p:nvSpPr>
+          <p:cNvPr id="2" name="Slide Number Placeholder 1">
+            <a:extLst>
+              <a:ext uri="{FF2B5EF4-FFF2-40B4-BE49-F238E27FC236}">
+                <a16:creationId xmlns:a16="http://schemas.microsoft.com/office/drawing/2014/main" id="{A7101F79-2CBF-4392-B538-B0B5700DB4C6}"/>
+              </a:ext>
+            </a:extLst>
+          </p:cNvPr>
+          <p:cNvSpPr>
+            <a:spLocks noGrp="1"/>
+          </p:cNvSpPr>
+          <p:nvPr>
+            <p:ph type="sldNum" sz="quarter" idx="12"/>
+          </p:nvPr>
+        </p:nvSpPr>
+        <p:spPr/>
+        <p:txBody>
+          <a:bodyPr/>
+          <a:lstStyle/>
+          <a:p>
+            <a:fld id="{9EA0BE3B-158A-4EDF-80DC-E394A0D1600F}" type="slidenum">
+              <a:rPr lang="en-US" smtClean="0"/>
+              <a:pPr/>
+              <a:t>23</a:t>
+            </a:fld>
+            <a:endParaRPr lang="en-US" dirty="0"/>
+          </a:p>
+        </p:txBody>
+      </p:sp>
+      <p:sp>
+        <p:nvSpPr>
+          <p:cNvPr id="3" name="Title 2">
+            <a:extLst>
+              <a:ext uri="{FF2B5EF4-FFF2-40B4-BE49-F238E27FC236}">
+                <a16:creationId xmlns:a16="http://schemas.microsoft.com/office/drawing/2014/main" id="{9EF27CAA-32BA-4E6B-B8C0-1A481E08E81D}"/>
+              </a:ext>
+            </a:extLst>
+          </p:cNvPr>
+          <p:cNvSpPr>
+            <a:spLocks noGrp="1"/>
+          </p:cNvSpPr>
+          <p:nvPr>
+            <p:ph type="title"/>
+          </p:nvPr>
+        </p:nvSpPr>
+        <p:spPr/>
+        <p:txBody>
+          <a:bodyPr/>
+          <a:lstStyle/>
+          <a:p>
+            <a:r>
+              <a:rPr lang="en-US" dirty="0"/>
+              <a:t>Thành </a:t>
+            </a:r>
+            <a:r>
+              <a:rPr lang="en-US" dirty="0" err="1"/>
+              <a:t>phần</a:t>
+            </a:r>
+            <a:r>
+              <a:rPr lang="vi-VN" dirty="0"/>
+              <a:t>: myShell.exe</a:t>
+            </a:r>
+            <a:endParaRPr lang="en-US" dirty="0"/>
+          </a:p>
+        </p:txBody>
+      </p:sp>
+      <p:sp>
+        <p:nvSpPr>
+          <p:cNvPr id="6" name="Content Placeholder 5">
+            <a:extLst>
+              <a:ext uri="{FF2B5EF4-FFF2-40B4-BE49-F238E27FC236}">
+                <a16:creationId xmlns:a16="http://schemas.microsoft.com/office/drawing/2014/main" id="{9FBB33DF-3D3D-A78B-EDBD-382417BCDBD1}"/>
+              </a:ext>
+            </a:extLst>
+          </p:cNvPr>
+          <p:cNvSpPr>
+            <a:spLocks noGrp="1"/>
+          </p:cNvSpPr>
+          <p:nvPr>
+            <p:ph sz="quarter" idx="13"/>
+          </p:nvPr>
+        </p:nvSpPr>
+        <p:spPr/>
+        <p:txBody>
+          <a:bodyPr/>
+          <a:lstStyle/>
+          <a:p>
+            <a:endParaRPr lang="en-US"/>
+          </a:p>
+        </p:txBody>
+      </p:sp>
+      <p:pic>
+        <p:nvPicPr>
+          <p:cNvPr id="7" name="Picture 6">
+            <a:extLst>
+              <a:ext uri="{FF2B5EF4-FFF2-40B4-BE49-F238E27FC236}">
+                <a16:creationId xmlns:a16="http://schemas.microsoft.com/office/drawing/2014/main" id="{FCABDC91-F202-964F-6373-6D22FEA9044E}"/>
+              </a:ext>
+            </a:extLst>
+          </p:cNvPr>
+          <p:cNvPicPr>
+            <a:picLocks noChangeAspect="1"/>
+          </p:cNvPicPr>
+          <p:nvPr/>
+        </p:nvPicPr>
+        <p:blipFill>
+          <a:blip r:embed="rId2"/>
+          <a:stretch>
+            <a:fillRect/>
+          </a:stretch>
+        </p:blipFill>
+        <p:spPr>
+          <a:xfrm>
+            <a:off x="393192" y="1454336"/>
+            <a:ext cx="7342632" cy="3949327"/>
+          </a:xfrm>
+          <a:prstGeom prst="rect">
+            <a:avLst/>
+          </a:prstGeom>
+        </p:spPr>
+      </p:pic>
+      <p:pic>
+        <p:nvPicPr>
+          <p:cNvPr id="9" name="Picture 8">
+            <a:extLst>
+              <a:ext uri="{FF2B5EF4-FFF2-40B4-BE49-F238E27FC236}">
+                <a16:creationId xmlns:a16="http://schemas.microsoft.com/office/drawing/2014/main" id="{FC69239C-6C36-59EA-2D95-FEC71F7C6C7A}"/>
+              </a:ext>
+            </a:extLst>
+          </p:cNvPr>
+          <p:cNvPicPr>
+            <a:picLocks noChangeAspect="1"/>
+          </p:cNvPicPr>
+          <p:nvPr/>
+        </p:nvPicPr>
+        <p:blipFill>
+          <a:blip r:embed="rId3"/>
+          <a:stretch>
+            <a:fillRect/>
+          </a:stretch>
+        </p:blipFill>
+        <p:spPr>
+          <a:xfrm>
+            <a:off x="3237215" y="2890960"/>
+            <a:ext cx="5687568" cy="3253680"/>
+          </a:xfrm>
+          <a:prstGeom prst="rect">
+            <a:avLst/>
+          </a:prstGeom>
+        </p:spPr>
+      </p:pic>
+    </p:spTree>
+    <p:extLst>
+      <p:ext uri="{BB962C8B-B14F-4D97-AF65-F5344CB8AC3E}">
+        <p14:creationId xmlns:p14="http://schemas.microsoft.com/office/powerpoint/2010/main" val="887631797"/>
+      </p:ext>
+    </p:extLst>
+  </p:cSld>
+  <p:clrMapOvr>
+    <a:masterClrMapping/>
+  </p:clrMapOvr>
+</p:sld>
+</file>
+
+<file path=ppt/slides/slide24.xml><?xml version="1.0" encoding="utf-8"?>
+<p:sld xmlns:a="http://schemas.openxmlformats.org/drawingml/2006/main" xmlns:r="http://schemas.openxmlformats.org/officeDocument/2006/relationships" xmlns:p="http://schemas.openxmlformats.org/presentationml/2006/main">
+  <p:cSld>
+    <p:spTree>
+      <p:nvGrpSpPr>
+        <p:cNvPr id="1" name=""/>
+        <p:cNvGrpSpPr/>
+        <p:nvPr/>
+      </p:nvGrpSpPr>
+      <p:grpSpPr>
+        <a:xfrm>
+          <a:off x="0" y="0"/>
+          <a:ext cx="0" cy="0"/>
+          <a:chOff x="0" y="0"/>
+          <a:chExt cx="0" cy="0"/>
+        </a:xfrm>
+      </p:grpSpPr>
+      <p:sp>
+        <p:nvSpPr>
+          <p:cNvPr id="2" name="Slide Number Placeholder 1">
+            <a:extLst>
+              <a:ext uri="{FF2B5EF4-FFF2-40B4-BE49-F238E27FC236}">
+                <a16:creationId xmlns:a16="http://schemas.microsoft.com/office/drawing/2014/main" id="{A7101F79-2CBF-4392-B538-B0B5700DB4C6}"/>
+              </a:ext>
+            </a:extLst>
+          </p:cNvPr>
+          <p:cNvSpPr>
+            <a:spLocks noGrp="1"/>
+          </p:cNvSpPr>
+          <p:nvPr>
+            <p:ph type="sldNum" sz="quarter" idx="12"/>
+          </p:nvPr>
+        </p:nvSpPr>
+        <p:spPr/>
+        <p:txBody>
+          <a:bodyPr/>
+          <a:lstStyle/>
+          <a:p>
+            <a:fld id="{9EA0BE3B-158A-4EDF-80DC-E394A0D1600F}" type="slidenum">
+              <a:rPr lang="en-US" smtClean="0"/>
+              <a:pPr/>
+              <a:t>24</a:t>
+            </a:fld>
+            <a:endParaRPr lang="en-US" dirty="0"/>
+          </a:p>
+        </p:txBody>
+      </p:sp>
+      <p:sp>
+        <p:nvSpPr>
+          <p:cNvPr id="3" name="Title 2">
+            <a:extLst>
+              <a:ext uri="{FF2B5EF4-FFF2-40B4-BE49-F238E27FC236}">
+                <a16:creationId xmlns:a16="http://schemas.microsoft.com/office/drawing/2014/main" id="{9EF27CAA-32BA-4E6B-B8C0-1A481E08E81D}"/>
+              </a:ext>
+            </a:extLst>
+          </p:cNvPr>
+          <p:cNvSpPr>
+            <a:spLocks noGrp="1"/>
+          </p:cNvSpPr>
+          <p:nvPr>
+            <p:ph type="title"/>
+          </p:nvPr>
+        </p:nvSpPr>
+        <p:spPr/>
+        <p:txBody>
+          <a:bodyPr/>
+          <a:lstStyle/>
+          <a:p>
+            <a:r>
+              <a:rPr lang="en-US" dirty="0"/>
+              <a:t>Thành </a:t>
+            </a:r>
+            <a:r>
+              <a:rPr lang="en-US" dirty="0" err="1"/>
+              <a:t>phần</a:t>
+            </a:r>
+            <a:r>
+              <a:rPr lang="vi-VN" dirty="0"/>
+              <a:t>: myShell.exe</a:t>
+            </a:r>
+            <a:endParaRPr lang="en-US" dirty="0"/>
+          </a:p>
+        </p:txBody>
+      </p:sp>
+      <p:sp>
+        <p:nvSpPr>
+          <p:cNvPr id="6" name="Content Placeholder 5">
+            <a:extLst>
+              <a:ext uri="{FF2B5EF4-FFF2-40B4-BE49-F238E27FC236}">
+                <a16:creationId xmlns:a16="http://schemas.microsoft.com/office/drawing/2014/main" id="{9FBB33DF-3D3D-A78B-EDBD-382417BCDBD1}"/>
+              </a:ext>
+            </a:extLst>
+          </p:cNvPr>
+          <p:cNvSpPr>
+            <a:spLocks noGrp="1"/>
+          </p:cNvSpPr>
+          <p:nvPr>
+            <p:ph sz="quarter" idx="13"/>
+          </p:nvPr>
+        </p:nvSpPr>
+        <p:spPr/>
+        <p:txBody>
+          <a:bodyPr/>
+          <a:lstStyle/>
+          <a:p>
+            <a:endParaRPr lang="en-US"/>
+          </a:p>
+        </p:txBody>
+      </p:sp>
+      <p:pic>
+        <p:nvPicPr>
+          <p:cNvPr id="9" name="Picture 8">
+            <a:extLst>
+              <a:ext uri="{FF2B5EF4-FFF2-40B4-BE49-F238E27FC236}">
+                <a16:creationId xmlns:a16="http://schemas.microsoft.com/office/drawing/2014/main" id="{FC69239C-6C36-59EA-2D95-FEC71F7C6C7A}"/>
+              </a:ext>
+            </a:extLst>
+          </p:cNvPr>
+          <p:cNvPicPr>
+            <a:picLocks noChangeAspect="1"/>
+          </p:cNvPicPr>
+          <p:nvPr/>
+        </p:nvPicPr>
+        <p:blipFill>
+          <a:blip r:embed="rId2"/>
+          <a:stretch>
+            <a:fillRect/>
+          </a:stretch>
+        </p:blipFill>
+        <p:spPr>
+          <a:xfrm>
+            <a:off x="9358615" y="2890960"/>
+            <a:ext cx="5687568" cy="3253680"/>
+          </a:xfrm>
+          <a:prstGeom prst="rect">
+            <a:avLst/>
+          </a:prstGeom>
+        </p:spPr>
+      </p:pic>
+      <p:pic>
+        <p:nvPicPr>
+          <p:cNvPr id="5" name="Picture 4">
+            <a:extLst>
+              <a:ext uri="{FF2B5EF4-FFF2-40B4-BE49-F238E27FC236}">
+                <a16:creationId xmlns:a16="http://schemas.microsoft.com/office/drawing/2014/main" id="{8A637C7F-54EF-6820-1451-54A42A1DACB6}"/>
+              </a:ext>
+            </a:extLst>
+          </p:cNvPr>
+          <p:cNvPicPr>
+            <a:picLocks noChangeAspect="1"/>
+          </p:cNvPicPr>
+          <p:nvPr/>
+        </p:nvPicPr>
+        <p:blipFill>
+          <a:blip r:embed="rId3"/>
+          <a:stretch>
+            <a:fillRect/>
+          </a:stretch>
+        </p:blipFill>
+        <p:spPr>
+          <a:xfrm>
+            <a:off x="0" y="1331068"/>
+            <a:ext cx="9144000" cy="4195864"/>
+          </a:xfrm>
+          <a:prstGeom prst="rect">
+            <a:avLst/>
+          </a:prstGeom>
+        </p:spPr>
+      </p:pic>
+    </p:spTree>
+    <p:extLst>
+      <p:ext uri="{BB962C8B-B14F-4D97-AF65-F5344CB8AC3E}">
+        <p14:creationId xmlns:p14="http://schemas.microsoft.com/office/powerpoint/2010/main" val="2304883987"/>
+      </p:ext>
+    </p:extLst>
+  </p:cSld>
+  <p:clrMapOvr>
+    <a:masterClrMapping/>
+  </p:clrMapOvr>
+  <mc:AlternateContent xmlns:mc="http://schemas.openxmlformats.org/markup-compatibility/2006">
+    <mc:Choice xmlns:p159="http://schemas.microsoft.com/office/powerpoint/2015/09/main" Requires="p159">
+      <p:transition xmlns:p14="http://schemas.microsoft.com/office/powerpoint/2010/main" spd="slow" p14:dur="2000">
+        <p159:morph option="byObject"/>
+      </p:transition>
+    </mc:Choice>
+    <mc:Fallback>
+      <p:transition spd="slow">
+        <p:fade/>
+      </p:transition>
+    </mc:Fallback>
+  </mc:AlternateContent>
+</p:sld>
+</file>
+
+<file path=ppt/slides/slide25.xml><?xml version="1.0" encoding="utf-8"?>
+<p:sld xmlns:a="http://schemas.openxmlformats.org/drawingml/2006/main" xmlns:r="http://schemas.openxmlformats.org/officeDocument/2006/relationships" xmlns:p="http://schemas.openxmlformats.org/presentationml/2006/main">
+  <p:cSld>
+    <p:spTree>
+      <p:nvGrpSpPr>
+        <p:cNvPr id="1" name=""/>
+        <p:cNvGrpSpPr/>
+        <p:nvPr/>
+      </p:nvGrpSpPr>
+      <p:grpSpPr>
+        <a:xfrm>
+          <a:off x="0" y="0"/>
+          <a:ext cx="0" cy="0"/>
+          <a:chOff x="0" y="0"/>
+          <a:chExt cx="0" cy="0"/>
+        </a:xfrm>
+      </p:grpSpPr>
+      <p:sp>
+        <p:nvSpPr>
+          <p:cNvPr id="2" name="Slide Number Placeholder 1">
+            <a:extLst>
+              <a:ext uri="{FF2B5EF4-FFF2-40B4-BE49-F238E27FC236}">
+                <a16:creationId xmlns:a16="http://schemas.microsoft.com/office/drawing/2014/main" id="{A7101F79-2CBF-4392-B538-B0B5700DB4C6}"/>
+              </a:ext>
+            </a:extLst>
+          </p:cNvPr>
+          <p:cNvSpPr>
+            <a:spLocks noGrp="1"/>
+          </p:cNvSpPr>
+          <p:nvPr>
+            <p:ph type="sldNum" sz="quarter" idx="12"/>
+          </p:nvPr>
+        </p:nvSpPr>
+        <p:spPr/>
+        <p:txBody>
+          <a:bodyPr/>
+          <a:lstStyle/>
+          <a:p>
+            <a:fld id="{9EA0BE3B-158A-4EDF-80DC-E394A0D1600F}" type="slidenum">
+              <a:rPr lang="en-US" smtClean="0"/>
+              <a:pPr/>
+              <a:t>25</a:t>
+            </a:fld>
+            <a:endParaRPr lang="en-US" dirty="0"/>
+          </a:p>
+        </p:txBody>
+      </p:sp>
+      <p:sp>
+        <p:nvSpPr>
+          <p:cNvPr id="3" name="Title 2">
+            <a:extLst>
+              <a:ext uri="{FF2B5EF4-FFF2-40B4-BE49-F238E27FC236}">
+                <a16:creationId xmlns:a16="http://schemas.microsoft.com/office/drawing/2014/main" id="{9EF27CAA-32BA-4E6B-B8C0-1A481E08E81D}"/>
+              </a:ext>
+            </a:extLst>
+          </p:cNvPr>
+          <p:cNvSpPr>
+            <a:spLocks noGrp="1"/>
+          </p:cNvSpPr>
+          <p:nvPr>
+            <p:ph type="title"/>
+          </p:nvPr>
+        </p:nvSpPr>
+        <p:spPr/>
+        <p:txBody>
+          <a:bodyPr/>
+          <a:lstStyle/>
+          <a:p>
+            <a:r>
+              <a:rPr lang="en-US" dirty="0"/>
+              <a:t>Thành </a:t>
+            </a:r>
+            <a:r>
+              <a:rPr lang="en-US" dirty="0" err="1"/>
+              <a:t>phần</a:t>
+            </a:r>
+            <a:r>
+              <a:rPr lang="vi-VN" dirty="0"/>
+              <a:t>: myShell.exe</a:t>
+            </a:r>
+            <a:endParaRPr lang="en-US" dirty="0"/>
+          </a:p>
+        </p:txBody>
+      </p:sp>
+      <p:sp>
+        <p:nvSpPr>
+          <p:cNvPr id="6" name="Content Placeholder 5">
+            <a:extLst>
+              <a:ext uri="{FF2B5EF4-FFF2-40B4-BE49-F238E27FC236}">
+                <a16:creationId xmlns:a16="http://schemas.microsoft.com/office/drawing/2014/main" id="{9FBB33DF-3D3D-A78B-EDBD-382417BCDBD1}"/>
+              </a:ext>
+            </a:extLst>
+          </p:cNvPr>
+          <p:cNvSpPr>
+            <a:spLocks noGrp="1"/>
+          </p:cNvSpPr>
+          <p:nvPr>
+            <p:ph sz="quarter" idx="13"/>
+          </p:nvPr>
+        </p:nvSpPr>
+        <p:spPr>
+          <a:xfrm>
+            <a:off x="235077" y="859535"/>
+            <a:ext cx="8674100" cy="5303393"/>
+          </a:xfrm>
+        </p:spPr>
+        <p:txBody>
+          <a:bodyPr/>
+          <a:lstStyle/>
+          <a:p>
+            <a:endParaRPr lang="en-US"/>
+          </a:p>
+        </p:txBody>
+      </p:sp>
+      <p:pic>
+        <p:nvPicPr>
+          <p:cNvPr id="7" name="Picture 6">
+            <a:extLst>
+              <a:ext uri="{FF2B5EF4-FFF2-40B4-BE49-F238E27FC236}">
+                <a16:creationId xmlns:a16="http://schemas.microsoft.com/office/drawing/2014/main" id="{361D7498-7576-A53E-B71E-E79AC5E2F99D}"/>
+              </a:ext>
+            </a:extLst>
+          </p:cNvPr>
+          <p:cNvPicPr>
+            <a:picLocks noChangeAspect="1"/>
+          </p:cNvPicPr>
+          <p:nvPr/>
+        </p:nvPicPr>
+        <p:blipFill>
+          <a:blip r:embed="rId2"/>
+          <a:stretch>
+            <a:fillRect/>
+          </a:stretch>
+        </p:blipFill>
+        <p:spPr>
+          <a:xfrm>
+            <a:off x="681228" y="1240441"/>
+            <a:ext cx="7781544" cy="4377119"/>
+          </a:xfrm>
+          <a:prstGeom prst="rect">
+            <a:avLst/>
+          </a:prstGeom>
+        </p:spPr>
+      </p:pic>
+      <p:pic>
+        <p:nvPicPr>
+          <p:cNvPr id="9" name="Picture 8">
+            <a:extLst>
+              <a:ext uri="{FF2B5EF4-FFF2-40B4-BE49-F238E27FC236}">
+                <a16:creationId xmlns:a16="http://schemas.microsoft.com/office/drawing/2014/main" id="{FEC36972-F835-1620-5378-784C60C71E03}"/>
+              </a:ext>
+            </a:extLst>
+          </p:cNvPr>
+          <p:cNvPicPr>
+            <a:picLocks noChangeAspect="1"/>
+          </p:cNvPicPr>
+          <p:nvPr/>
+        </p:nvPicPr>
+        <p:blipFill>
+          <a:blip r:embed="rId3"/>
+          <a:stretch>
+            <a:fillRect/>
+          </a:stretch>
+        </p:blipFill>
+        <p:spPr>
+          <a:xfrm>
+            <a:off x="5083418" y="2440398"/>
+            <a:ext cx="3567930" cy="3777521"/>
+          </a:xfrm>
+          <a:prstGeom prst="rect">
+            <a:avLst/>
+          </a:prstGeom>
+        </p:spPr>
+      </p:pic>
+    </p:spTree>
+    <p:extLst>
+      <p:ext uri="{BB962C8B-B14F-4D97-AF65-F5344CB8AC3E}">
+        <p14:creationId xmlns:p14="http://schemas.microsoft.com/office/powerpoint/2010/main" val="1120567255"/>
+      </p:ext>
+    </p:extLst>
+  </p:cSld>
+  <p:clrMapOvr>
+    <a:masterClrMapping/>
+  </p:clrMapOvr>
+</p:sld>
+</file>
+
+<file path=ppt/slides/slide26.xml><?xml version="1.0" encoding="utf-8"?>
+<p:sld xmlns:a="http://schemas.openxmlformats.org/drawingml/2006/main" xmlns:r="http://schemas.openxmlformats.org/officeDocument/2006/relationships" xmlns:p="http://schemas.openxmlformats.org/presentationml/2006/main">
+  <p:cSld>
+    <p:spTree>
+      <p:nvGrpSpPr>
+        <p:cNvPr id="1" name=""/>
+        <p:cNvGrpSpPr/>
+        <p:nvPr/>
+      </p:nvGrpSpPr>
+      <p:grpSpPr>
+        <a:xfrm>
+          <a:off x="0" y="0"/>
+          <a:ext cx="0" cy="0"/>
+          <a:chOff x="0" y="0"/>
+          <a:chExt cx="0" cy="0"/>
+        </a:xfrm>
+      </p:grpSpPr>
+      <p:sp>
+        <p:nvSpPr>
+          <p:cNvPr id="2" name="Slide Number Placeholder 1">
+            <a:extLst>
+              <a:ext uri="{FF2B5EF4-FFF2-40B4-BE49-F238E27FC236}">
+                <a16:creationId xmlns:a16="http://schemas.microsoft.com/office/drawing/2014/main" id="{A7101F79-2CBF-4392-B538-B0B5700DB4C6}"/>
+              </a:ext>
+            </a:extLst>
+          </p:cNvPr>
+          <p:cNvSpPr>
+            <a:spLocks noGrp="1"/>
+          </p:cNvSpPr>
+          <p:nvPr>
+            <p:ph type="sldNum" sz="quarter" idx="12"/>
+          </p:nvPr>
+        </p:nvSpPr>
+        <p:spPr/>
+        <p:txBody>
+          <a:bodyPr/>
+          <a:lstStyle/>
+          <a:p>
+            <a:fld id="{9EA0BE3B-158A-4EDF-80DC-E394A0D1600F}" type="slidenum">
+              <a:rPr lang="en-US" smtClean="0"/>
+              <a:pPr/>
+              <a:t>26</a:t>
+            </a:fld>
+            <a:endParaRPr lang="en-US" dirty="0"/>
+          </a:p>
+        </p:txBody>
+      </p:sp>
+      <p:sp>
+        <p:nvSpPr>
+          <p:cNvPr id="3" name="Title 2">
+            <a:extLst>
+              <a:ext uri="{FF2B5EF4-FFF2-40B4-BE49-F238E27FC236}">
+                <a16:creationId xmlns:a16="http://schemas.microsoft.com/office/drawing/2014/main" id="{9EF27CAA-32BA-4E6B-B8C0-1A481E08E81D}"/>
+              </a:ext>
+            </a:extLst>
+          </p:cNvPr>
+          <p:cNvSpPr>
+            <a:spLocks noGrp="1"/>
+          </p:cNvSpPr>
+          <p:nvPr>
+            <p:ph type="title"/>
+          </p:nvPr>
+        </p:nvSpPr>
+        <p:spPr/>
+        <p:txBody>
+          <a:bodyPr/>
+          <a:lstStyle/>
+          <a:p>
+            <a:r>
+              <a:rPr lang="en-US" dirty="0"/>
+              <a:t>Thu </a:t>
+            </a:r>
+            <a:r>
+              <a:rPr lang="en-US" dirty="0" err="1"/>
+              <a:t>hoạch</a:t>
+            </a:r>
+            <a:endParaRPr lang="en-US" dirty="0"/>
+          </a:p>
+        </p:txBody>
+      </p:sp>
+      <p:sp>
+        <p:nvSpPr>
+          <p:cNvPr id="6" name="Content Placeholder 5">
+            <a:extLst>
+              <a:ext uri="{FF2B5EF4-FFF2-40B4-BE49-F238E27FC236}">
+                <a16:creationId xmlns:a16="http://schemas.microsoft.com/office/drawing/2014/main" id="{9FBB33DF-3D3D-A78B-EDBD-382417BCDBD1}"/>
+              </a:ext>
+            </a:extLst>
+          </p:cNvPr>
+          <p:cNvSpPr>
+            <a:spLocks noGrp="1"/>
+          </p:cNvSpPr>
+          <p:nvPr>
+            <p:ph sz="quarter" idx="13"/>
+          </p:nvPr>
+        </p:nvSpPr>
+        <p:spPr/>
+        <p:txBody>
+          <a:bodyPr/>
+          <a:lstStyle/>
+          <a:p>
+            <a:pPr marL="0" indent="0">
+              <a:buNone/>
+            </a:pPr>
+            <a:r>
+              <a:rPr lang="en-US" dirty="0" err="1"/>
+              <a:t>Về</a:t>
+            </a:r>
+            <a:r>
+              <a:rPr lang="en-US" dirty="0"/>
+              <a:t> win32:</a:t>
+            </a:r>
+          </a:p>
+          <a:p>
+            <a:r>
+              <a:rPr lang="en-US" dirty="0" err="1"/>
+              <a:t>Cũ</a:t>
+            </a:r>
+            <a:r>
+              <a:rPr lang="en-US" dirty="0"/>
+              <a:t>, </a:t>
+            </a:r>
+            <a:r>
+              <a:rPr lang="en-US" dirty="0" err="1"/>
+              <a:t>mã</a:t>
+            </a:r>
+            <a:r>
+              <a:rPr lang="en-US" dirty="0"/>
+              <a:t> </a:t>
+            </a:r>
+            <a:r>
+              <a:rPr lang="en-US" dirty="0" err="1"/>
+              <a:t>nguồn</a:t>
+            </a:r>
+            <a:r>
+              <a:rPr lang="en-US" dirty="0"/>
+              <a:t> </a:t>
+            </a:r>
+            <a:r>
+              <a:rPr lang="en-US" dirty="0" err="1"/>
+              <a:t>đóng</a:t>
+            </a:r>
+            <a:r>
+              <a:rPr lang="en-US" dirty="0"/>
+              <a:t>, </a:t>
+            </a:r>
+            <a:r>
+              <a:rPr lang="en-US" dirty="0" err="1"/>
+              <a:t>khó</a:t>
+            </a:r>
+            <a:r>
+              <a:rPr lang="en-US" dirty="0"/>
+              <a:t> </a:t>
+            </a:r>
+            <a:r>
+              <a:rPr lang="en-US" dirty="0" err="1"/>
+              <a:t>sử</a:t>
+            </a:r>
+            <a:r>
+              <a:rPr lang="en-US" dirty="0"/>
+              <a:t> </a:t>
+            </a:r>
+            <a:r>
+              <a:rPr lang="en-US" dirty="0" err="1"/>
+              <a:t>dụng</a:t>
+            </a:r>
+            <a:r>
+              <a:rPr lang="en-US" dirty="0"/>
+              <a:t>.</a:t>
+            </a:r>
+          </a:p>
+          <a:p>
+            <a:r>
+              <a:rPr lang="en-US" dirty="0"/>
+              <a:t>Được </a:t>
+            </a:r>
+            <a:r>
+              <a:rPr lang="en-US" dirty="0" err="1"/>
+              <a:t>thay</a:t>
+            </a:r>
+            <a:r>
+              <a:rPr lang="en-US" dirty="0"/>
+              <a:t> </a:t>
+            </a:r>
+            <a:r>
+              <a:rPr lang="en-US" dirty="0" err="1"/>
+              <a:t>thế</a:t>
+            </a:r>
+            <a:r>
+              <a:rPr lang="en-US" dirty="0"/>
+              <a:t> </a:t>
+            </a:r>
+            <a:r>
+              <a:rPr lang="en-US" dirty="0" err="1"/>
+              <a:t>bởi</a:t>
+            </a:r>
+            <a:r>
+              <a:rPr lang="en-US" dirty="0"/>
+              <a:t> .NET.</a:t>
+            </a:r>
+          </a:p>
+          <a:p>
+            <a:pPr marL="0" indent="0">
+              <a:buNone/>
+            </a:pPr>
+            <a:r>
+              <a:rPr lang="en-US" dirty="0" err="1"/>
+              <a:t>Về</a:t>
+            </a:r>
+            <a:r>
+              <a:rPr lang="en-US" dirty="0"/>
+              <a:t> shell:</a:t>
+            </a:r>
+          </a:p>
+          <a:p>
+            <a:r>
+              <a:rPr lang="en-US" dirty="0"/>
+              <a:t>Shell </a:t>
+            </a:r>
+            <a:r>
+              <a:rPr lang="en-US" dirty="0" err="1"/>
+              <a:t>là</a:t>
+            </a:r>
+            <a:r>
+              <a:rPr lang="en-US" dirty="0"/>
+              <a:t> 1 </a:t>
+            </a:r>
+            <a:r>
+              <a:rPr lang="en-US" dirty="0" err="1"/>
+              <a:t>phần</a:t>
+            </a:r>
+            <a:r>
+              <a:rPr lang="en-US" dirty="0"/>
+              <a:t> </a:t>
+            </a:r>
+            <a:r>
+              <a:rPr lang="en-US" dirty="0" err="1"/>
+              <a:t>mềm</a:t>
+            </a:r>
+            <a:r>
+              <a:rPr lang="en-US" dirty="0"/>
+              <a:t> </a:t>
+            </a:r>
+            <a:r>
+              <a:rPr lang="en-US" dirty="0" err="1"/>
+              <a:t>khá</a:t>
+            </a:r>
+            <a:r>
+              <a:rPr lang="en-US" dirty="0"/>
+              <a:t> </a:t>
+            </a:r>
+            <a:r>
+              <a:rPr lang="en-US" dirty="0" err="1"/>
+              <a:t>thú</a:t>
+            </a:r>
+            <a:r>
+              <a:rPr lang="en-US" dirty="0"/>
+              <a:t> </a:t>
+            </a:r>
+            <a:r>
+              <a:rPr lang="en-US" dirty="0" err="1"/>
+              <a:t>vị</a:t>
+            </a:r>
+            <a:r>
+              <a:rPr lang="en-US" dirty="0"/>
+              <a:t>.</a:t>
+            </a:r>
+          </a:p>
+          <a:p>
+            <a:r>
+              <a:rPr lang="en-US" dirty="0" err="1"/>
+              <a:t>Việc</a:t>
+            </a:r>
+            <a:r>
+              <a:rPr lang="en-US" dirty="0"/>
+              <a:t> </a:t>
+            </a:r>
+            <a:r>
+              <a:rPr lang="en-US" dirty="0" err="1"/>
+              <a:t>sử</a:t>
+            </a:r>
+            <a:r>
+              <a:rPr lang="en-US" dirty="0"/>
+              <a:t> </a:t>
+            </a:r>
+            <a:r>
+              <a:rPr lang="en-US" dirty="0" err="1"/>
+              <a:t>dụng</a:t>
+            </a:r>
+            <a:r>
+              <a:rPr lang="en-US" dirty="0"/>
+              <a:t> pipe đã </a:t>
+            </a:r>
+            <a:r>
+              <a:rPr lang="en-US" dirty="0" err="1"/>
+              <a:t>giúp</a:t>
+            </a:r>
+            <a:r>
+              <a:rPr lang="en-US" dirty="0"/>
+              <a:t> </a:t>
+            </a:r>
+            <a:r>
+              <a:rPr lang="en-US" dirty="0" err="1"/>
+              <a:t>nhóm</a:t>
+            </a:r>
+            <a:r>
+              <a:rPr lang="en-US" dirty="0"/>
+              <a:t> </a:t>
+            </a:r>
+            <a:r>
+              <a:rPr lang="en-US" dirty="0" err="1"/>
+              <a:t>hiểu</a:t>
+            </a:r>
+            <a:r>
+              <a:rPr lang="en-US" dirty="0"/>
+              <a:t> </a:t>
+            </a:r>
+            <a:r>
+              <a:rPr lang="en-US" dirty="0" err="1"/>
+              <a:t>thêm</a:t>
+            </a:r>
+            <a:r>
+              <a:rPr lang="en-US" dirty="0"/>
+              <a:t> </a:t>
+            </a:r>
+            <a:r>
+              <a:rPr lang="en-US" dirty="0" err="1"/>
+              <a:t>về</a:t>
+            </a:r>
+            <a:r>
+              <a:rPr lang="en-US" dirty="0"/>
+              <a:t> console.</a:t>
+            </a:r>
+            <a:endParaRPr lang="vi-VN" dirty="0"/>
+          </a:p>
+        </p:txBody>
+      </p:sp>
+    </p:spTree>
+    <p:extLst>
+      <p:ext uri="{BB962C8B-B14F-4D97-AF65-F5344CB8AC3E}">
+        <p14:creationId xmlns:p14="http://schemas.microsoft.com/office/powerpoint/2010/main" val="3143462308"/>
+      </p:ext>
+    </p:extLst>
+  </p:cSld>
+  <p:clrMapOvr>
+    <a:masterClrMapping/>
+  </p:clrMapOvr>
+</p:sld>
+</file>
+
+<file path=ppt/slides/slide27.xml><?xml version="1.0" encoding="utf-8"?>
+<p:sld xmlns:a="http://schemas.openxmlformats.org/drawingml/2006/main" xmlns:r="http://schemas.openxmlformats.org/officeDocument/2006/relationships" xmlns:p="http://schemas.openxmlformats.org/presentationml/2006/main">
+  <p:cSld>
+    <p:spTree>
+      <p:nvGrpSpPr>
+        <p:cNvPr id="1" name=""/>
+        <p:cNvGrpSpPr/>
+        <p:nvPr/>
+      </p:nvGrpSpPr>
+      <p:grpSpPr>
+        <a:xfrm>
+          <a:off x="0" y="0"/>
+          <a:ext cx="0" cy="0"/>
+          <a:chOff x="0" y="0"/>
+          <a:chExt cx="0" cy="0"/>
+        </a:xfrm>
+      </p:grpSpPr>
+      <p:pic>
+        <p:nvPicPr>
+          <p:cNvPr id="5" name="Picture 4" descr="A group of people walking&#10;&#10;Description automatically generated">
+            <a:extLst>
+              <a:ext uri="{FF2B5EF4-FFF2-40B4-BE49-F238E27FC236}">
+                <a16:creationId xmlns:a16="http://schemas.microsoft.com/office/drawing/2014/main" id="{CFB77AEE-74D3-15FA-3EBE-092989324BDB}"/>
+              </a:ext>
+            </a:extLst>
+          </p:cNvPr>
+          <p:cNvPicPr>
+            <a:picLocks noChangeAspect="1"/>
+          </p:cNvPicPr>
+          <p:nvPr/>
+        </p:nvPicPr>
+        <p:blipFill>
+          <a:blip r:embed="rId2">
+            <a:extLst>
+              <a:ext uri="{28A0092B-C50C-407E-A947-70E740481C1C}">
+                <a14:useLocalDpi xmlns:a14="http://schemas.microsoft.com/office/drawing/2010/main" val="0"/>
+              </a:ext>
+            </a:extLst>
+          </a:blip>
+          <a:stretch>
+            <a:fillRect/>
+          </a:stretch>
+        </p:blipFill>
+        <p:spPr>
+          <a:xfrm>
+            <a:off x="3191076" y="-999981"/>
+            <a:ext cx="11905848" cy="7937232"/>
+          </a:xfrm>
+          <a:prstGeom prst="rect">
+            <a:avLst/>
+          </a:prstGeom>
+        </p:spPr>
+      </p:pic>
+      <p:sp>
+        <p:nvSpPr>
+          <p:cNvPr id="2" name="Slide Number Placeholder 1">
+            <a:extLst>
+              <a:ext uri="{FF2B5EF4-FFF2-40B4-BE49-F238E27FC236}">
+                <a16:creationId xmlns:a16="http://schemas.microsoft.com/office/drawing/2014/main" id="{DA37B5C8-2095-4D2D-97FE-E4E8D89379E1}"/>
+              </a:ext>
+            </a:extLst>
+          </p:cNvPr>
+          <p:cNvSpPr>
+            <a:spLocks noGrp="1"/>
+          </p:cNvSpPr>
+          <p:nvPr>
+            <p:ph type="sldNum" sz="quarter" idx="12"/>
+          </p:nvPr>
+        </p:nvSpPr>
+        <p:spPr/>
+        <p:txBody>
+          <a:bodyPr/>
+          <a:lstStyle/>
+          <a:p>
+            <a:fld id="{9EA0BE3B-158A-4EDF-80DC-E394A0D1600F}" type="slidenum">
+              <a:rPr lang="en-US" smtClean="0"/>
+              <a:pPr/>
+              <a:t>27</a:t>
+            </a:fld>
+            <a:endParaRPr lang="en-US" dirty="0"/>
+          </a:p>
+        </p:txBody>
+      </p:sp>
+    </p:spTree>
+    <p:extLst>
+      <p:ext uri="{BB962C8B-B14F-4D97-AF65-F5344CB8AC3E}">
+        <p14:creationId xmlns:p14="http://schemas.microsoft.com/office/powerpoint/2010/main" val="2830535683"/>
       </p:ext>
     </p:extLst>
   </p:cSld>
@@ -4264,283 +6583,388 @@
           <a:chExt cx="0" cy="0"/>
         </a:xfrm>
       </p:grpSpPr>
-      <p:pic>
-        <p:nvPicPr>
-          <p:cNvPr id="10" name="Picture 3" descr="Text&#10;&#10;Description automatically generated">
-            <a:extLst>
-              <a:ext uri="{FF2B5EF4-FFF2-40B4-BE49-F238E27FC236}">
-                <a16:creationId xmlns:a16="http://schemas.microsoft.com/office/drawing/2014/main" id="{67FB4AA9-E9AF-4CE0-A0DC-99D795289003}"/>
-              </a:ext>
-            </a:extLst>
-          </p:cNvPr>
-          <p:cNvPicPr>
-            <a:picLocks noChangeAspect="1"/>
-          </p:cNvPicPr>
+      <p:sp>
+        <p:nvSpPr>
+          <p:cNvPr id="2" name="Slide Number Placeholder 1">
+            <a:extLst>
+              <a:ext uri="{FF2B5EF4-FFF2-40B4-BE49-F238E27FC236}">
+                <a16:creationId xmlns:a16="http://schemas.microsoft.com/office/drawing/2014/main" id="{A7101F79-2CBF-4392-B538-B0B5700DB4C6}"/>
+              </a:ext>
+            </a:extLst>
+          </p:cNvPr>
+          <p:cNvSpPr>
+            <a:spLocks noGrp="1"/>
+          </p:cNvSpPr>
+          <p:nvPr>
+            <p:ph type="sldNum" sz="quarter" idx="12"/>
+          </p:nvPr>
+        </p:nvSpPr>
+        <p:spPr/>
+        <p:txBody>
+          <a:bodyPr/>
+          <a:lstStyle/>
+          <a:p>
+            <a:fld id="{9EA0BE3B-158A-4EDF-80DC-E394A0D1600F}" type="slidenum">
+              <a:rPr lang="en-US" smtClean="0"/>
+              <a:pPr/>
+              <a:t>3</a:t>
+            </a:fld>
+            <a:endParaRPr lang="en-US" dirty="0"/>
+          </a:p>
+        </p:txBody>
+      </p:sp>
+      <p:sp>
+        <p:nvSpPr>
+          <p:cNvPr id="3" name="Title 2">
+            <a:extLst>
+              <a:ext uri="{FF2B5EF4-FFF2-40B4-BE49-F238E27FC236}">
+                <a16:creationId xmlns:a16="http://schemas.microsoft.com/office/drawing/2014/main" id="{9EF27CAA-32BA-4E6B-B8C0-1A481E08E81D}"/>
+              </a:ext>
+            </a:extLst>
+          </p:cNvPr>
+          <p:cNvSpPr>
+            <a:spLocks noGrp="1"/>
+          </p:cNvSpPr>
+          <p:nvPr>
+            <p:ph type="title"/>
+          </p:nvPr>
+        </p:nvSpPr>
+        <p:spPr/>
+        <p:txBody>
+          <a:bodyPr/>
+          <a:lstStyle/>
+          <a:p>
+            <a:r>
+              <a:rPr lang="en-US" dirty="0" err="1"/>
+              <a:t>Mục</a:t>
+            </a:r>
+            <a:r>
+              <a:rPr lang="en-US" dirty="0"/>
+              <a:t> </a:t>
+            </a:r>
+            <a:r>
+              <a:rPr lang="en-US" dirty="0" err="1"/>
+              <a:t>tiêu</a:t>
+            </a:r>
+            <a:endParaRPr lang="en-US" dirty="0"/>
+          </a:p>
+        </p:txBody>
+      </p:sp>
+      <p:sp>
+        <p:nvSpPr>
+          <p:cNvPr id="4" name="Content Placeholder 3">
+            <a:extLst>
+              <a:ext uri="{FF2B5EF4-FFF2-40B4-BE49-F238E27FC236}">
+                <a16:creationId xmlns:a16="http://schemas.microsoft.com/office/drawing/2014/main" id="{59563378-38F8-4CB3-AF99-2C56FCF55404}"/>
+              </a:ext>
+            </a:extLst>
+          </p:cNvPr>
+          <p:cNvSpPr>
+            <a:spLocks noGrp="1"/>
+          </p:cNvSpPr>
+          <p:nvPr>
+            <p:ph sz="quarter" idx="13"/>
+          </p:nvPr>
+        </p:nvSpPr>
+        <p:spPr/>
+        <p:txBody>
+          <a:bodyPr/>
+          <a:lstStyle/>
+          <a:p>
+            <a:pPr marL="0" indent="0">
+              <a:buNone/>
+            </a:pPr>
+            <a:r>
+              <a:rPr lang="en-US" dirty="0" err="1"/>
+              <a:t>Sử</a:t>
+            </a:r>
+            <a:r>
+              <a:rPr lang="en-US" dirty="0"/>
+              <a:t> </a:t>
+            </a:r>
+            <a:r>
+              <a:rPr lang="en-US" dirty="0" err="1"/>
+              <a:t>dụng</a:t>
+            </a:r>
+            <a:r>
+              <a:rPr lang="en-US" dirty="0"/>
+              <a:t> </a:t>
+            </a:r>
+            <a:r>
+              <a:rPr lang="en-US" dirty="0" err="1"/>
+              <a:t>tối</a:t>
+            </a:r>
+            <a:r>
+              <a:rPr lang="en-US" dirty="0"/>
+              <a:t> </a:t>
+            </a:r>
+            <a:r>
+              <a:rPr lang="en-US" dirty="0" err="1"/>
+              <a:t>đa</a:t>
+            </a:r>
+            <a:r>
+              <a:rPr lang="en-US" dirty="0"/>
+              <a:t> </a:t>
+            </a:r>
+            <a:r>
+              <a:rPr lang="en-US" dirty="0" err="1"/>
+              <a:t>thư</a:t>
+            </a:r>
+            <a:r>
+              <a:rPr lang="en-US" dirty="0"/>
+              <a:t> </a:t>
+            </a:r>
+            <a:r>
+              <a:rPr lang="en-US" dirty="0" err="1"/>
+              <a:t>viện</a:t>
+            </a:r>
+            <a:r>
+              <a:rPr lang="en-US" dirty="0"/>
+              <a:t> </a:t>
+            </a:r>
+            <a:r>
+              <a:rPr lang="en-US" dirty="0" err="1"/>
+              <a:t>windows.h</a:t>
+            </a:r>
+            <a:r>
+              <a:rPr lang="en-US" dirty="0"/>
+              <a:t> (Win32) và </a:t>
+            </a:r>
+            <a:r>
+              <a:rPr lang="en-US" dirty="0" err="1"/>
+              <a:t>hạn</a:t>
+            </a:r>
+            <a:r>
+              <a:rPr lang="en-US" dirty="0"/>
+              <a:t> </a:t>
+            </a:r>
+            <a:r>
+              <a:rPr lang="en-US" dirty="0" err="1"/>
+              <a:t>chế</a:t>
+            </a:r>
+            <a:r>
+              <a:rPr lang="en-US" dirty="0"/>
+              <a:t> </a:t>
+            </a:r>
+            <a:r>
+              <a:rPr lang="en-US" dirty="0" err="1"/>
+              <a:t>phụ</a:t>
+            </a:r>
+            <a:r>
+              <a:rPr lang="en-US" dirty="0"/>
+              <a:t> </a:t>
+            </a:r>
+            <a:r>
+              <a:rPr lang="en-US" dirty="0" err="1"/>
+              <a:t>thuộc</a:t>
+            </a:r>
+            <a:r>
+              <a:rPr lang="en-US" dirty="0"/>
+              <a:t> </a:t>
+            </a:r>
+            <a:r>
+              <a:rPr lang="en-US" dirty="0" err="1"/>
+              <a:t>vào</a:t>
+            </a:r>
+            <a:r>
+              <a:rPr lang="en-US" dirty="0"/>
+              <a:t> </a:t>
+            </a:r>
+            <a:r>
+              <a:rPr lang="en-US" dirty="0" err="1"/>
+              <a:t>các</a:t>
+            </a:r>
+            <a:r>
+              <a:rPr lang="en-US" dirty="0"/>
+              <a:t> </a:t>
+            </a:r>
+            <a:r>
+              <a:rPr lang="en-US" dirty="0" err="1"/>
+              <a:t>câu</a:t>
+            </a:r>
+            <a:r>
+              <a:rPr lang="en-US" dirty="0"/>
+              <a:t> </a:t>
+            </a:r>
+            <a:r>
+              <a:rPr lang="en-US" dirty="0" err="1"/>
+              <a:t>lệnh</a:t>
+            </a:r>
+            <a:r>
+              <a:rPr lang="en-US" dirty="0"/>
+              <a:t> </a:t>
+            </a:r>
+            <a:r>
+              <a:rPr lang="en-US" dirty="0" err="1"/>
+              <a:t>của</a:t>
+            </a:r>
+            <a:r>
+              <a:rPr lang="en-US" dirty="0"/>
+              <a:t> C++ (</a:t>
+            </a:r>
+            <a:r>
+              <a:rPr lang="en-US" dirty="0" err="1"/>
+              <a:t>trừ</a:t>
+            </a:r>
+            <a:r>
+              <a:rPr lang="en-US" dirty="0"/>
+              <a:t> </a:t>
+            </a:r>
+            <a:r>
+              <a:rPr lang="en-US" dirty="0" err="1"/>
+              <a:t>các</a:t>
+            </a:r>
+            <a:r>
+              <a:rPr lang="en-US" dirty="0"/>
+              <a:t> </a:t>
+            </a:r>
+            <a:r>
+              <a:rPr lang="en-US" dirty="0" err="1"/>
+              <a:t>kiểu</a:t>
+            </a:r>
+            <a:r>
+              <a:rPr lang="en-US" dirty="0"/>
+              <a:t> </a:t>
+            </a:r>
+            <a:r>
+              <a:rPr lang="en-US" dirty="0" err="1"/>
+              <a:t>dữ</a:t>
+            </a:r>
+            <a:r>
+              <a:rPr lang="en-US" dirty="0"/>
+              <a:t> </a:t>
+            </a:r>
+            <a:r>
+              <a:rPr lang="en-US" dirty="0" err="1"/>
+              <a:t>liệu</a:t>
+            </a:r>
+            <a:r>
+              <a:rPr lang="en-US" dirty="0"/>
+              <a:t> </a:t>
+            </a:r>
+            <a:r>
+              <a:rPr lang="en-US" dirty="0" err="1"/>
+              <a:t>có</a:t>
+            </a:r>
+            <a:r>
+              <a:rPr lang="en-US" dirty="0"/>
+              <a:t> </a:t>
+            </a:r>
+            <a:r>
+              <a:rPr lang="en-US" dirty="0" err="1"/>
+              <a:t>sẵn</a:t>
+            </a:r>
+            <a:r>
+              <a:rPr lang="en-US" dirty="0"/>
+              <a:t> và iostream).</a:t>
+            </a:r>
+          </a:p>
+          <a:p>
+            <a:pPr marL="514350" indent="-514350">
+              <a:buFont typeface="+mj-lt"/>
+              <a:buAutoNum type="arabicPeriod"/>
+            </a:pPr>
+            <a:endParaRPr lang="en-US" dirty="0"/>
+          </a:p>
+          <a:p>
+            <a:pPr marL="0" indent="0">
+              <a:buNone/>
+            </a:pPr>
+            <a:endParaRPr lang="en-US" dirty="0"/>
+          </a:p>
+          <a:p>
+            <a:endParaRPr lang="en-US" dirty="0"/>
+          </a:p>
+          <a:p>
+            <a:endParaRPr lang="en-US" dirty="0"/>
+          </a:p>
+        </p:txBody>
+      </p:sp>
+      <p:grpSp>
+        <p:nvGrpSpPr>
+          <p:cNvPr id="9" name="Group 8">
+            <a:extLst>
+              <a:ext uri="{FF2B5EF4-FFF2-40B4-BE49-F238E27FC236}">
+                <a16:creationId xmlns:a16="http://schemas.microsoft.com/office/drawing/2014/main" id="{EF0B2E3E-EAC3-AFDB-7022-4EC1923B5847}"/>
+              </a:ext>
+            </a:extLst>
+          </p:cNvPr>
+          <p:cNvGrpSpPr/>
           <p:nvPr/>
-        </p:nvPicPr>
-        <p:blipFill>
-          <a:blip r:embed="rId2">
-            <a:extLst>
-              <a:ext uri="{28A0092B-C50C-407E-A947-70E740481C1C}">
-                <a14:useLocalDpi xmlns:a14="http://schemas.microsoft.com/office/drawing/2010/main" val="0"/>
-              </a:ext>
-            </a:extLst>
-          </a:blip>
-          <a:stretch>
-            <a:fillRect/>
-          </a:stretch>
-        </p:blipFill>
-        <p:spPr>
+        </p:nvGrpSpPr>
+        <p:grpSpPr>
           <a:xfrm>
-            <a:off x="413012" y="317038"/>
-            <a:ext cx="2576374" cy="936215"/>
+            <a:off x="727553" y="3055814"/>
+            <a:ext cx="7688894" cy="2201713"/>
+            <a:chOff x="438513" y="3373299"/>
+            <a:chExt cx="7688894" cy="2201713"/>
           </a:xfrm>
-          <a:prstGeom prst="rect">
-            <a:avLst/>
-          </a:prstGeom>
-        </p:spPr>
-      </p:pic>
-      <p:sp>
-        <p:nvSpPr>
-          <p:cNvPr id="11" name="Title 6">
-            <a:extLst>
-              <a:ext uri="{FF2B5EF4-FFF2-40B4-BE49-F238E27FC236}">
-                <a16:creationId xmlns:a16="http://schemas.microsoft.com/office/drawing/2014/main" id="{FF8BDF70-CFA6-4031-86B7-31F910D8115D}"/>
-              </a:ext>
-            </a:extLst>
-          </p:cNvPr>
-          <p:cNvSpPr txBox="1">
-            <a:spLocks/>
-          </p:cNvSpPr>
-          <p:nvPr/>
-        </p:nvSpPr>
-        <p:spPr>
-          <a:xfrm>
-            <a:off x="413012" y="2441586"/>
-            <a:ext cx="7342482" cy="848792"/>
-          </a:xfrm>
-          <a:prstGeom prst="rect">
-            <a:avLst/>
-          </a:prstGeom>
-        </p:spPr>
-        <p:txBody>
-          <a:bodyPr/>
-          <a:lstStyle>
-            <a:lvl1pPr algn="l" defTabSz="914400" rtl="0" eaLnBrk="1" latinLnBrk="0" hangingPunct="1">
-              <a:lnSpc>
-                <a:spcPct val="90000"/>
-              </a:lnSpc>
-              <a:spcBef>
-                <a:spcPct val="0"/>
-              </a:spcBef>
-              <a:buNone/>
-              <a:defRPr sz="5400" b="1" kern="1200">
-                <a:solidFill>
-                  <a:srgbClr val="C00000"/>
-                </a:solidFill>
-                <a:latin typeface="Lato" panose="020F0502020204030203" pitchFamily="34" charset="0"/>
-                <a:ea typeface="Lato" panose="020F0502020204030203" pitchFamily="34" charset="0"/>
-                <a:cs typeface="Lato" panose="020F0502020204030203" pitchFamily="34" charset="0"/>
-              </a:defRPr>
-            </a:lvl1pPr>
-          </a:lstStyle>
-          <a:p>
-            <a:r>
-              <a:rPr lang="en-US" dirty="0"/>
-              <a:t>Project 1: </a:t>
-            </a:r>
-            <a:r>
-              <a:rPr lang="en-US" dirty="0" err="1"/>
-              <a:t>MyShell</a:t>
-            </a:r>
-            <a:endParaRPr lang="en-US" dirty="0"/>
-          </a:p>
-        </p:txBody>
-      </p:sp>
-      <p:sp>
-        <p:nvSpPr>
-          <p:cNvPr id="12" name="Title 6">
-            <a:extLst>
-              <a:ext uri="{FF2B5EF4-FFF2-40B4-BE49-F238E27FC236}">
-                <a16:creationId xmlns:a16="http://schemas.microsoft.com/office/drawing/2014/main" id="{A4ACF486-B7D8-4A5A-B633-83527A2F99E2}"/>
-              </a:ext>
-            </a:extLst>
-          </p:cNvPr>
-          <p:cNvSpPr txBox="1">
-            <a:spLocks/>
-          </p:cNvSpPr>
-          <p:nvPr/>
-        </p:nvSpPr>
-        <p:spPr>
-          <a:xfrm>
-            <a:off x="413012" y="3559942"/>
-            <a:ext cx="7342482" cy="2164202"/>
-          </a:xfrm>
-          <a:prstGeom prst="rect">
-            <a:avLst/>
-          </a:prstGeom>
-        </p:spPr>
-        <p:txBody>
-          <a:bodyPr/>
-          <a:lstStyle>
-            <a:lvl1pPr algn="l" defTabSz="914400" rtl="0" eaLnBrk="1" latinLnBrk="0" hangingPunct="1">
-              <a:lnSpc>
-                <a:spcPct val="90000"/>
-              </a:lnSpc>
-              <a:spcBef>
-                <a:spcPct val="0"/>
-              </a:spcBef>
-              <a:buNone/>
-              <a:defRPr sz="5400" b="1" kern="1200">
-                <a:solidFill>
-                  <a:srgbClr val="C00000"/>
-                </a:solidFill>
-                <a:latin typeface="Lato" panose="020F0502020204030203" pitchFamily="34" charset="0"/>
-                <a:ea typeface="Lato" panose="020F0502020204030203" pitchFamily="34" charset="0"/>
-                <a:cs typeface="Lato" panose="020F0502020204030203" pitchFamily="34" charset="0"/>
-              </a:defRPr>
-            </a:lvl1pPr>
-          </a:lstStyle>
-          <a:p>
-            <a:r>
-              <a:rPr lang="en-US" sz="2800" b="0" dirty="0" err="1"/>
-              <a:t>Môn</a:t>
-            </a:r>
-            <a:r>
-              <a:rPr lang="en-US" sz="2800" b="0" dirty="0"/>
-              <a:t>: </a:t>
-            </a:r>
-            <a:r>
-              <a:rPr lang="en-US" sz="2800" b="0" dirty="0" err="1"/>
-              <a:t>Nguyên</a:t>
-            </a:r>
-            <a:r>
-              <a:rPr lang="en-US" sz="2800" b="0" dirty="0"/>
-              <a:t> </a:t>
-            </a:r>
-            <a:r>
-              <a:rPr lang="en-US" sz="2800" b="0" dirty="0" err="1"/>
-              <a:t>lý</a:t>
-            </a:r>
-            <a:r>
-              <a:rPr lang="en-US" sz="2800" b="0" dirty="0"/>
-              <a:t> </a:t>
-            </a:r>
-            <a:r>
-              <a:rPr lang="en-US" sz="2800" b="0" dirty="0" err="1"/>
-              <a:t>hệ</a:t>
-            </a:r>
-            <a:r>
-              <a:rPr lang="en-US" sz="2800" b="0" dirty="0"/>
-              <a:t> </a:t>
-            </a:r>
-            <a:r>
-              <a:rPr lang="en-US" sz="2800" b="0" dirty="0" err="1"/>
-              <a:t>điều</a:t>
-            </a:r>
-            <a:r>
-              <a:rPr lang="en-US" sz="2800" b="0" dirty="0"/>
-              <a:t> </a:t>
-            </a:r>
-            <a:r>
-              <a:rPr lang="en-US" sz="2800" b="0" dirty="0" err="1"/>
-              <a:t>hành</a:t>
-            </a:r>
-            <a:r>
-              <a:rPr lang="en-US" sz="2800" b="0" dirty="0"/>
-              <a:t>.</a:t>
-            </a:r>
-          </a:p>
-          <a:p>
-            <a:r>
-              <a:rPr lang="en-US" sz="2800" b="0" dirty="0" err="1"/>
-              <a:t>Người</a:t>
-            </a:r>
-            <a:r>
-              <a:rPr lang="en-US" sz="2800" b="0" dirty="0"/>
-              <a:t> </a:t>
-            </a:r>
-            <a:r>
-              <a:rPr lang="en-US" sz="2800" b="0" dirty="0" err="1"/>
-              <a:t>làm</a:t>
-            </a:r>
-            <a:r>
-              <a:rPr lang="en-US" sz="2800" b="0" dirty="0"/>
-              <a:t>:</a:t>
-            </a:r>
-          </a:p>
-          <a:p>
-            <a:pPr marL="457200" indent="-457200">
-              <a:buFont typeface="Arial" panose="020B0604020202020204" pitchFamily="34" charset="0"/>
-              <a:buChar char="•"/>
-            </a:pPr>
-            <a:r>
-              <a:rPr lang="en-US" sz="2800" b="0" dirty="0" err="1"/>
-              <a:t>Nguyễn</a:t>
-            </a:r>
-            <a:r>
-              <a:rPr lang="en-US" sz="2800" b="0" dirty="0"/>
-              <a:t> </a:t>
-            </a:r>
-            <a:r>
-              <a:rPr lang="en-US" sz="2800" b="0" dirty="0" err="1"/>
-              <a:t>Đại</a:t>
-            </a:r>
-            <a:r>
-              <a:rPr lang="en-US" sz="2800" b="0" dirty="0"/>
-              <a:t> An</a:t>
-            </a:r>
-          </a:p>
-          <a:p>
-            <a:pPr marL="457200" indent="-457200">
-              <a:buFont typeface="Arial" panose="020B0604020202020204" pitchFamily="34" charset="0"/>
-              <a:buChar char="•"/>
-            </a:pPr>
-            <a:r>
-              <a:rPr lang="en-US" sz="2800" b="0" dirty="0" err="1"/>
-              <a:t>Nguyễn</a:t>
-            </a:r>
-            <a:r>
-              <a:rPr lang="en-US" sz="2800" b="0" dirty="0"/>
-              <a:t> </a:t>
-            </a:r>
-            <a:r>
-              <a:rPr lang="en-US" sz="2800" b="0" dirty="0" err="1"/>
-              <a:t>Tuấn</a:t>
-            </a:r>
-            <a:r>
-              <a:rPr lang="en-US" sz="2800" b="0" dirty="0"/>
-              <a:t> Anh</a:t>
-            </a:r>
-          </a:p>
-          <a:p>
-            <a:pPr marL="457200" indent="-457200">
-              <a:buFont typeface="Arial" panose="020B0604020202020204" pitchFamily="34" charset="0"/>
-              <a:buChar char="•"/>
-            </a:pPr>
-            <a:r>
-              <a:rPr lang="en-US" sz="2800" b="0" dirty="0" err="1"/>
-              <a:t>Trần</a:t>
-            </a:r>
-            <a:r>
-              <a:rPr lang="en-US" sz="2800" b="0" dirty="0"/>
-              <a:t> </a:t>
-            </a:r>
-            <a:r>
-              <a:rPr lang="en-US" sz="2800" b="0" dirty="0" err="1"/>
-              <a:t>Hồ</a:t>
-            </a:r>
-            <a:r>
-              <a:rPr lang="en-US" sz="2800" b="0" dirty="0"/>
-              <a:t> Khánh Ly</a:t>
-            </a:r>
-          </a:p>
-        </p:txBody>
-      </p:sp>
+        </p:grpSpPr>
+        <p:pic>
+          <p:nvPicPr>
+            <p:cNvPr id="6" name="Picture 5">
+              <a:extLst>
+                <a:ext uri="{FF2B5EF4-FFF2-40B4-BE49-F238E27FC236}">
+                  <a16:creationId xmlns:a16="http://schemas.microsoft.com/office/drawing/2014/main" id="{49552A5F-9998-C9B3-0AAE-DDB555ED6CA9}"/>
+                </a:ext>
+              </a:extLst>
+            </p:cNvPr>
+            <p:cNvPicPr>
+              <a:picLocks noChangeAspect="1"/>
+            </p:cNvPicPr>
+            <p:nvPr/>
+          </p:nvPicPr>
+          <p:blipFill>
+            <a:blip r:embed="rId2"/>
+            <a:stretch>
+              <a:fillRect/>
+            </a:stretch>
+          </p:blipFill>
+          <p:spPr>
+            <a:xfrm>
+              <a:off x="438513" y="3373299"/>
+              <a:ext cx="4389401" cy="2201713"/>
+            </a:xfrm>
+            <a:prstGeom prst="rect">
+              <a:avLst/>
+            </a:prstGeom>
+          </p:spPr>
+        </p:pic>
+        <p:pic>
+          <p:nvPicPr>
+            <p:cNvPr id="8" name="Picture 7">
+              <a:extLst>
+                <a:ext uri="{FF2B5EF4-FFF2-40B4-BE49-F238E27FC236}">
+                  <a16:creationId xmlns:a16="http://schemas.microsoft.com/office/drawing/2014/main" id="{0B2A26D9-3D8C-41D0-023A-BA8B8A8CB331}"/>
+                </a:ext>
+              </a:extLst>
+            </p:cNvPr>
+            <p:cNvPicPr>
+              <a:picLocks noChangeAspect="1"/>
+            </p:cNvPicPr>
+            <p:nvPr/>
+          </p:nvPicPr>
+          <p:blipFill>
+            <a:blip r:embed="rId3"/>
+            <a:stretch>
+              <a:fillRect/>
+            </a:stretch>
+          </p:blipFill>
+          <p:spPr>
+            <a:xfrm>
+              <a:off x="5031350" y="3492943"/>
+              <a:ext cx="3096057" cy="1962424"/>
+            </a:xfrm>
+            <a:prstGeom prst="rect">
+              <a:avLst/>
+            </a:prstGeom>
+          </p:spPr>
+        </p:pic>
+      </p:grpSp>
     </p:spTree>
     <p:extLst>
       <p:ext uri="{BB962C8B-B14F-4D97-AF65-F5344CB8AC3E}">
-        <p14:creationId xmlns:p14="http://schemas.microsoft.com/office/powerpoint/2010/main" val="743172911"/>
+        <p14:creationId xmlns:p14="http://schemas.microsoft.com/office/powerpoint/2010/main" val="292364014"/>
       </p:ext>
     </p:extLst>
   </p:cSld>
@@ -4619,16 +7043,16 @@
           <a:lstStyle/>
           <a:p>
             <a:r>
-              <a:rPr lang="en-US" dirty="0" err="1"/>
-              <a:t>Mục</a:t>
-            </a:r>
-            <a:r>
-              <a:rPr lang="en-US" dirty="0"/>
-              <a:t> </a:t>
-            </a:r>
-            <a:r>
-              <a:rPr lang="en-US" dirty="0" err="1"/>
-              <a:t>lục</a:t>
+              <a:rPr lang="en-US" dirty="0"/>
+              <a:t>Thành </a:t>
+            </a:r>
+            <a:r>
+              <a:rPr lang="en-US" dirty="0" err="1"/>
+              <a:t>phần</a:t>
+            </a:r>
+            <a:r>
+              <a:rPr lang="vi-VN" dirty="0"/>
+              <a:t>: myShell.exe</a:t>
             </a:r>
             <a:endParaRPr lang="en-US" dirty="0"/>
           </a:p>
@@ -4655,89 +7079,124 @@
           <a:bodyPr/>
           <a:lstStyle/>
           <a:p>
-            <a:pPr marL="514350" indent="-514350">
-              <a:buFont typeface="+mj-lt"/>
-              <a:buAutoNum type="arabicPeriod"/>
+            <a:pPr marL="0" indent="0">
+              <a:buNone/>
             </a:pPr>
             <a:r>
               <a:rPr lang="en-US" dirty="0" err="1"/>
-              <a:t>Mục</a:t>
-            </a:r>
-            <a:r>
-              <a:rPr lang="en-US" dirty="0"/>
-              <a:t> </a:t>
-            </a:r>
-            <a:r>
-              <a:rPr lang="en-US" dirty="0" err="1"/>
-              <a:t>tiêu</a:t>
-            </a:r>
+              <a:t>WinMain</a:t>
+            </a:r>
+            <a:r>
+              <a:rPr lang="en-US" dirty="0"/>
+              <a:t>: </a:t>
+            </a:r>
+            <a:r>
+              <a:rPr lang="en-US" dirty="0" err="1"/>
+              <a:t>Khởi</a:t>
+            </a:r>
+            <a:r>
+              <a:rPr lang="en-US" dirty="0"/>
+              <a:t> </a:t>
+            </a:r>
+            <a:r>
+              <a:rPr lang="en-US" dirty="0" err="1"/>
+              <a:t>tạo</a:t>
+            </a:r>
+            <a:r>
+              <a:rPr lang="en-US" dirty="0"/>
+              <a:t> </a:t>
+            </a:r>
+            <a:r>
+              <a:rPr lang="en-US" dirty="0" err="1"/>
+              <a:t>chương</a:t>
+            </a:r>
+            <a:r>
+              <a:rPr lang="en-US" dirty="0"/>
+              <a:t> trình </a:t>
+            </a:r>
+            <a:r>
+              <a:rPr lang="en-US" dirty="0" err="1"/>
+              <a:t>có</a:t>
+            </a:r>
+            <a:r>
+              <a:rPr lang="en-US" dirty="0"/>
+              <a:t> GUI </a:t>
+            </a:r>
+            <a:r>
+              <a:rPr lang="en-US" dirty="0" err="1"/>
+              <a:t>cho</a:t>
+            </a:r>
+            <a:r>
+              <a:rPr lang="en-US" dirty="0"/>
+              <a:t> </a:t>
+            </a:r>
+            <a:r>
+              <a:rPr lang="en-US" dirty="0" err="1"/>
+              <a:t>hệ</a:t>
+            </a:r>
+            <a:r>
+              <a:rPr lang="en-US" dirty="0"/>
+              <a:t> </a:t>
+            </a:r>
+            <a:r>
+              <a:rPr lang="en-US" dirty="0" err="1"/>
+              <a:t>điều</a:t>
+            </a:r>
+            <a:r>
+              <a:rPr lang="en-US" dirty="0"/>
+              <a:t> </a:t>
+            </a:r>
+            <a:r>
+              <a:rPr lang="en-US" dirty="0" err="1"/>
+              <a:t>hành</a:t>
+            </a:r>
+            <a:r>
+              <a:rPr lang="en-US" dirty="0"/>
+              <a:t> Window</a:t>
+            </a:r>
+          </a:p>
+          <a:p>
+            <a:pPr marL="0" indent="0">
+              <a:buNone/>
+            </a:pPr>
             <a:endParaRPr lang="en-US" dirty="0"/>
           </a:p>
-          <a:p>
-            <a:pPr marL="514350" indent="-514350">
-              <a:buFont typeface="+mj-lt"/>
-              <a:buAutoNum type="arabicPeriod"/>
-            </a:pPr>
-            <a:r>
-              <a:rPr lang="en-US" dirty="0"/>
-              <a:t>Thành </a:t>
-            </a:r>
-            <a:r>
-              <a:rPr lang="en-US" dirty="0" err="1"/>
-              <a:t>phần</a:t>
-            </a:r>
-            <a:endParaRPr lang="en-US" dirty="0"/>
-          </a:p>
-          <a:p>
-            <a:pPr marL="971550" lvl="1" indent="-514350">
-              <a:buFont typeface="+mj-lt"/>
-              <a:buAutoNum type="arabicPeriod"/>
-            </a:pPr>
-            <a:r>
-              <a:rPr lang="en-US" dirty="0" err="1"/>
-              <a:t>Chương</a:t>
-            </a:r>
-            <a:r>
-              <a:rPr lang="en-US" dirty="0"/>
-              <a:t> trình </a:t>
-            </a:r>
-            <a:r>
-              <a:rPr lang="en-US" dirty="0" err="1"/>
-              <a:t>myShell</a:t>
-            </a:r>
-            <a:r>
-              <a:rPr lang="en-US" dirty="0"/>
-              <a:t>.</a:t>
-            </a:r>
-          </a:p>
-          <a:p>
-            <a:pPr marL="971550" lvl="1" indent="-514350">
-              <a:buFont typeface="+mj-lt"/>
-              <a:buAutoNum type="arabicPeriod"/>
-            </a:pPr>
-            <a:r>
-              <a:rPr lang="en-US" dirty="0" err="1"/>
-              <a:t>Các</a:t>
-            </a:r>
-            <a:r>
-              <a:rPr lang="en-US" dirty="0"/>
-              <a:t> </a:t>
-            </a:r>
-            <a:r>
-              <a:rPr lang="en-US" dirty="0" err="1"/>
-              <a:t>chương</a:t>
-            </a:r>
-            <a:r>
-              <a:rPr lang="en-US" dirty="0"/>
-              <a:t> trình con (plugins).</a:t>
-            </a:r>
-          </a:p>
-        </p:txBody>
-      </p:sp>
+        </p:txBody>
+      </p:sp>
+      <p:pic>
+        <p:nvPicPr>
+          <p:cNvPr id="7" name="Picture 6">
+            <a:extLst>
+              <a:ext uri="{FF2B5EF4-FFF2-40B4-BE49-F238E27FC236}">
+                <a16:creationId xmlns:a16="http://schemas.microsoft.com/office/drawing/2014/main" id="{500CAE1C-B2DB-51E0-7688-87E8D6BA5BD3}"/>
+              </a:ext>
+            </a:extLst>
+          </p:cNvPr>
+          <p:cNvPicPr>
+            <a:picLocks noChangeAspect="1"/>
+          </p:cNvPicPr>
+          <p:nvPr/>
+        </p:nvPicPr>
+        <p:blipFill>
+          <a:blip r:embed="rId2"/>
+          <a:stretch>
+            <a:fillRect/>
+          </a:stretch>
+        </p:blipFill>
+        <p:spPr>
+          <a:xfrm>
+            <a:off x="51777" y="2274707"/>
+            <a:ext cx="9040445" cy="3259318"/>
+          </a:xfrm>
+          <a:prstGeom prst="rect">
+            <a:avLst/>
+          </a:prstGeom>
+        </p:spPr>
+      </p:pic>
     </p:spTree>
     <p:extLst>
       <p:ext uri="{BB962C8B-B14F-4D97-AF65-F5344CB8AC3E}">
-        <p14:creationId xmlns:p14="http://schemas.microsoft.com/office/powerpoint/2010/main" val="3705772900"/>
+        <p14:creationId xmlns:p14="http://schemas.microsoft.com/office/powerpoint/2010/main" val="656872730"/>
       </p:ext>
     </p:extLst>
   </p:cSld>
@@ -4816,16 +7275,16 @@
           <a:lstStyle/>
           <a:p>
             <a:r>
-              <a:rPr lang="en-US" dirty="0" err="1"/>
-              <a:t>Mục</a:t>
-            </a:r>
-            <a:r>
-              <a:rPr lang="en-US" dirty="0"/>
-              <a:t> </a:t>
-            </a:r>
-            <a:r>
-              <a:rPr lang="en-US" dirty="0" err="1"/>
-              <a:t>tiêu</a:t>
+              <a:rPr lang="en-US" dirty="0"/>
+              <a:t>Thành </a:t>
+            </a:r>
+            <a:r>
+              <a:rPr lang="en-US" dirty="0" err="1"/>
+              <a:t>phần</a:t>
+            </a:r>
+            <a:r>
+              <a:rPr lang="vi-VN" dirty="0"/>
+              <a:t>: myShell.exe</a:t>
             </a:r>
             <a:endParaRPr lang="en-US" dirty="0"/>
           </a:p>
@@ -4852,65 +7311,80 @@
           <a:bodyPr/>
           <a:lstStyle/>
           <a:p>
-            <a:pPr marL="514350" indent="-514350">
-              <a:buFont typeface="+mj-lt"/>
-              <a:buAutoNum type="arabicPeriod"/>
+            <a:pPr marL="0" indent="0">
+              <a:buNone/>
             </a:pPr>
             <a:r>
               <a:rPr lang="en-US" dirty="0" err="1"/>
-              <a:t>Sử</a:t>
-            </a:r>
-            <a:r>
-              <a:rPr lang="en-US" dirty="0"/>
-              <a:t> </a:t>
-            </a:r>
-            <a:r>
-              <a:rPr lang="en-US" dirty="0" err="1"/>
-              <a:t>dụng</a:t>
-            </a:r>
-            <a:r>
-              <a:rPr lang="en-US" dirty="0"/>
-              <a:t> </a:t>
-            </a:r>
-            <a:r>
-              <a:rPr lang="en-US" dirty="0" err="1"/>
-              <a:t>tối</a:t>
-            </a:r>
-            <a:r>
-              <a:rPr lang="en-US" dirty="0"/>
-              <a:t> </a:t>
-            </a:r>
-            <a:r>
-              <a:rPr lang="en-US" dirty="0" err="1"/>
-              <a:t>đa</a:t>
-            </a:r>
-            <a:r>
-              <a:rPr lang="en-US" dirty="0"/>
-              <a:t> </a:t>
-            </a:r>
-            <a:r>
-              <a:rPr lang="en-US" dirty="0" err="1"/>
-              <a:t>thư</a:t>
-            </a:r>
-            <a:r>
-              <a:rPr lang="en-US" dirty="0"/>
-              <a:t> </a:t>
-            </a:r>
-            <a:r>
-              <a:rPr lang="en-US" dirty="0" err="1"/>
-              <a:t>viện</a:t>
-            </a:r>
-            <a:r>
-              <a:rPr lang="en-US" dirty="0"/>
-              <a:t> </a:t>
-            </a:r>
-            <a:r>
-              <a:rPr lang="en-US" dirty="0" err="1"/>
-              <a:t>windows.h</a:t>
-            </a:r>
-            <a:r>
-              <a:rPr lang="en-US" dirty="0"/>
-              <a:t> (Win32)</a:t>
+              <a:t>WinMain</a:t>
+            </a:r>
+            <a:r>
+              <a:rPr lang="en-US" dirty="0"/>
+              <a:t>: </a:t>
+            </a:r>
+            <a:r>
+              <a:rPr lang="en-US" dirty="0" err="1"/>
+              <a:t>Khởi</a:t>
+            </a:r>
+            <a:r>
+              <a:rPr lang="en-US" dirty="0"/>
+              <a:t> </a:t>
+            </a:r>
+            <a:r>
+              <a:rPr lang="en-US" dirty="0" err="1"/>
+              <a:t>tạo</a:t>
+            </a:r>
+            <a:r>
+              <a:rPr lang="en-US" dirty="0"/>
+              <a:t> </a:t>
+            </a:r>
+            <a:r>
+              <a:rPr lang="en-US" dirty="0" err="1"/>
+              <a:t>chương</a:t>
+            </a:r>
+            <a:r>
+              <a:rPr lang="en-US" dirty="0"/>
+              <a:t> trình </a:t>
+            </a:r>
+            <a:r>
+              <a:rPr lang="en-US" dirty="0" err="1"/>
+              <a:t>có</a:t>
+            </a:r>
+            <a:r>
+              <a:rPr lang="en-US" dirty="0"/>
+              <a:t> GUI </a:t>
+            </a:r>
+            <a:r>
+              <a:rPr lang="en-US" dirty="0" err="1"/>
+              <a:t>cho</a:t>
+            </a:r>
+            <a:r>
+              <a:rPr lang="en-US" dirty="0"/>
+              <a:t> </a:t>
+            </a:r>
+            <a:r>
+              <a:rPr lang="en-US" dirty="0" err="1"/>
+              <a:t>hệ</a:t>
+            </a:r>
+            <a:r>
+              <a:rPr lang="en-US" dirty="0"/>
+              <a:t> </a:t>
+            </a:r>
+            <a:r>
+              <a:rPr lang="en-US" dirty="0" err="1"/>
+              <a:t>điều</a:t>
+            </a:r>
+            <a:r>
+              <a:rPr lang="en-US" dirty="0"/>
+              <a:t> </a:t>
+            </a:r>
+            <a:r>
+              <a:rPr lang="en-US" dirty="0" err="1"/>
+              <a:t>hành</a:t>
+            </a:r>
+            <a:r>
+              <a:rPr lang="en-US" dirty="0"/>
+              <a:t> Window</a:t>
             </a:r>
           </a:p>
           <a:p>
@@ -4919,18 +7393,42 @@
             </a:pPr>
             <a:endParaRPr lang="en-US" dirty="0"/>
           </a:p>
-          <a:p>
-            <a:endParaRPr lang="en-US" dirty="0"/>
-          </a:p>
-          <a:p>
-            <a:endParaRPr lang="en-US" dirty="0"/>
-          </a:p>
-        </p:txBody>
-      </p:sp>
+        </p:txBody>
+      </p:sp>
+      <p:pic>
+        <p:nvPicPr>
+          <p:cNvPr id="9" name="Picture 8">
+            <a:extLst>
+              <a:ext uri="{FF2B5EF4-FFF2-40B4-BE49-F238E27FC236}">
+                <a16:creationId xmlns:a16="http://schemas.microsoft.com/office/drawing/2014/main" id="{0918D394-6CC8-B507-12B4-B9D0F1C386A2}"/>
+              </a:ext>
+            </a:extLst>
+          </p:cNvPr>
+          <p:cNvPicPr>
+            <a:picLocks noChangeAspect="1"/>
+          </p:cNvPicPr>
+          <p:nvPr/>
+        </p:nvPicPr>
+        <p:blipFill>
+          <a:blip r:embed="rId2"/>
+          <a:stretch>
+            <a:fillRect/>
+          </a:stretch>
+        </p:blipFill>
+        <p:spPr>
+          <a:xfrm>
+            <a:off x="395438" y="2147318"/>
+            <a:ext cx="8117625" cy="3634949"/>
+          </a:xfrm>
+          <a:prstGeom prst="rect">
+            <a:avLst/>
+          </a:prstGeom>
+        </p:spPr>
+      </p:pic>
     </p:spTree>
     <p:extLst>
       <p:ext uri="{BB962C8B-B14F-4D97-AF65-F5344CB8AC3E}">
-        <p14:creationId xmlns:p14="http://schemas.microsoft.com/office/powerpoint/2010/main" val="292364014"/>
+        <p14:creationId xmlns:p14="http://schemas.microsoft.com/office/powerpoint/2010/main" val="3515440643"/>
       </p:ext>
     </p:extLst>
   </p:cSld>
@@ -5134,7 +7632,7 @@
           <p:cNvPr id="6" name="Picture 5">
             <a:extLst>
               <a:ext uri="{FF2B5EF4-FFF2-40B4-BE49-F238E27FC236}">
-                <a16:creationId xmlns:a16="http://schemas.microsoft.com/office/drawing/2014/main" id="{F9D2D620-FF2F-887B-00E5-5F44DBAB579C}"/>
+                <a16:creationId xmlns:a16="http://schemas.microsoft.com/office/drawing/2014/main" id="{9B78C305-0223-769C-8324-8E31A2A6C9CB}"/>
               </a:ext>
             </a:extLst>
           </p:cNvPr>
@@ -5151,8 +7649,8 @@
         </p:blipFill>
         <p:spPr>
           <a:xfrm>
-            <a:off x="528073" y="2285394"/>
-            <a:ext cx="8087854" cy="3219899"/>
+            <a:off x="0" y="1898754"/>
+            <a:ext cx="9144000" cy="3822492"/>
           </a:xfrm>
           <a:prstGeom prst="rect">
             <a:avLst/>
@@ -5162,7 +7660,7 @@
     </p:spTree>
     <p:extLst>
       <p:ext uri="{BB962C8B-B14F-4D97-AF65-F5344CB8AC3E}">
-        <p14:creationId xmlns:p14="http://schemas.microsoft.com/office/powerpoint/2010/main" val="656872730"/>
+        <p14:creationId xmlns:p14="http://schemas.microsoft.com/office/powerpoint/2010/main" val="2548690379"/>
       </p:ext>
     </p:extLst>
   </p:cSld>
@@ -5618,43 +8116,59 @@
             </a:pPr>
             <a:r>
               <a:rPr lang="en-US" dirty="0"/>
-              <a:t>Tiến trình </a:t>
-            </a:r>
-            <a:r>
-              <a:rPr lang="en-US" dirty="0" err="1"/>
-              <a:t>bắt</a:t>
-            </a:r>
-            <a:r>
-              <a:rPr lang="en-US" dirty="0"/>
-              <a:t> </a:t>
-            </a:r>
-            <a:r>
-              <a:rPr lang="en-US" dirty="0" err="1"/>
-              <a:t>đầu</a:t>
-            </a:r>
-            <a:r>
-              <a:rPr lang="en-US" dirty="0"/>
-              <a:t> </a:t>
-            </a:r>
-            <a:r>
-              <a:rPr lang="en-US" dirty="0" err="1"/>
-              <a:t>bằng</a:t>
-            </a:r>
-            <a:r>
-              <a:rPr lang="en-US" dirty="0"/>
-              <a:t> </a:t>
-            </a:r>
-            <a:r>
-              <a:rPr lang="en-US" dirty="0" err="1"/>
-              <a:t>cách</a:t>
-            </a:r>
-            <a:r>
-              <a:rPr lang="en-US" dirty="0"/>
-              <a:t> </a:t>
-            </a:r>
-            <a:r>
-              <a:rPr lang="en-US" dirty="0" err="1"/>
-              <a:t>khởi</a:t>
+              <a:t>WNDCLASSEXW: Khai </a:t>
+            </a:r>
+            <a:r>
+              <a:rPr lang="en-US" dirty="0" err="1"/>
+              <a:t>báo</a:t>
+            </a:r>
+            <a:r>
+              <a:rPr lang="en-US" dirty="0"/>
+              <a:t> </a:t>
+            </a:r>
+            <a:r>
+              <a:rPr lang="en-US" dirty="0" err="1"/>
+              <a:t>các</a:t>
+            </a:r>
+            <a:r>
+              <a:rPr lang="en-US" dirty="0"/>
+              <a:t> </a:t>
+            </a:r>
+            <a:r>
+              <a:rPr lang="en-US" dirty="0" err="1"/>
+              <a:t>thông</a:t>
+            </a:r>
+            <a:r>
+              <a:rPr lang="en-US" dirty="0"/>
+              <a:t> tin </a:t>
+            </a:r>
+            <a:r>
+              <a:rPr lang="en-US" dirty="0" err="1"/>
+              <a:t>về</a:t>
+            </a:r>
+            <a:r>
+              <a:rPr lang="en-US" dirty="0"/>
+              <a:t> </a:t>
+            </a:r>
+            <a:r>
+              <a:rPr lang="en-US" dirty="0" err="1"/>
+              <a:t>kiểu</a:t>
+            </a:r>
+            <a:r>
+              <a:rPr lang="en-US" dirty="0"/>
+              <a:t> </a:t>
+            </a:r>
+            <a:r>
+              <a:rPr lang="en-US" dirty="0" err="1"/>
+              <a:t>của</a:t>
+            </a:r>
+            <a:r>
+              <a:rPr lang="en-US" dirty="0"/>
+              <a:t> window </a:t>
+            </a:r>
+            <a:r>
+              <a:rPr lang="en-US" dirty="0" err="1"/>
+              <a:t>sẽ</a:t>
             </a:r>
             <a:r>
               <a:rPr lang="en-US" dirty="0"/>
@@ -5663,139 +8177,6 @@
             <a:r>
               <a:rPr lang="en-US" dirty="0" err="1"/>
               <a:t>tạo</a:t>
-            </a:r>
-            <a:r>
-              <a:rPr lang="en-US" dirty="0"/>
-              <a:t> </a:t>
-            </a:r>
-            <a:r>
-              <a:rPr lang="en-US" dirty="0" err="1"/>
-              <a:t>cửa</a:t>
-            </a:r>
-            <a:r>
-              <a:rPr lang="en-US" dirty="0"/>
-              <a:t> </a:t>
-            </a:r>
-            <a:r>
-              <a:rPr lang="en-US" dirty="0" err="1"/>
-              <a:t>sổ</a:t>
-            </a:r>
-            <a:r>
-              <a:rPr lang="en-US" dirty="0"/>
-              <a:t> </a:t>
-            </a:r>
-            <a:r>
-              <a:rPr lang="en-US" dirty="0" err="1"/>
-              <a:t>mới</a:t>
-            </a:r>
-            <a:r>
-              <a:rPr lang="en-US" dirty="0"/>
-              <a:t> </a:t>
-            </a:r>
-            <a:r>
-              <a:rPr lang="en-US" dirty="0" err="1"/>
-              <a:t>với</a:t>
-            </a:r>
-            <a:r>
-              <a:rPr lang="en-US" dirty="0"/>
-              <a:t> </a:t>
-            </a:r>
-            <a:r>
-              <a:rPr lang="en-US" dirty="0" err="1"/>
-              <a:t>giá</a:t>
-            </a:r>
-            <a:r>
-              <a:rPr lang="en-US" dirty="0"/>
-              <a:t> </a:t>
-            </a:r>
-            <a:r>
-              <a:rPr lang="en-US" dirty="0" err="1"/>
-              <a:t>trị</a:t>
-            </a:r>
-            <a:r>
-              <a:rPr lang="en-US" dirty="0"/>
-              <a:t> HWND </a:t>
-            </a:r>
-            <a:r>
-              <a:rPr lang="en-US" dirty="0" err="1"/>
-              <a:t>lưu</a:t>
-            </a:r>
-            <a:r>
-              <a:rPr lang="en-US" dirty="0"/>
-              <a:t> </a:t>
-            </a:r>
-            <a:r>
-              <a:rPr lang="en-US" dirty="0" err="1"/>
-              <a:t>trong</a:t>
-            </a:r>
-            <a:r>
-              <a:rPr lang="en-US" dirty="0"/>
-              <a:t> </a:t>
-            </a:r>
-            <a:r>
-              <a:rPr lang="en-US" dirty="0" err="1"/>
-              <a:t>hwndMain</a:t>
-            </a:r>
-            <a:r>
-              <a:rPr lang="en-US" dirty="0"/>
-              <a:t>.</a:t>
-            </a:r>
-          </a:p>
-          <a:p>
-            <a:pPr marL="0" indent="0">
-              <a:buNone/>
-            </a:pPr>
-            <a:r>
-              <a:rPr lang="en-US" dirty="0" err="1"/>
-              <a:t>Cửa</a:t>
-            </a:r>
-            <a:r>
-              <a:rPr lang="en-US" dirty="0"/>
-              <a:t> </a:t>
-            </a:r>
-            <a:r>
-              <a:rPr lang="en-US" dirty="0" err="1"/>
-              <a:t>sổ</a:t>
-            </a:r>
-            <a:r>
-              <a:rPr lang="en-US" dirty="0"/>
-              <a:t> </a:t>
-            </a:r>
-            <a:r>
-              <a:rPr lang="en-US" dirty="0" err="1"/>
-              <a:t>có</a:t>
-            </a:r>
-            <a:r>
-              <a:rPr lang="en-US" dirty="0"/>
-              <a:t> </a:t>
-            </a:r>
-            <a:r>
-              <a:rPr lang="en-US" dirty="0" err="1"/>
-              <a:t>tiêu</a:t>
-            </a:r>
-            <a:r>
-              <a:rPr lang="en-US" dirty="0"/>
-              <a:t> </a:t>
-            </a:r>
-            <a:r>
-              <a:rPr lang="en-US" dirty="0" err="1"/>
-              <a:t>đề</a:t>
-            </a:r>
-            <a:r>
-              <a:rPr lang="en-US" dirty="0"/>
-              <a:t> </a:t>
-            </a:r>
-            <a:r>
-              <a:rPr lang="en-US" dirty="0" err="1"/>
-              <a:t>là</a:t>
-            </a:r>
-            <a:r>
-              <a:rPr lang="en-US" dirty="0"/>
-              <a:t> </a:t>
-            </a:r>
-            <a:r>
-              <a:rPr lang="en-US" dirty="0" err="1"/>
-              <a:t>myShell</a:t>
             </a:r>
             <a:r>
               <a:rPr lang="en-US" dirty="0"/>
@@ -5815,7 +8196,7 @@
           <p:cNvPr id="7" name="Picture 6">
             <a:extLst>
               <a:ext uri="{FF2B5EF4-FFF2-40B4-BE49-F238E27FC236}">
-                <a16:creationId xmlns:a16="http://schemas.microsoft.com/office/drawing/2014/main" id="{24958AD4-1C0E-DD8A-093F-CA0B90CCC2E5}"/>
+                <a16:creationId xmlns:a16="http://schemas.microsoft.com/office/drawing/2014/main" id="{98B4A4E7-0146-87A3-8F12-B6FA60EB1A66}"/>
               </a:ext>
             </a:extLst>
           </p:cNvPr>
@@ -5824,16 +8205,15 @@
           </p:cNvPicPr>
           <p:nvPr/>
         </p:nvPicPr>
-        <p:blipFill>
+        <p:blipFill rotWithShape="1">
           <a:blip r:embed="rId2"/>
-          <a:stretch>
-            <a:fillRect/>
-          </a:stretch>
+          <a:srcRect r="9800"/>
+          <a:stretch/>
         </p:blipFill>
         <p:spPr>
           <a:xfrm>
-            <a:off x="236771" y="2729308"/>
-            <a:ext cx="8688012" cy="2514951"/>
+            <a:off x="699516" y="1943627"/>
+            <a:ext cx="7744968" cy="4073126"/>
           </a:xfrm>
           <a:prstGeom prst="rect">
             <a:avLst/>
@@ -5843,7 +8223,7 @@
     </p:spTree>
     <p:extLst>
       <p:ext uri="{BB962C8B-B14F-4D97-AF65-F5344CB8AC3E}">
-        <p14:creationId xmlns:p14="http://schemas.microsoft.com/office/powerpoint/2010/main" val="3261589314"/>
+        <p14:creationId xmlns:p14="http://schemas.microsoft.com/office/powerpoint/2010/main" val="2118190332"/>
       </p:ext>
     </p:extLst>
   </p:cSld>
@@ -5963,59 +8343,43 @@
             </a:pPr>
             <a:r>
               <a:rPr lang="en-US" dirty="0"/>
-              <a:t>WNDCLASSEXW: Khai </a:t>
-            </a:r>
-            <a:r>
-              <a:rPr lang="en-US" dirty="0" err="1"/>
-              <a:t>báo</a:t>
-            </a:r>
-            <a:r>
-              <a:rPr lang="en-US" dirty="0"/>
-              <a:t> </a:t>
-            </a:r>
-            <a:r>
-              <a:rPr lang="en-US" dirty="0" err="1"/>
-              <a:t>các</a:t>
-            </a:r>
-            <a:r>
-              <a:rPr lang="en-US" dirty="0"/>
-              <a:t> </a:t>
-            </a:r>
-            <a:r>
-              <a:rPr lang="en-US" dirty="0" err="1"/>
-              <a:t>thông</a:t>
-            </a:r>
-            <a:r>
-              <a:rPr lang="en-US" dirty="0"/>
-              <a:t> tin </a:t>
-            </a:r>
-            <a:r>
-              <a:rPr lang="en-US" dirty="0" err="1"/>
-              <a:t>về</a:t>
-            </a:r>
-            <a:r>
-              <a:rPr lang="en-US" dirty="0"/>
-              <a:t> </a:t>
-            </a:r>
-            <a:r>
-              <a:rPr lang="en-US" dirty="0" err="1"/>
-              <a:t>kiểu</a:t>
-            </a:r>
-            <a:r>
-              <a:rPr lang="en-US" dirty="0"/>
-              <a:t> </a:t>
-            </a:r>
-            <a:r>
-              <a:rPr lang="en-US" dirty="0" err="1"/>
-              <a:t>của</a:t>
-            </a:r>
-            <a:r>
-              <a:rPr lang="en-US" dirty="0"/>
-              <a:t> window </a:t>
-            </a:r>
-            <a:r>
-              <a:rPr lang="en-US" dirty="0" err="1"/>
-              <a:t>sẽ</a:t>
+              <a:t>Tiến trình </a:t>
+            </a:r>
+            <a:r>
+              <a:rPr lang="en-US" dirty="0" err="1"/>
+              <a:t>bắt</a:t>
+            </a:r>
+            <a:r>
+              <a:rPr lang="en-US" dirty="0"/>
+              <a:t> </a:t>
+            </a:r>
+            <a:r>
+              <a:rPr lang="en-US" dirty="0" err="1"/>
+              <a:t>đầu</a:t>
+            </a:r>
+            <a:r>
+              <a:rPr lang="en-US" dirty="0"/>
+              <a:t> </a:t>
+            </a:r>
+            <a:r>
+              <a:rPr lang="en-US" dirty="0" err="1"/>
+              <a:t>bằng</a:t>
+            </a:r>
+            <a:r>
+              <a:rPr lang="en-US" dirty="0"/>
+              <a:t> </a:t>
+            </a:r>
+            <a:r>
+              <a:rPr lang="en-US" dirty="0" err="1"/>
+              <a:t>cách</a:t>
+            </a:r>
+            <a:r>
+              <a:rPr lang="en-US" dirty="0"/>
+              <a:t> </a:t>
+            </a:r>
+            <a:r>
+              <a:rPr lang="en-US" dirty="0" err="1"/>
+              <a:t>khởi</a:t>
             </a:r>
             <a:r>
               <a:rPr lang="en-US" dirty="0"/>
@@ -6024,6 +8388,139 @@
             <a:r>
               <a:rPr lang="en-US" dirty="0" err="1"/>
               <a:t>tạo</a:t>
+            </a:r>
+            <a:r>
+              <a:rPr lang="en-US" dirty="0"/>
+              <a:t> </a:t>
+            </a:r>
+            <a:r>
+              <a:rPr lang="en-US" dirty="0" err="1"/>
+              <a:t>cửa</a:t>
+            </a:r>
+            <a:r>
+              <a:rPr lang="en-US" dirty="0"/>
+              <a:t> </a:t>
+            </a:r>
+            <a:r>
+              <a:rPr lang="en-US" dirty="0" err="1"/>
+              <a:t>sổ</a:t>
+            </a:r>
+            <a:r>
+              <a:rPr lang="en-US" dirty="0"/>
+              <a:t> </a:t>
+            </a:r>
+            <a:r>
+              <a:rPr lang="en-US" dirty="0" err="1"/>
+              <a:t>mới</a:t>
+            </a:r>
+            <a:r>
+              <a:rPr lang="en-US" dirty="0"/>
+              <a:t> </a:t>
+            </a:r>
+            <a:r>
+              <a:rPr lang="en-US" dirty="0" err="1"/>
+              <a:t>với</a:t>
+            </a:r>
+            <a:r>
+              <a:rPr lang="en-US" dirty="0"/>
+              <a:t> </a:t>
+            </a:r>
+            <a:r>
+              <a:rPr lang="en-US" dirty="0" err="1"/>
+              <a:t>giá</a:t>
+            </a:r>
+            <a:r>
+              <a:rPr lang="en-US" dirty="0"/>
+              <a:t> </a:t>
+            </a:r>
+            <a:r>
+              <a:rPr lang="en-US" dirty="0" err="1"/>
+              <a:t>trị</a:t>
+            </a:r>
+            <a:r>
+              <a:rPr lang="en-US" dirty="0"/>
+              <a:t> HWND </a:t>
+            </a:r>
+            <a:r>
+              <a:rPr lang="en-US" dirty="0" err="1"/>
+              <a:t>lưu</a:t>
+            </a:r>
+            <a:r>
+              <a:rPr lang="en-US" dirty="0"/>
+              <a:t> </a:t>
+            </a:r>
+            <a:r>
+              <a:rPr lang="en-US" dirty="0" err="1"/>
+              <a:t>trong</a:t>
+            </a:r>
+            <a:r>
+              <a:rPr lang="en-US" dirty="0"/>
+              <a:t> </a:t>
+            </a:r>
+            <a:r>
+              <a:rPr lang="en-US" dirty="0" err="1"/>
+              <a:t>hwndMain</a:t>
+            </a:r>
+            <a:r>
+              <a:rPr lang="en-US" dirty="0"/>
+              <a:t>.</a:t>
+            </a:r>
+          </a:p>
+          <a:p>
+            <a:pPr marL="0" indent="0">
+              <a:buNone/>
+            </a:pPr>
+            <a:r>
+              <a:rPr lang="en-US" dirty="0" err="1"/>
+              <a:t>Cửa</a:t>
+            </a:r>
+            <a:r>
+              <a:rPr lang="en-US" dirty="0"/>
+              <a:t> </a:t>
+            </a:r>
+            <a:r>
+              <a:rPr lang="en-US" dirty="0" err="1"/>
+              <a:t>sổ</a:t>
+            </a:r>
+            <a:r>
+              <a:rPr lang="en-US" dirty="0"/>
+              <a:t> </a:t>
+            </a:r>
+            <a:r>
+              <a:rPr lang="en-US" dirty="0" err="1"/>
+              <a:t>có</a:t>
+            </a:r>
+            <a:r>
+              <a:rPr lang="en-US" dirty="0"/>
+              <a:t> </a:t>
+            </a:r>
+            <a:r>
+              <a:rPr lang="en-US" dirty="0" err="1"/>
+              <a:t>tiêu</a:t>
+            </a:r>
+            <a:r>
+              <a:rPr lang="en-US" dirty="0"/>
+              <a:t> </a:t>
+            </a:r>
+            <a:r>
+              <a:rPr lang="en-US" dirty="0" err="1"/>
+              <a:t>đề</a:t>
+            </a:r>
+            <a:r>
+              <a:rPr lang="en-US" dirty="0"/>
+              <a:t> </a:t>
+            </a:r>
+            <a:r>
+              <a:rPr lang="en-US" dirty="0" err="1"/>
+              <a:t>là</a:t>
+            </a:r>
+            <a:r>
+              <a:rPr lang="en-US" dirty="0"/>
+              <a:t> </a:t>
+            </a:r>
+            <a:r>
+              <a:rPr lang="en-US" dirty="0" err="1"/>
+              <a:t>myShell</a:t>
             </a:r>
             <a:r>
               <a:rPr lang="en-US" dirty="0"/>
@@ -6043,7 +8540,7 @@
           <p:cNvPr id="7" name="Picture 6">
             <a:extLst>
               <a:ext uri="{FF2B5EF4-FFF2-40B4-BE49-F238E27FC236}">
-                <a16:creationId xmlns:a16="http://schemas.microsoft.com/office/drawing/2014/main" id="{98B4A4E7-0146-87A3-8F12-B6FA60EB1A66}"/>
+                <a16:creationId xmlns:a16="http://schemas.microsoft.com/office/drawing/2014/main" id="{24958AD4-1C0E-DD8A-093F-CA0B90CCC2E5}"/>
               </a:ext>
             </a:extLst>
           </p:cNvPr>
@@ -6052,15 +8549,16 @@
           </p:cNvPicPr>
           <p:nvPr/>
         </p:nvPicPr>
-        <p:blipFill rotWithShape="1">
+        <p:blipFill>
           <a:blip r:embed="rId2"/>
-          <a:srcRect r="9800"/>
-          <a:stretch/>
+          <a:stretch>
+            <a:fillRect/>
+          </a:stretch>
         </p:blipFill>
         <p:spPr>
           <a:xfrm>
-            <a:off x="699516" y="1943627"/>
-            <a:ext cx="7744968" cy="4073126"/>
+            <a:off x="236771" y="2729308"/>
+            <a:ext cx="8688012" cy="2514951"/>
           </a:xfrm>
           <a:prstGeom prst="rect">
             <a:avLst/>
@@ -6070,7 +8568,7 @@
     </p:spTree>
     <p:extLst>
       <p:ext uri="{BB962C8B-B14F-4D97-AF65-F5344CB8AC3E}">
-        <p14:creationId xmlns:p14="http://schemas.microsoft.com/office/powerpoint/2010/main" val="2118190332"/>
+        <p14:creationId xmlns:p14="http://schemas.microsoft.com/office/powerpoint/2010/main" val="3261589314"/>
       </p:ext>
     </p:extLst>
   </p:cSld>
